--- a/Spec/FHIR Appointment.pptx
+++ b/Spec/FHIR Appointment.pptx
@@ -6,15 +6,19 @@
     <p:sldMasterId id="2147483661" r:id="rId2"/>
   </p:sldMasterIdLst>
   <p:notesMasterIdLst>
-    <p:notesMasterId r:id="rId9"/>
+    <p:notesMasterId r:id="rId13"/>
   </p:notesMasterIdLst>
   <p:sldIdLst>
     <p:sldId id="578" r:id="rId3"/>
-    <p:sldId id="579" r:id="rId4"/>
-    <p:sldId id="580" r:id="rId5"/>
-    <p:sldId id="581" r:id="rId6"/>
-    <p:sldId id="582" r:id="rId7"/>
-    <p:sldId id="583" r:id="rId8"/>
+    <p:sldId id="586" r:id="rId4"/>
+    <p:sldId id="584" r:id="rId5"/>
+    <p:sldId id="585" r:id="rId6"/>
+    <p:sldId id="579" r:id="rId7"/>
+    <p:sldId id="581" r:id="rId8"/>
+    <p:sldId id="587" r:id="rId9"/>
+    <p:sldId id="589" r:id="rId10"/>
+    <p:sldId id="582" r:id="rId11"/>
+    <p:sldId id="590" r:id="rId12"/>
   </p:sldIdLst>
   <p:sldSz cx="12192000" cy="6858000"/>
   <p:notesSz cx="6858000" cy="9144000"/>
@@ -214,7 +218,7 @@
           <a:p>
             <a:fld id="{292263DF-D465-7D44-979E-8E059A80EA5A}" type="datetimeFigureOut">
               <a:rPr kumimoji="1" lang="zh-TW" altLang="en-US" smtClean="0"/>
-              <a:t>2019/9/23</a:t>
+              <a:t>2019/10/21</a:t>
             </a:fld>
             <a:endParaRPr kumimoji="1" lang="zh-TW" altLang="en-US"/>
           </a:p>
@@ -628,7 +632,7 @@
           <a:p>
             <a:fld id="{2C75088D-383A-FD4D-9806-47C9669AA49E}" type="datetimeFigureOut">
               <a:rPr kumimoji="1" lang="zh-TW" altLang="en-US" smtClean="0"/>
-              <a:t>2019/9/23</a:t>
+              <a:t>2019/10/21</a:t>
             </a:fld>
             <a:endParaRPr kumimoji="1" lang="zh-TW" altLang="en-US"/>
           </a:p>
@@ -826,7 +830,7 @@
           <a:p>
             <a:fld id="{2C75088D-383A-FD4D-9806-47C9669AA49E}" type="datetimeFigureOut">
               <a:rPr kumimoji="1" lang="zh-TW" altLang="en-US" smtClean="0"/>
-              <a:t>2019/9/23</a:t>
+              <a:t>2019/10/21</a:t>
             </a:fld>
             <a:endParaRPr kumimoji="1" lang="zh-TW" altLang="en-US"/>
           </a:p>
@@ -1034,7 +1038,7 @@
           <a:p>
             <a:fld id="{2C75088D-383A-FD4D-9806-47C9669AA49E}" type="datetimeFigureOut">
               <a:rPr kumimoji="1" lang="zh-TW" altLang="en-US" smtClean="0"/>
-              <a:t>2019/9/23</a:t>
+              <a:t>2019/10/21</a:t>
             </a:fld>
             <a:endParaRPr kumimoji="1" lang="zh-TW" altLang="en-US"/>
           </a:p>
@@ -3328,7 +3332,7 @@
           <a:p>
             <a:fld id="{2C75088D-383A-FD4D-9806-47C9669AA49E}" type="datetimeFigureOut">
               <a:rPr kumimoji="1" lang="zh-TW" altLang="en-US" smtClean="0"/>
-              <a:t>2019/9/23</a:t>
+              <a:t>2019/10/21</a:t>
             </a:fld>
             <a:endParaRPr kumimoji="1" lang="zh-TW" altLang="en-US"/>
           </a:p>
@@ -3508,7 +3512,7 @@
                   <a:spcPct val="0"/>
                 </a:spcAft>
               </a:pPr>
-              <a:t>23-9-2019</a:t>
+              <a:t>21-10-2019</a:t>
             </a:fld>
             <a:endParaRPr lang="nl-NL">
               <a:solidFill>
@@ -4000,7 +4004,7 @@
           <a:p>
             <a:fld id="{2C75088D-383A-FD4D-9806-47C9669AA49E}" type="datetimeFigureOut">
               <a:rPr kumimoji="1" lang="zh-TW" altLang="en-US" smtClean="0"/>
-              <a:t>2019/9/23</a:t>
+              <a:t>2019/10/21</a:t>
             </a:fld>
             <a:endParaRPr kumimoji="1" lang="zh-TW" altLang="en-US"/>
           </a:p>
@@ -4265,7 +4269,7 @@
           <a:p>
             <a:fld id="{2C75088D-383A-FD4D-9806-47C9669AA49E}" type="datetimeFigureOut">
               <a:rPr kumimoji="1" lang="zh-TW" altLang="en-US" smtClean="0"/>
-              <a:t>2019/9/23</a:t>
+              <a:t>2019/10/21</a:t>
             </a:fld>
             <a:endParaRPr kumimoji="1" lang="zh-TW" altLang="en-US"/>
           </a:p>
@@ -4677,7 +4681,7 @@
           <a:p>
             <a:fld id="{2C75088D-383A-FD4D-9806-47C9669AA49E}" type="datetimeFigureOut">
               <a:rPr kumimoji="1" lang="zh-TW" altLang="en-US" smtClean="0"/>
-              <a:t>2019/9/23</a:t>
+              <a:t>2019/10/21</a:t>
             </a:fld>
             <a:endParaRPr kumimoji="1" lang="zh-TW" altLang="en-US"/>
           </a:p>
@@ -4818,7 +4822,7 @@
           <a:p>
             <a:fld id="{2C75088D-383A-FD4D-9806-47C9669AA49E}" type="datetimeFigureOut">
               <a:rPr kumimoji="1" lang="zh-TW" altLang="en-US" smtClean="0"/>
-              <a:t>2019/9/23</a:t>
+              <a:t>2019/10/21</a:t>
             </a:fld>
             <a:endParaRPr kumimoji="1" lang="zh-TW" altLang="en-US"/>
           </a:p>
@@ -4931,7 +4935,7 @@
           <a:p>
             <a:fld id="{2C75088D-383A-FD4D-9806-47C9669AA49E}" type="datetimeFigureOut">
               <a:rPr kumimoji="1" lang="zh-TW" altLang="en-US" smtClean="0"/>
-              <a:t>2019/9/23</a:t>
+              <a:t>2019/10/21</a:t>
             </a:fld>
             <a:endParaRPr kumimoji="1" lang="zh-TW" altLang="en-US"/>
           </a:p>
@@ -5242,7 +5246,7 @@
           <a:p>
             <a:fld id="{2C75088D-383A-FD4D-9806-47C9669AA49E}" type="datetimeFigureOut">
               <a:rPr kumimoji="1" lang="zh-TW" altLang="en-US" smtClean="0"/>
-              <a:t>2019/9/23</a:t>
+              <a:t>2019/10/21</a:t>
             </a:fld>
             <a:endParaRPr kumimoji="1" lang="zh-TW" altLang="en-US"/>
           </a:p>
@@ -5530,7 +5534,7 @@
           <a:p>
             <a:fld id="{2C75088D-383A-FD4D-9806-47C9669AA49E}" type="datetimeFigureOut">
               <a:rPr kumimoji="1" lang="zh-TW" altLang="en-US" smtClean="0"/>
-              <a:t>2019/9/23</a:t>
+              <a:t>2019/10/21</a:t>
             </a:fld>
             <a:endParaRPr kumimoji="1" lang="zh-TW" altLang="en-US"/>
           </a:p>
@@ -5771,7 +5775,7 @@
           <a:p>
             <a:fld id="{2C75088D-383A-FD4D-9806-47C9669AA49E}" type="datetimeFigureOut">
               <a:rPr kumimoji="1" lang="zh-TW" altLang="en-US" smtClean="0"/>
-              <a:t>2019/9/23</a:t>
+              <a:t>2019/10/21</a:t>
             </a:fld>
             <a:endParaRPr kumimoji="1" lang="zh-TW" altLang="en-US"/>
           </a:p>
@@ -7448,6 +7452,308 @@
 </p:sld>
 </file>
 
+<file path=ppt/slides/slide10.xml><?xml version="1.0" encoding="utf-8"?>
+<p:sld xmlns:a="http://schemas.openxmlformats.org/drawingml/2006/main" xmlns:r="http://schemas.openxmlformats.org/officeDocument/2006/relationships" xmlns:p="http://schemas.openxmlformats.org/presentationml/2006/main">
+  <p:cSld>
+    <p:spTree>
+      <p:nvGrpSpPr>
+        <p:cNvPr id="1" name=""/>
+        <p:cNvGrpSpPr/>
+        <p:nvPr/>
+      </p:nvGrpSpPr>
+      <p:grpSpPr>
+        <a:xfrm>
+          <a:off x="0" y="0"/>
+          <a:ext cx="0" cy="0"/>
+          <a:chOff x="0" y="0"/>
+          <a:chExt cx="0" cy="0"/>
+        </a:xfrm>
+      </p:grpSpPr>
+      <p:sp>
+        <p:nvSpPr>
+          <p:cNvPr id="2" name="標題 1"/>
+          <p:cNvSpPr>
+            <a:spLocks noGrp="1"/>
+          </p:cNvSpPr>
+          <p:nvPr>
+            <p:ph type="title"/>
+          </p:nvPr>
+        </p:nvSpPr>
+        <p:spPr>
+          <a:xfrm>
+            <a:off x="1101024" y="120237"/>
+            <a:ext cx="9101753" cy="1143000"/>
+          </a:xfrm>
+        </p:spPr>
+        <p:txBody>
+          <a:bodyPr>
+            <a:noAutofit/>
+          </a:bodyPr>
+          <a:lstStyle/>
+          <a:p>
+            <a:pPr algn="ctr"/>
+            <a:r>
+              <a:rPr lang="en-US" altLang="zh-TW" sz="4800" b="1" dirty="0" smtClean="0">
+                <a:latin typeface="+mn-ea"/>
+                <a:ea typeface="+mn-ea"/>
+              </a:rPr>
+              <a:t>FHIR</a:t>
+            </a:r>
+            <a:r>
+              <a:rPr lang="zh-TW" altLang="en-US" sz="4800" b="1" dirty="0" smtClean="0">
+                <a:latin typeface="+mn-ea"/>
+                <a:ea typeface="+mn-ea"/>
+              </a:rPr>
+              <a:t> </a:t>
+            </a:r>
+            <a:r>
+              <a:rPr lang="en-US" altLang="zh-TW" sz="4800" b="1" dirty="0" smtClean="0">
+                <a:latin typeface="+mn-ea"/>
+                <a:ea typeface="+mn-ea"/>
+              </a:rPr>
+              <a:t>resource </a:t>
+            </a:r>
+            <a:r>
+              <a:rPr lang="zh-TW" altLang="en-US" sz="4800" b="1" dirty="0" smtClean="0">
+                <a:latin typeface="+mn-ea"/>
+                <a:ea typeface="+mn-ea"/>
+              </a:rPr>
+              <a:t>查詢</a:t>
+            </a:r>
+            <a:endParaRPr lang="zh-TW" altLang="en-US" sz="4800" b="1" dirty="0">
+              <a:latin typeface="+mn-ea"/>
+              <a:ea typeface="+mn-ea"/>
+            </a:endParaRPr>
+          </a:p>
+        </p:txBody>
+      </p:sp>
+      <p:sp>
+        <p:nvSpPr>
+          <p:cNvPr id="3" name="內容版面配置區 2"/>
+          <p:cNvSpPr>
+            <a:spLocks noGrp="1"/>
+          </p:cNvSpPr>
+          <p:nvPr>
+            <p:ph idx="1"/>
+          </p:nvPr>
+        </p:nvSpPr>
+        <p:spPr>
+          <a:xfrm>
+            <a:off x="871202" y="1437373"/>
+            <a:ext cx="10772123" cy="4328466"/>
+          </a:xfrm>
+        </p:spPr>
+        <p:txBody>
+          <a:bodyPr>
+            <a:noAutofit/>
+          </a:bodyPr>
+          <a:lstStyle/>
+          <a:p>
+            <a:r>
+              <a:rPr lang="zh-TW" altLang="en-US" sz="3200" dirty="0" smtClean="0">
+                <a:latin typeface="+mn-ea"/>
+              </a:rPr>
+              <a:t>看診資訊查詢</a:t>
+            </a:r>
+            <a:endParaRPr lang="en-US" altLang="zh-TW" sz="3200" dirty="0" smtClean="0">
+              <a:latin typeface="+mn-ea"/>
+            </a:endParaRPr>
+          </a:p>
+          <a:p>
+            <a:pPr lvl="1"/>
+            <a:r>
+              <a:rPr lang="zh-TW" altLang="en-US" sz="2800" dirty="0" smtClean="0">
+                <a:latin typeface="+mn-ea"/>
+              </a:rPr>
+              <a:t>某</a:t>
+            </a:r>
+            <a:r>
+              <a:rPr lang="zh-TW" altLang="en-US" sz="2800" dirty="0">
+                <a:latin typeface="+mn-ea"/>
+              </a:rPr>
+              <a:t>班表包含的時段</a:t>
+            </a:r>
+          </a:p>
+          <a:p>
+            <a:pPr lvl="1"/>
+            <a:r>
+              <a:rPr lang="en-US" altLang="zh-TW" sz="2800" dirty="0">
+                <a:latin typeface="+mn-ea"/>
+              </a:rPr>
+              <a:t>http://hapi.fhir.org/baseDstu3/Slot?schedule=1896788</a:t>
+            </a:r>
+          </a:p>
+          <a:p>
+            <a:pPr lvl="1"/>
+            <a:r>
+              <a:rPr lang="zh-TW" altLang="en-US" sz="2800" dirty="0" smtClean="0">
+                <a:latin typeface="+mn-ea"/>
+              </a:rPr>
+              <a:t>查詢</a:t>
+            </a:r>
+            <a:r>
+              <a:rPr lang="zh-TW" altLang="en-US" sz="2800" dirty="0">
+                <a:latin typeface="+mn-ea"/>
+              </a:rPr>
+              <a:t>某時段之小兒科醫師</a:t>
+            </a:r>
+            <a:r>
+              <a:rPr lang="en-US" altLang="zh-TW" sz="2800" dirty="0">
+                <a:latin typeface="+mn-ea"/>
+              </a:rPr>
+              <a:t>(</a:t>
+            </a:r>
+            <a:r>
+              <a:rPr lang="zh-TW" altLang="en-US" sz="2800" dirty="0">
+                <a:latin typeface="+mn-ea"/>
+              </a:rPr>
+              <a:t>可能有好幾個</a:t>
+            </a:r>
+            <a:r>
+              <a:rPr lang="en-US" altLang="zh-TW" sz="2800" dirty="0">
+                <a:latin typeface="+mn-ea"/>
+              </a:rPr>
+              <a:t>)</a:t>
+            </a:r>
+            <a:r>
+              <a:rPr lang="zh-TW" altLang="en-US" sz="2800" dirty="0">
+                <a:latin typeface="+mn-ea"/>
+              </a:rPr>
+              <a:t>之看診時間</a:t>
+            </a:r>
+          </a:p>
+          <a:p>
+            <a:r>
+              <a:rPr lang="zh-TW" altLang="en-US" sz="3200" dirty="0" smtClean="0">
+                <a:latin typeface="+mn-ea"/>
+              </a:rPr>
+              <a:t>掛</a:t>
+            </a:r>
+            <a:r>
+              <a:rPr lang="zh-TW" altLang="en-US" sz="3200" dirty="0">
+                <a:latin typeface="+mn-ea"/>
+              </a:rPr>
+              <a:t>號</a:t>
+            </a:r>
+            <a:r>
+              <a:rPr lang="zh-TW" altLang="en-US" sz="3200" dirty="0" smtClean="0">
+                <a:latin typeface="+mn-ea"/>
+              </a:rPr>
+              <a:t>資料查</a:t>
+            </a:r>
+            <a:r>
+              <a:rPr lang="zh-TW" altLang="en-US" sz="3200" dirty="0">
+                <a:latin typeface="+mn-ea"/>
+              </a:rPr>
+              <a:t>詢</a:t>
+            </a:r>
+            <a:endParaRPr lang="en-US" altLang="zh-TW" sz="3200" dirty="0" smtClean="0">
+              <a:latin typeface="+mn-ea"/>
+            </a:endParaRPr>
+          </a:p>
+          <a:p>
+            <a:r>
+              <a:rPr lang="zh-TW" altLang="en-US" sz="3200" dirty="0" smtClean="0">
+                <a:latin typeface="+mn-ea"/>
+              </a:rPr>
+              <a:t>查</a:t>
+            </a:r>
+            <a:r>
+              <a:rPr lang="zh-TW" altLang="en-US" sz="3200" dirty="0">
+                <a:latin typeface="+mn-ea"/>
+              </a:rPr>
+              <a:t>某時段之掛號病人</a:t>
+            </a:r>
+          </a:p>
+          <a:p>
+            <a:pPr lvl="1"/>
+            <a:r>
+              <a:rPr lang="en-US" altLang="zh-TW" sz="2800" dirty="0">
+                <a:latin typeface="+mn-ea"/>
+                <a:hlinkClick r:id="rId2"/>
+              </a:rPr>
+              <a:t>http://</a:t>
+            </a:r>
+            <a:r>
+              <a:rPr lang="en-US" altLang="zh-TW" sz="2800" dirty="0" smtClean="0">
+                <a:latin typeface="+mn-ea"/>
+                <a:hlinkClick r:id="rId2"/>
+              </a:rPr>
+              <a:t>hapi.fhir.org/baseR4/Appointment?slot=123</a:t>
+            </a:r>
+            <a:endParaRPr lang="en-US" altLang="zh-TW" sz="2800" dirty="0" smtClean="0">
+              <a:latin typeface="+mn-ea"/>
+            </a:endParaRPr>
+          </a:p>
+          <a:p>
+            <a:r>
+              <a:rPr lang="zh-TW" altLang="en-US" sz="3600" dirty="0" smtClean="0">
+                <a:latin typeface="+mn-ea"/>
+              </a:rPr>
+              <a:t>查詢</a:t>
+            </a:r>
+            <a:r>
+              <a:rPr lang="zh-TW" altLang="en-US" sz="3600" dirty="0">
+                <a:latin typeface="+mn-ea"/>
+              </a:rPr>
+              <a:t>某一病人之掛號</a:t>
+            </a:r>
+            <a:r>
+              <a:rPr lang="zh-TW" altLang="en-US" sz="3600" dirty="0" smtClean="0">
+                <a:latin typeface="+mn-ea"/>
+              </a:rPr>
+              <a:t>資料</a:t>
+            </a:r>
+            <a:endParaRPr lang="en-US" altLang="zh-TW" sz="3600" dirty="0" smtClean="0">
+              <a:latin typeface="+mn-ea"/>
+            </a:endParaRPr>
+          </a:p>
+          <a:p>
+            <a:pPr lvl="1"/>
+            <a:r>
+              <a:rPr lang="en-US" altLang="zh-TW" sz="2800" dirty="0">
+                <a:latin typeface="+mn-ea"/>
+              </a:rPr>
+              <a:t>http://</a:t>
+            </a:r>
+            <a:r>
+              <a:rPr lang="en-US" altLang="zh-TW" sz="2800" dirty="0" smtClean="0">
+                <a:latin typeface="+mn-ea"/>
+              </a:rPr>
+              <a:t>hapi.fhir.org/baseR4/Appointment?patient=123</a:t>
+            </a:r>
+            <a:endParaRPr lang="zh-TW" altLang="en-US" sz="2800" dirty="0">
+              <a:latin typeface="+mn-ea"/>
+            </a:endParaRPr>
+          </a:p>
+          <a:p>
+            <a:pPr lvl="2"/>
+            <a:endParaRPr lang="zh-TW" altLang="en-US" sz="1600" dirty="0">
+              <a:latin typeface="+mn-ea"/>
+            </a:endParaRPr>
+          </a:p>
+        </p:txBody>
+      </p:sp>
+    </p:spTree>
+    <p:extLst>
+      <p:ext uri="{BB962C8B-B14F-4D97-AF65-F5344CB8AC3E}">
+        <p14:creationId xmlns:p14="http://schemas.microsoft.com/office/powerpoint/2010/main" val="97179002"/>
+      </p:ext>
+    </p:extLst>
+  </p:cSld>
+  <p:clrMapOvr>
+    <a:masterClrMapping/>
+  </p:clrMapOvr>
+  <p:timing>
+    <p:tnLst>
+      <p:par>
+        <p:cTn id="1" dur="indefinite" restart="never" nodeType="tmRoot"/>
+      </p:par>
+    </p:tnLst>
+  </p:timing>
+</p:sld>
+</file>
+
 <file path=ppt/slides/slide2.xml><?xml version="1.0" encoding="utf-8"?>
 <p:sld xmlns:a="http://schemas.openxmlformats.org/drawingml/2006/main" xmlns:r="http://schemas.openxmlformats.org/officeDocument/2006/relationships" xmlns:p="http://schemas.openxmlformats.org/presentationml/2006/main">
   <p:cSld>
@@ -7475,51 +7781,27 @@
             <p:ph type="title"/>
           </p:nvPr>
         </p:nvSpPr>
-        <p:spPr>
-          <a:xfrm>
-            <a:off x="1101024" y="120237"/>
-            <a:ext cx="9101753" cy="1143000"/>
-          </a:xfrm>
-        </p:spPr>
-        <p:txBody>
-          <a:bodyPr>
-            <a:noAutofit/>
-          </a:bodyPr>
+        <p:spPr/>
+        <p:txBody>
+          <a:bodyPr/>
           <a:lstStyle/>
           <a:p>
-            <a:pPr algn="ctr"/>
-            <a:r>
-              <a:rPr lang="zh-TW" altLang="en-US" sz="4800" b="1" dirty="0" smtClean="0">
-                <a:latin typeface="+mn-ea"/>
-                <a:ea typeface="+mn-ea"/>
-              </a:rPr>
-              <a:t>相關 </a:t>
-            </a:r>
-            <a:r>
-              <a:rPr lang="en-US" altLang="zh-TW" sz="4800" b="1" dirty="0" smtClean="0">
-                <a:latin typeface="+mn-ea"/>
-                <a:ea typeface="+mn-ea"/>
-              </a:rPr>
-              <a:t>FHIR</a:t>
-            </a:r>
-            <a:r>
-              <a:rPr lang="zh-TW" altLang="en-US" sz="4800" b="1" dirty="0" smtClean="0">
-                <a:latin typeface="+mn-ea"/>
-                <a:ea typeface="+mn-ea"/>
-              </a:rPr>
-              <a:t> </a:t>
-            </a:r>
-            <a:r>
-              <a:rPr lang="en-US" altLang="zh-TW" sz="4800" b="1" dirty="0" smtClean="0">
-                <a:latin typeface="+mn-ea"/>
-                <a:ea typeface="+mn-ea"/>
-              </a:rPr>
-              <a:t>resources</a:t>
-            </a:r>
-            <a:endParaRPr lang="zh-TW" altLang="en-US" sz="4800" b="1" dirty="0">
-              <a:latin typeface="+mn-ea"/>
-              <a:ea typeface="+mn-ea"/>
-            </a:endParaRPr>
+            <a:r>
+              <a:rPr lang="zh-TW" altLang="en-US" dirty="0" smtClean="0"/>
+              <a:t>應用情境範例</a:t>
+            </a:r>
+            <a:r>
+              <a:rPr lang="en-US" altLang="zh-TW" dirty="0" smtClean="0"/>
+              <a:t>:</a:t>
+            </a:r>
+            <a:r>
+              <a:rPr lang="zh-TW" altLang="en-US" dirty="0" smtClean="0"/>
+              <a:t> 統一之網路</a:t>
+            </a:r>
+            <a:r>
+              <a:rPr lang="zh-TW" altLang="en-US" dirty="0"/>
+              <a:t>掛號平台</a:t>
+            </a:r>
           </a:p>
         </p:txBody>
       </p:sp>
@@ -7533,181 +7815,95 @@
             <p:ph idx="1"/>
           </p:nvPr>
         </p:nvSpPr>
-        <p:spPr>
-          <a:xfrm>
-            <a:off x="707572" y="1524000"/>
-            <a:ext cx="10772123" cy="4328466"/>
-          </a:xfrm>
-        </p:spPr>
-        <p:txBody>
-          <a:bodyPr>
-            <a:noAutofit/>
-          </a:bodyPr>
+        <p:spPr/>
+        <p:txBody>
+          <a:bodyPr/>
           <a:lstStyle/>
           <a:p>
             <a:r>
-              <a:rPr lang="zh-TW" altLang="en-US" sz="3200" dirty="0" smtClean="0">
-                <a:latin typeface="+mn-ea"/>
-              </a:rPr>
-              <a:t>預約</a:t>
-            </a:r>
-            <a:r>
-              <a:rPr lang="zh-TW" altLang="en-US" sz="3200" dirty="0">
-                <a:latin typeface="+mn-ea"/>
-              </a:rPr>
-              <a:t>及</a:t>
-            </a:r>
-            <a:r>
-              <a:rPr lang="zh-TW" altLang="en-US" sz="3200" dirty="0" smtClean="0">
-                <a:latin typeface="+mn-ea"/>
-              </a:rPr>
-              <a:t>掛號所需資訊</a:t>
-            </a:r>
-            <a:endParaRPr lang="zh-TW" altLang="en-US" sz="3200" dirty="0">
-              <a:latin typeface="+mn-ea"/>
-            </a:endParaRPr>
+              <a:rPr lang="zh-TW" altLang="en-US" dirty="0" smtClean="0"/>
+              <a:t>解決不同醫院就醫，需使用不同掛號系統造成的不便</a:t>
+            </a:r>
+            <a:endParaRPr lang="en-US" altLang="zh-TW" dirty="0" smtClean="0"/>
           </a:p>
           <a:p>
             <a:pPr lvl="1"/>
             <a:r>
-              <a:rPr lang="zh-TW" altLang="en-US" sz="2800" dirty="0">
-                <a:latin typeface="+mn-ea"/>
-              </a:rPr>
-              <a:t>門診時間表</a:t>
-            </a:r>
-            <a:r>
-              <a:rPr lang="en-US" altLang="zh-TW" sz="2800" dirty="0">
-                <a:latin typeface="+mn-ea"/>
-              </a:rPr>
-              <a:t>:schedule</a:t>
-            </a:r>
+              <a:rPr lang="zh-TW" altLang="en-US" dirty="0" smtClean="0"/>
+              <a:t>利於民眾</a:t>
+            </a:r>
+            <a:r>
+              <a:rPr lang="zh-TW" altLang="en-US" dirty="0"/>
+              <a:t>從此平台</a:t>
+            </a:r>
+            <a:r>
+              <a:rPr lang="zh-TW" altLang="en-US" dirty="0" smtClean="0"/>
+              <a:t>，選擇</a:t>
+            </a:r>
+            <a:r>
+              <a:rPr lang="zh-TW" altLang="en-US" dirty="0"/>
+              <a:t>方便的時間及醫院預約掛號</a:t>
+            </a:r>
+            <a:endParaRPr lang="en-US" altLang="zh-TW" dirty="0" smtClean="0"/>
+          </a:p>
+          <a:p>
+            <a:endParaRPr lang="en-US" altLang="zh-TW" dirty="0" smtClean="0"/>
+          </a:p>
+          <a:p>
+            <a:r>
+              <a:rPr lang="zh-TW" altLang="en-US" dirty="0" smtClean="0"/>
+              <a:t>幫小診所或健康醫療單位建立網路掛號服務</a:t>
+            </a:r>
+            <a:endParaRPr lang="en-US" altLang="zh-TW" dirty="0" smtClean="0"/>
           </a:p>
           <a:p>
             <a:pPr lvl="1"/>
             <a:r>
-              <a:rPr lang="zh-TW" altLang="en-US" sz="2800" dirty="0">
-                <a:latin typeface="+mn-ea"/>
-              </a:rPr>
-              <a:t>看診科別及時段</a:t>
-            </a:r>
-            <a:r>
-              <a:rPr lang="en-US" altLang="zh-TW" sz="2800" dirty="0">
-                <a:latin typeface="+mn-ea"/>
-              </a:rPr>
-              <a:t>: Slot</a:t>
-            </a:r>
+              <a:rPr lang="zh-TW" altLang="en-US" dirty="0"/>
+              <a:t>診所及</a:t>
+            </a:r>
+            <a:r>
+              <a:rPr lang="zh-TW" altLang="en-US" dirty="0" smtClean="0"/>
+              <a:t>小型機構</a:t>
+            </a:r>
+            <a:r>
+              <a:rPr lang="zh-TW" altLang="en-US" dirty="0"/>
+              <a:t>，往往無資訊人力建立及維護醫資</a:t>
+            </a:r>
+            <a:r>
+              <a:rPr lang="zh-TW" altLang="en-US" dirty="0" smtClean="0"/>
+              <a:t>系統</a:t>
+            </a:r>
+            <a:endParaRPr lang="en-US" altLang="zh-TW" dirty="0" smtClean="0"/>
           </a:p>
           <a:p>
             <a:pPr lvl="1"/>
             <a:r>
-              <a:rPr lang="zh-TW" altLang="en-US" sz="2800" dirty="0">
-                <a:latin typeface="+mn-ea"/>
-              </a:rPr>
-              <a:t>掛號結果</a:t>
-            </a:r>
-            <a:r>
-              <a:rPr lang="en-US" altLang="zh-TW" sz="2800" dirty="0">
-                <a:latin typeface="+mn-ea"/>
-              </a:rPr>
-              <a:t>: appointment </a:t>
-            </a:r>
-          </a:p>
-          <a:p>
-            <a:r>
-              <a:rPr lang="zh-TW" altLang="en-US" sz="3200" dirty="0" smtClean="0">
-                <a:latin typeface="+mn-ea"/>
-              </a:rPr>
-              <a:t>需預先建立的資料</a:t>
-            </a:r>
-            <a:endParaRPr lang="en-US" altLang="zh-TW" sz="3200" dirty="0" smtClean="0">
-              <a:latin typeface="+mn-ea"/>
-            </a:endParaRPr>
-          </a:p>
-          <a:p>
-            <a:pPr lvl="1"/>
-            <a:r>
-              <a:rPr lang="zh-TW" altLang="en-US" sz="2800" b="1" dirty="0" smtClean="0">
-                <a:latin typeface="+mn-ea"/>
-              </a:rPr>
-              <a:t>醫療健康人員與機構資訊</a:t>
-            </a:r>
-            <a:endParaRPr lang="en-US" altLang="zh-TW" sz="2800" b="1" dirty="0" smtClean="0">
-              <a:latin typeface="+mn-ea"/>
-            </a:endParaRPr>
-          </a:p>
-          <a:p>
-            <a:pPr lvl="2"/>
-            <a:r>
-              <a:rPr lang="zh-TW" altLang="en-US" sz="2400" dirty="0" smtClean="0">
-                <a:latin typeface="+mn-ea"/>
-              </a:rPr>
-              <a:t>如提供掛號</a:t>
-            </a:r>
-            <a:r>
-              <a:rPr lang="zh-TW" altLang="en-US" sz="2400" dirty="0">
-                <a:latin typeface="+mn-ea"/>
-              </a:rPr>
-              <a:t>及</a:t>
-            </a:r>
-            <a:r>
-              <a:rPr lang="zh-TW" altLang="en-US" sz="2400" dirty="0" smtClean="0">
-                <a:latin typeface="+mn-ea"/>
-              </a:rPr>
-              <a:t>就醫窗口人員聯絡及服務時間資訊</a:t>
-            </a:r>
-            <a:endParaRPr lang="en-US" altLang="zh-TW" sz="2400" dirty="0" smtClean="0">
-              <a:latin typeface="+mn-ea"/>
-            </a:endParaRPr>
-          </a:p>
-          <a:p>
-            <a:pPr lvl="1"/>
-            <a:r>
-              <a:rPr lang="zh-TW" altLang="en-US" sz="2800" b="1" dirty="0" smtClean="0">
-                <a:latin typeface="+mn-ea"/>
-              </a:rPr>
-              <a:t>病人狀況及問題資訊</a:t>
-            </a:r>
-            <a:endParaRPr lang="en-US" altLang="zh-TW" sz="2800" b="1" dirty="0" smtClean="0">
-              <a:latin typeface="+mn-ea"/>
-            </a:endParaRPr>
-          </a:p>
-          <a:p>
-            <a:pPr lvl="2"/>
-            <a:r>
-              <a:rPr lang="zh-TW" altLang="en-US" sz="2400" dirty="0" smtClean="0">
-                <a:latin typeface="+mn-ea"/>
-              </a:rPr>
-              <a:t>如就醫</a:t>
-            </a:r>
-            <a:r>
-              <a:rPr lang="zh-TW" altLang="en-US" sz="2400" dirty="0">
-                <a:latin typeface="+mn-ea"/>
-              </a:rPr>
-              <a:t>前病人狀況、問題、檢驗、檢查、及量測報告</a:t>
-            </a:r>
-            <a:endParaRPr lang="en-US" altLang="zh-TW" sz="2400" dirty="0" smtClean="0">
-              <a:latin typeface="+mn-ea"/>
-            </a:endParaRPr>
+              <a:rPr lang="zh-TW" altLang="en-US" dirty="0" smtClean="0"/>
+              <a:t>可用統一之平台提供網路</a:t>
+            </a:r>
+            <a:r>
+              <a:rPr lang="zh-TW" altLang="en-US" dirty="0"/>
+              <a:t>掛號</a:t>
+            </a:r>
+            <a:r>
+              <a:rPr lang="zh-TW" altLang="en-US" dirty="0" smtClean="0"/>
+              <a:t>機制</a:t>
+            </a:r>
+            <a:endParaRPr lang="zh-TW" altLang="en-US" dirty="0"/>
           </a:p>
         </p:txBody>
       </p:sp>
     </p:spTree>
     <p:extLst>
       <p:ext uri="{BB962C8B-B14F-4D97-AF65-F5344CB8AC3E}">
-        <p14:creationId xmlns:p14="http://schemas.microsoft.com/office/powerpoint/2010/main" val="4255876974"/>
+        <p14:creationId xmlns:p14="http://schemas.microsoft.com/office/powerpoint/2010/main" val="2304272658"/>
       </p:ext>
     </p:extLst>
   </p:cSld>
   <p:clrMapOvr>
     <a:masterClrMapping/>
   </p:clrMapOvr>
-  <p:timing>
-    <p:tnLst>
-      <p:par>
-        <p:cTn id="1" dur="indefinite" restart="never" nodeType="tmRoot"/>
-      </p:par>
-    </p:tnLst>
-  </p:timing>
 </p:sld>
 </file>
 
@@ -7743,21 +7939,10 @@
           <a:bodyPr/>
           <a:lstStyle/>
           <a:p>
-            <a:r>
-              <a:rPr lang="zh-TW" altLang="en-US" dirty="0" smtClean="0"/>
-              <a:t>應用情境範例</a:t>
-            </a:r>
-            <a:r>
-              <a:rPr lang="en-US" altLang="zh-TW" dirty="0" smtClean="0"/>
-              <a:t>:</a:t>
-            </a:r>
-            <a:r>
-              <a:rPr lang="zh-TW" altLang="en-US" dirty="0" smtClean="0"/>
-              <a:t> 統一之網路</a:t>
-            </a:r>
+            <a:pPr algn="ctr"/>
             <a:r>
               <a:rPr lang="zh-TW" altLang="en-US" dirty="0"/>
-              <a:t>掛號平台</a:t>
+              <a:t>線上掛號流程</a:t>
             </a:r>
           </a:p>
         </p:txBody>
@@ -7778,83 +7963,39 @@
           <a:lstStyle/>
           <a:p>
             <a:r>
-              <a:rPr lang="zh-TW" altLang="en-US" dirty="0" smtClean="0"/>
-              <a:t>解決不同醫院就醫，需使用不同掛號系統造成的不便</a:t>
-            </a:r>
-            <a:endParaRPr lang="en-US" altLang="zh-TW" dirty="0" smtClean="0"/>
+              <a:rPr lang="zh-TW" altLang="en-US" dirty="0"/>
+              <a:t>應用情境概述</a:t>
+            </a:r>
           </a:p>
           <a:p>
             <a:pPr lvl="1"/>
             <a:r>
-              <a:rPr lang="zh-TW" altLang="en-US" dirty="0" smtClean="0"/>
-              <a:t>利於民眾</a:t>
-            </a:r>
-            <a:r>
               <a:rPr lang="zh-TW" altLang="en-US" dirty="0"/>
-              <a:t>從此平台</a:t>
-            </a:r>
-            <a:r>
-              <a:rPr lang="zh-TW" altLang="en-US" dirty="0" smtClean="0"/>
-              <a:t>，選擇</a:t>
+              <a:t>基於 </a:t>
+            </a:r>
+            <a:r>
+              <a:rPr lang="en-US" altLang="zh-TW" dirty="0"/>
+              <a:t>FHIR </a:t>
             </a:r>
             <a:r>
               <a:rPr lang="zh-TW" altLang="en-US" dirty="0"/>
-              <a:t>方便的時間及醫院預約掛號</a:t>
-            </a:r>
-            <a:endParaRPr lang="en-US" altLang="zh-TW" dirty="0" smtClean="0"/>
-          </a:p>
-          <a:p>
-            <a:endParaRPr lang="en-US" altLang="zh-TW" dirty="0" smtClean="0"/>
-          </a:p>
-          <a:p>
-            <a:r>
-              <a:rPr lang="zh-TW" altLang="en-US" dirty="0" smtClean="0"/>
-              <a:t>幫小診所或健康醫療單位建立網路掛號服務</a:t>
-            </a:r>
-            <a:endParaRPr lang="en-US" altLang="zh-TW" dirty="0" smtClean="0"/>
-          </a:p>
-          <a:p>
-            <a:pPr lvl="1"/>
+              <a:t>規範，醫療機構提供門診時間表，提供網頁或 </a:t>
+            </a:r>
+            <a:r>
+              <a:rPr lang="en-US" altLang="zh-TW" dirty="0"/>
+              <a:t>APP </a:t>
+            </a:r>
             <a:r>
               <a:rPr lang="zh-TW" altLang="en-US" dirty="0"/>
-              <a:t>診所及</a:t>
-            </a:r>
-            <a:r>
-              <a:rPr lang="zh-TW" altLang="en-US" dirty="0" smtClean="0"/>
-              <a:t>小型機構</a:t>
-            </a:r>
-            <a:r>
-              <a:rPr lang="zh-TW" altLang="en-US" dirty="0"/>
-              <a:t>，往往無資訊人力建立及維護醫資</a:t>
-            </a:r>
-            <a:r>
-              <a:rPr lang="zh-TW" altLang="en-US" dirty="0" smtClean="0"/>
-              <a:t>系統</a:t>
-            </a:r>
-            <a:endParaRPr lang="en-US" altLang="zh-TW" dirty="0" smtClean="0"/>
-          </a:p>
-          <a:p>
-            <a:pPr lvl="1"/>
-            <a:r>
-              <a:rPr lang="zh-TW" altLang="en-US" dirty="0" smtClean="0"/>
-              <a:t>可用統一之平台提供網路</a:t>
-            </a:r>
-            <a:r>
-              <a:rPr lang="zh-TW" altLang="en-US" dirty="0"/>
-              <a:t>掛號</a:t>
-            </a:r>
-            <a:r>
-              <a:rPr lang="zh-TW" altLang="en-US" dirty="0" smtClean="0"/>
-              <a:t>機制</a:t>
-            </a:r>
-            <a:endParaRPr lang="zh-TW" altLang="en-US" dirty="0"/>
+              <a:t>介面讓病人線上掛號</a:t>
+            </a:r>
           </a:p>
         </p:txBody>
       </p:sp>
     </p:spTree>
     <p:extLst>
       <p:ext uri="{BB962C8B-B14F-4D97-AF65-F5344CB8AC3E}">
-        <p14:creationId xmlns:p14="http://schemas.microsoft.com/office/powerpoint/2010/main" val="536856824"/>
+        <p14:creationId xmlns:p14="http://schemas.microsoft.com/office/powerpoint/2010/main" val="1821784482"/>
       </p:ext>
     </p:extLst>
   </p:cSld>
@@ -7891,30 +8032,23 @@
             <p:ph type="title"/>
           </p:nvPr>
         </p:nvSpPr>
-        <p:spPr>
-          <a:xfrm>
-            <a:off x="1101024" y="120237"/>
-            <a:ext cx="9101753" cy="1143000"/>
-          </a:xfrm>
-        </p:spPr>
-        <p:txBody>
-          <a:bodyPr>
-            <a:noAutofit/>
-          </a:bodyPr>
+        <p:spPr/>
+        <p:txBody>
+          <a:bodyPr/>
           <a:lstStyle/>
           <a:p>
             <a:pPr algn="ctr"/>
             <a:r>
-              <a:rPr lang="zh-TW" altLang="en-US" sz="4800" b="1" dirty="0" smtClean="0">
-                <a:latin typeface="+mn-ea"/>
-                <a:ea typeface="+mn-ea"/>
-              </a:rPr>
-              <a:t>掛號流程分析</a:t>
-            </a:r>
-            <a:endParaRPr lang="zh-TW" altLang="en-US" sz="4800" b="1" dirty="0">
-              <a:latin typeface="+mn-ea"/>
-              <a:ea typeface="+mn-ea"/>
-            </a:endParaRPr>
+              <a:rPr lang="zh-TW" altLang="en-US" dirty="0"/>
+              <a:t/>
+            </a:r>
+            <a:br>
+              <a:rPr lang="zh-TW" altLang="en-US" dirty="0"/>
+            </a:br>
+            <a:r>
+              <a:rPr lang="zh-TW" altLang="en-US" dirty="0"/>
+              <a:t>預定產生之使用功能與介面</a:t>
+            </a:r>
           </a:p>
         </p:txBody>
       </p:sp>
@@ -7928,180 +8062,84 @@
             <p:ph idx="1"/>
           </p:nvPr>
         </p:nvSpPr>
-        <p:spPr>
-          <a:xfrm>
-            <a:off x="871202" y="1437373"/>
-            <a:ext cx="10772123" cy="4328466"/>
-          </a:xfrm>
-        </p:spPr>
-        <p:txBody>
-          <a:bodyPr>
-            <a:noAutofit/>
-          </a:bodyPr>
+        <p:spPr/>
+        <p:txBody>
+          <a:bodyPr/>
           <a:lstStyle/>
           <a:p>
-            <a:r>
-              <a:rPr lang="zh-TW" altLang="en-US" sz="3200" dirty="0" smtClean="0">
-                <a:latin typeface="+mn-ea"/>
-              </a:rPr>
-              <a:t>醫療單位定期上傳及更新</a:t>
-            </a:r>
-            <a:r>
-              <a:rPr lang="en-US" altLang="zh-TW" sz="3200" dirty="0" smtClean="0">
-                <a:latin typeface="+mn-ea"/>
-              </a:rPr>
-              <a:t>:</a:t>
-            </a:r>
-          </a:p>
-          <a:p>
-            <a:pPr lvl="1"/>
-            <a:r>
-              <a:rPr lang="zh-TW" altLang="en-US" sz="2800" dirty="0">
-                <a:latin typeface="+mn-ea"/>
-              </a:rPr>
-              <a:t>醫療健康人員與機構資訊</a:t>
-            </a:r>
-          </a:p>
-          <a:p>
-            <a:pPr lvl="1"/>
-            <a:r>
-              <a:rPr lang="zh-TW" altLang="en-US" sz="2800" dirty="0" smtClean="0">
-                <a:latin typeface="+mn-ea"/>
-              </a:rPr>
-              <a:t>預約掛號時段資訊</a:t>
-            </a:r>
-            <a:endParaRPr lang="zh-TW" altLang="en-US" sz="2800" dirty="0">
-              <a:latin typeface="+mn-ea"/>
-            </a:endParaRPr>
-          </a:p>
-          <a:p>
-            <a:pPr lvl="2"/>
-            <a:r>
-              <a:rPr lang="zh-TW" altLang="en-US" sz="2400" dirty="0">
-                <a:latin typeface="+mn-ea"/>
-              </a:rPr>
-              <a:t>門診時間表</a:t>
-            </a:r>
-            <a:r>
-              <a:rPr lang="en-US" altLang="zh-TW" sz="2400" dirty="0">
-                <a:latin typeface="+mn-ea"/>
-              </a:rPr>
-              <a:t>:</a:t>
-            </a:r>
-            <a:r>
-              <a:rPr lang="en-US" altLang="zh-TW" sz="2400" dirty="0" smtClean="0">
-                <a:latin typeface="+mn-ea"/>
-              </a:rPr>
-              <a:t>schedule</a:t>
-            </a:r>
-            <a:r>
-              <a:rPr lang="zh-TW" altLang="en-US" sz="2400" dirty="0" smtClean="0">
-                <a:latin typeface="+mn-ea"/>
-              </a:rPr>
-              <a:t>、看</a:t>
-            </a:r>
-            <a:r>
-              <a:rPr lang="zh-TW" altLang="en-US" sz="2400" dirty="0">
-                <a:latin typeface="+mn-ea"/>
-              </a:rPr>
-              <a:t>診科別及時段</a:t>
-            </a:r>
-            <a:r>
-              <a:rPr lang="en-US" altLang="zh-TW" sz="2400" dirty="0">
-                <a:latin typeface="+mn-ea"/>
-              </a:rPr>
-              <a:t>: Slot</a:t>
-            </a:r>
-          </a:p>
-          <a:p>
-            <a:r>
-              <a:rPr lang="zh-TW" altLang="en-US" sz="3200" dirty="0" smtClean="0">
-                <a:latin typeface="+mn-ea"/>
-              </a:rPr>
-              <a:t>民眾</a:t>
-            </a:r>
-            <a:endParaRPr lang="en-US" altLang="zh-TW" sz="3200" dirty="0" smtClean="0">
-              <a:latin typeface="+mn-ea"/>
-            </a:endParaRPr>
-          </a:p>
-          <a:p>
-            <a:pPr lvl="1"/>
-            <a:r>
-              <a:rPr lang="zh-TW" altLang="en-US" sz="2800" dirty="0" smtClean="0">
-                <a:latin typeface="+mn-ea"/>
-              </a:rPr>
-              <a:t>預先在平台建立帳號、可提供病人狀況</a:t>
-            </a:r>
-            <a:r>
-              <a:rPr lang="zh-TW" altLang="en-US" sz="2800" dirty="0">
-                <a:latin typeface="+mn-ea"/>
-              </a:rPr>
-              <a:t>及問題</a:t>
-            </a:r>
-            <a:r>
-              <a:rPr lang="zh-TW" altLang="en-US" sz="2800" dirty="0" smtClean="0">
-                <a:latin typeface="+mn-ea"/>
-              </a:rPr>
-              <a:t>資訊、選定掛號時段</a:t>
-            </a:r>
-            <a:endParaRPr lang="en-US" altLang="zh-TW" sz="2800" dirty="0" smtClean="0">
-              <a:latin typeface="+mn-ea"/>
-            </a:endParaRPr>
-          </a:p>
-          <a:p>
-            <a:r>
-              <a:rPr lang="zh-TW" altLang="en-US" sz="3200" dirty="0" smtClean="0">
-                <a:latin typeface="+mn-ea"/>
-              </a:rPr>
-              <a:t>結果查詢</a:t>
-            </a:r>
-            <a:endParaRPr lang="en-US" altLang="zh-TW" sz="3200" dirty="0" smtClean="0">
-              <a:latin typeface="+mn-ea"/>
-            </a:endParaRPr>
-          </a:p>
-          <a:p>
-            <a:pPr lvl="1"/>
-            <a:r>
-              <a:rPr lang="zh-TW" altLang="en-US" sz="2800" dirty="0" smtClean="0">
-                <a:latin typeface="+mn-ea"/>
-              </a:rPr>
-              <a:t>民眾查詢個人或家屬之掛號資訊</a:t>
-            </a:r>
-            <a:endParaRPr lang="en-US" altLang="zh-TW" sz="2800" dirty="0" smtClean="0">
-              <a:latin typeface="+mn-ea"/>
-            </a:endParaRPr>
-          </a:p>
-          <a:p>
-            <a:pPr lvl="1"/>
-            <a:r>
-              <a:rPr lang="zh-TW" altLang="en-US" sz="2800" dirty="0" smtClean="0">
-                <a:latin typeface="+mn-ea"/>
-              </a:rPr>
-              <a:t>各機構查該機構之掛號資訊</a:t>
-            </a:r>
-            <a:endParaRPr lang="en-US" altLang="zh-TW" sz="2400" dirty="0" smtClean="0">
-              <a:latin typeface="+mn-ea"/>
-            </a:endParaRPr>
+            <a:endParaRPr lang="en-US" altLang="zh-TW" dirty="0" smtClean="0"/>
+          </a:p>
+          <a:p>
+            <a:r>
+              <a:rPr lang="zh-TW" altLang="en-US" dirty="0" smtClean="0"/>
+              <a:t>醫院</a:t>
+            </a:r>
+            <a:r>
+              <a:rPr lang="zh-TW" altLang="en-US" dirty="0"/>
+              <a:t>人員增修門診時間表介面</a:t>
+            </a:r>
+          </a:p>
+          <a:p>
+            <a:r>
+              <a:rPr lang="zh-TW" altLang="en-US" dirty="0"/>
+              <a:t>民眾註冊帳號及病人基本資料</a:t>
+            </a:r>
+          </a:p>
+          <a:p>
+            <a:r>
+              <a:rPr lang="zh-TW" altLang="en-US" dirty="0"/>
+              <a:t>民眾查詢檢視門診時間表</a:t>
+            </a:r>
+          </a:p>
+          <a:p>
+            <a:r>
+              <a:rPr lang="zh-TW" altLang="en-US" dirty="0"/>
+              <a:t>點選時間表上某時段，新增掛號</a:t>
+            </a:r>
+            <a:r>
+              <a:rPr lang="zh-TW" altLang="en-US" dirty="0" smtClean="0"/>
+              <a:t>資訊</a:t>
+            </a:r>
+            <a:endParaRPr lang="en-US" altLang="zh-TW" dirty="0" smtClean="0"/>
+          </a:p>
+          <a:p>
+            <a:endParaRPr lang="en-US" altLang="zh-TW" dirty="0"/>
+          </a:p>
+          <a:p>
+            <a:r>
+              <a:rPr lang="zh-TW" altLang="en-US" dirty="0" smtClean="0"/>
+              <a:t>其他案例可</a:t>
+            </a:r>
+            <a:r>
+              <a:rPr lang="zh-TW" altLang="en-US" dirty="0"/>
+              <a:t>為 </a:t>
+            </a:r>
+            <a:r>
+              <a:rPr lang="en-US" altLang="zh-TW" dirty="0"/>
+              <a:t>APP </a:t>
+            </a:r>
+            <a:r>
+              <a:rPr lang="zh-TW" altLang="en-US" dirty="0"/>
+              <a:t>、網頁之資料輸入、呈現、及統計分析介面</a:t>
+            </a:r>
+            <a:r>
+              <a:rPr lang="en-US" altLang="zh-TW" dirty="0" smtClean="0"/>
+              <a:t>)</a:t>
+            </a:r>
+            <a:endParaRPr lang="zh-TW" altLang="en-US" dirty="0"/>
           </a:p>
         </p:txBody>
       </p:sp>
     </p:spTree>
     <p:extLst>
       <p:ext uri="{BB962C8B-B14F-4D97-AF65-F5344CB8AC3E}">
-        <p14:creationId xmlns:p14="http://schemas.microsoft.com/office/powerpoint/2010/main" val="2899309277"/>
+        <p14:creationId xmlns:p14="http://schemas.microsoft.com/office/powerpoint/2010/main" val="1617321030"/>
       </p:ext>
     </p:extLst>
   </p:cSld>
   <p:clrMapOvr>
     <a:masterClrMapping/>
   </p:clrMapOvr>
-  <p:timing>
-    <p:tnLst>
-      <p:par>
-        <p:cTn id="1" dur="indefinite" restart="never" nodeType="tmRoot"/>
-      </p:par>
-    </p:tnLst>
-  </p:timing>
 </p:sld>
 </file>
 
@@ -8146,6 +8184,13 @@
           <a:p>
             <a:pPr algn="ctr"/>
             <a:r>
+              <a:rPr lang="zh-TW" altLang="en-US" sz="4800" b="1" dirty="0" smtClean="0">
+                <a:latin typeface="+mn-ea"/>
+                <a:ea typeface="+mn-ea"/>
+              </a:rPr>
+              <a:t>相關 </a:t>
+            </a:r>
+            <a:r>
               <a:rPr lang="en-US" altLang="zh-TW" sz="4800" b="1" dirty="0" smtClean="0">
                 <a:latin typeface="+mn-ea"/>
                 <a:ea typeface="+mn-ea"/>
@@ -8164,14 +8209,7 @@
                 <a:latin typeface="+mn-ea"/>
                 <a:ea typeface="+mn-ea"/>
               </a:rPr>
-              <a:t>resource </a:t>
-            </a:r>
-            <a:r>
-              <a:rPr lang="zh-TW" altLang="en-US" sz="4800" b="1" dirty="0" smtClean="0">
-                <a:latin typeface="+mn-ea"/>
-                <a:ea typeface="+mn-ea"/>
-              </a:rPr>
-              <a:t>之新增及查詢</a:t>
+              <a:t>resources</a:t>
             </a:r>
             <a:endParaRPr lang="zh-TW" altLang="en-US" sz="4800" b="1" dirty="0">
               <a:latin typeface="+mn-ea"/>
@@ -8192,7 +8230,7 @@
         </p:nvSpPr>
         <p:spPr>
           <a:xfrm>
-            <a:off x="871202" y="1437373"/>
+            <a:off x="707572" y="1524000"/>
             <a:ext cx="10772123" cy="4328466"/>
           </a:xfrm>
         </p:spPr>
@@ -8206,110 +8244,81 @@
               <a:rPr lang="zh-TW" altLang="en-US" sz="3200" dirty="0" smtClean="0">
                 <a:latin typeface="+mn-ea"/>
               </a:rPr>
-              <a:t>基於標準 </a:t>
-            </a:r>
-            <a:r>
-              <a:rPr lang="en-US" altLang="zh-TW" sz="3200" dirty="0" smtClean="0">
-                <a:latin typeface="+mn-ea"/>
-              </a:rPr>
-              <a:t>Restful API</a:t>
-            </a:r>
-          </a:p>
-          <a:p>
-            <a:r>
-              <a:rPr lang="en-US" altLang="zh-TW" sz="3200" dirty="0" smtClean="0">
-                <a:latin typeface="+mn-ea"/>
-              </a:rPr>
-              <a:t>HTTP</a:t>
+              <a:t>預約</a:t>
+            </a:r>
+            <a:r>
+              <a:rPr lang="zh-TW" altLang="en-US" sz="3200" dirty="0">
+                <a:latin typeface="+mn-ea"/>
+              </a:rPr>
+              <a:t>及</a:t>
             </a:r>
             <a:r>
               <a:rPr lang="zh-TW" altLang="en-US" sz="3200" dirty="0" smtClean="0">
                 <a:latin typeface="+mn-ea"/>
               </a:rPr>
-              <a:t> </a:t>
-            </a:r>
-            <a:r>
-              <a:rPr lang="en-US" altLang="zh-TW" sz="3200" dirty="0">
-                <a:latin typeface="+mn-ea"/>
-              </a:rPr>
-              <a:t>post </a:t>
-            </a:r>
-            <a:r>
-              <a:rPr lang="en-US" altLang="zh-TW" sz="3200" dirty="0" smtClean="0">
-                <a:latin typeface="+mn-ea"/>
-              </a:rPr>
-              <a:t>resources</a:t>
-            </a:r>
+              <a:t>掛號所需資訊</a:t>
+            </a:r>
+            <a:endParaRPr lang="zh-TW" altLang="en-US" sz="3200" dirty="0">
+              <a:latin typeface="+mn-ea"/>
+            </a:endParaRPr>
+          </a:p>
+          <a:p>
+            <a:pPr lvl="1"/>
+            <a:r>
+              <a:rPr lang="zh-TW" altLang="en-US" sz="2800" dirty="0">
+                <a:latin typeface="+mn-ea"/>
+              </a:rPr>
+              <a:t>門診時間表</a:t>
+            </a:r>
+            <a:r>
+              <a:rPr lang="en-US" altLang="zh-TW" sz="2800" dirty="0">
+                <a:latin typeface="+mn-ea"/>
+              </a:rPr>
+              <a:t>:schedule</a:t>
+            </a:r>
+          </a:p>
+          <a:p>
+            <a:pPr lvl="1"/>
+            <a:r>
+              <a:rPr lang="zh-TW" altLang="en-US" sz="2800" dirty="0">
+                <a:latin typeface="+mn-ea"/>
+              </a:rPr>
+              <a:t>看診科別及時段</a:t>
+            </a:r>
+            <a:r>
+              <a:rPr lang="en-US" altLang="zh-TW" sz="2800" dirty="0">
+                <a:latin typeface="+mn-ea"/>
+              </a:rPr>
+              <a:t>: Slot</a:t>
+            </a:r>
+          </a:p>
+          <a:p>
+            <a:pPr lvl="1"/>
+            <a:r>
+              <a:rPr lang="zh-TW" altLang="en-US" sz="2800" dirty="0">
+                <a:latin typeface="+mn-ea"/>
+              </a:rPr>
+              <a:t>掛號結果</a:t>
+            </a:r>
+            <a:r>
+              <a:rPr lang="en-US" altLang="zh-TW" sz="2800" dirty="0">
+                <a:latin typeface="+mn-ea"/>
+              </a:rPr>
+              <a:t>: appointment </a:t>
+            </a:r>
+          </a:p>
+          <a:p>
             <a:r>
               <a:rPr lang="zh-TW" altLang="en-US" sz="3200" dirty="0" smtClean="0">
                 <a:latin typeface="+mn-ea"/>
               </a:rPr>
-              <a:t>。</a:t>
-            </a:r>
-            <a:r>
-              <a:rPr lang="en-US" altLang="zh-TW" sz="3200" dirty="0" smtClean="0">
-                <a:latin typeface="+mn-ea"/>
-              </a:rPr>
-              <a:t>Post </a:t>
+              <a:t>需預先建立</a:t>
             </a:r>
             <a:r>
               <a:rPr lang="zh-TW" altLang="en-US" sz="3200" dirty="0" smtClean="0">
                 <a:latin typeface="+mn-ea"/>
               </a:rPr>
-              <a:t>上傳前需注意事項</a:t>
-            </a:r>
-            <a:r>
-              <a:rPr lang="en-US" altLang="zh-TW" sz="3200" dirty="0" smtClean="0">
-                <a:latin typeface="+mn-ea"/>
-              </a:rPr>
-              <a:t>:</a:t>
-            </a:r>
-          </a:p>
-          <a:p>
-            <a:pPr lvl="1"/>
-            <a:r>
-              <a:rPr lang="zh-TW" altLang="en-US" sz="2800" dirty="0" smtClean="0">
-                <a:latin typeface="+mn-ea"/>
-              </a:rPr>
-              <a:t>需先上傳 </a:t>
-            </a:r>
-            <a:r>
-              <a:rPr lang="en-US" altLang="zh-TW" sz="2800" dirty="0" smtClean="0">
-                <a:latin typeface="+mn-ea"/>
-              </a:rPr>
-              <a:t>element reference </a:t>
-            </a:r>
-            <a:r>
-              <a:rPr lang="zh-TW" altLang="en-US" sz="2800" dirty="0" smtClean="0">
-                <a:latin typeface="+mn-ea"/>
-              </a:rPr>
-              <a:t>之 </a:t>
-            </a:r>
-            <a:r>
-              <a:rPr lang="en-US" altLang="zh-TW" sz="2800" dirty="0" smtClean="0">
-                <a:latin typeface="+mn-ea"/>
-              </a:rPr>
-              <a:t>resources</a:t>
-            </a:r>
-          </a:p>
-          <a:p>
-            <a:r>
-              <a:rPr lang="en-US" altLang="zh-TW" sz="3200" dirty="0">
-                <a:latin typeface="+mn-ea"/>
-              </a:rPr>
-              <a:t>HTTP </a:t>
-            </a:r>
-            <a:r>
-              <a:rPr lang="en-US" altLang="zh-TW" sz="3200" dirty="0" smtClean="0">
-                <a:latin typeface="+mn-ea"/>
-              </a:rPr>
-              <a:t>get resources</a:t>
-            </a:r>
-            <a:r>
-              <a:rPr lang="zh-TW" altLang="en-US" sz="3200" dirty="0" smtClean="0">
-                <a:latin typeface="+mn-ea"/>
-              </a:rPr>
-              <a:t>，需具備的能力</a:t>
+              <a:t>的人員組織</a:t>
             </a:r>
             <a:endParaRPr lang="en-US" altLang="zh-TW" sz="3200" dirty="0" smtClean="0">
               <a:latin typeface="+mn-ea"/>
@@ -8318,54 +8327,96 @@
           <a:p>
             <a:pPr lvl="1"/>
             <a:r>
-              <a:rPr lang="zh-TW" altLang="en-US" sz="2800" dirty="0" smtClean="0">
-                <a:latin typeface="+mn-ea"/>
-              </a:rPr>
-              <a:t>配合應用情境設定查詢參數，例如</a:t>
-            </a:r>
-            <a:r>
-              <a:rPr lang="en-US" altLang="zh-TW" sz="2800" dirty="0" smtClean="0">
-                <a:latin typeface="+mn-ea"/>
-              </a:rPr>
-              <a:t>:</a:t>
-            </a:r>
-            <a:r>
-              <a:rPr lang="zh-TW" altLang="en-US" sz="2800" dirty="0" smtClean="0">
+              <a:rPr lang="en-US" altLang="zh-TW" sz="2800" b="1" dirty="0">
+                <a:latin typeface="+mn-ea"/>
+              </a:rPr>
+              <a:t>Organization </a:t>
+            </a:r>
+            <a:r>
+              <a:rPr lang="zh-TW" altLang="en-US" sz="2800" b="1" dirty="0">
+                <a:latin typeface="+mn-ea"/>
+              </a:rPr>
+              <a:t>組織</a:t>
+            </a:r>
+          </a:p>
+          <a:p>
+            <a:pPr lvl="1"/>
+            <a:r>
+              <a:rPr lang="en-US" altLang="zh-TW" sz="2800" b="1" dirty="0">
+                <a:latin typeface="+mn-ea"/>
+              </a:rPr>
+              <a:t>Patient </a:t>
+            </a:r>
+            <a:r>
+              <a:rPr lang="zh-TW" altLang="en-US" sz="2800" b="1" dirty="0">
+                <a:latin typeface="+mn-ea"/>
+              </a:rPr>
+              <a:t>病人基本資料 </a:t>
+            </a:r>
+            <a:r>
+              <a:rPr lang="en-US" altLang="zh-TW" sz="2800" b="1" dirty="0">
+                <a:latin typeface="+mn-ea"/>
+              </a:rPr>
+              <a:t>(</a:t>
+            </a:r>
+            <a:r>
+              <a:rPr lang="zh-TW" altLang="en-US" sz="2800" b="1" dirty="0">
+                <a:latin typeface="+mn-ea"/>
+              </a:rPr>
+              <a:t>不含帳號</a:t>
+            </a:r>
+            <a:r>
+              <a:rPr lang="en-US" altLang="zh-TW" sz="2800" b="1" dirty="0">
+                <a:latin typeface="+mn-ea"/>
+              </a:rPr>
+              <a:t>)</a:t>
+            </a:r>
+          </a:p>
+          <a:p>
+            <a:pPr lvl="1"/>
+            <a:r>
+              <a:rPr lang="en-US" altLang="zh-TW" sz="2800" b="1" dirty="0">
                 <a:latin typeface="+mn-ea"/>
               </a:rPr>
               <a:t> </a:t>
             </a:r>
-            <a:endParaRPr lang="en-US" altLang="zh-TW" sz="2800" dirty="0" smtClean="0">
+            <a:r>
+              <a:rPr lang="en-US" altLang="zh-TW" sz="2800" b="1" dirty="0" smtClean="0">
+                <a:latin typeface="+mn-ea"/>
+              </a:rPr>
+              <a:t>Practitioner</a:t>
+            </a:r>
+            <a:r>
+              <a:rPr lang="zh-TW" altLang="en-US" sz="2800" b="1" dirty="0" smtClean="0">
+                <a:latin typeface="+mn-ea"/>
+              </a:rPr>
+              <a:t> 醫護從業人員</a:t>
+            </a:r>
+            <a:endParaRPr lang="en-US" altLang="zh-TW" sz="2800" b="1" dirty="0" smtClean="0">
               <a:latin typeface="+mn-ea"/>
             </a:endParaRPr>
           </a:p>
           <a:p>
-            <a:pPr lvl="2"/>
-            <a:r>
-              <a:rPr lang="zh-TW" altLang="en-US" sz="1600" dirty="0" smtClean="0">
-                <a:latin typeface="+mn-ea"/>
-              </a:rPr>
-              <a:t>民眾</a:t>
-            </a:r>
-            <a:r>
-              <a:rPr lang="zh-TW" altLang="en-US" sz="1600" dirty="0">
-                <a:latin typeface="+mn-ea"/>
-              </a:rPr>
-              <a:t>查詢</a:t>
-            </a:r>
-            <a:r>
-              <a:rPr lang="zh-TW" altLang="en-US" sz="1600" dirty="0" smtClean="0">
-                <a:latin typeface="+mn-ea"/>
-              </a:rPr>
-              <a:t>個人掛號資訊</a:t>
-            </a:r>
-            <a:endParaRPr lang="en-US" altLang="zh-TW" sz="1600" dirty="0" smtClean="0">
-              <a:latin typeface="+mn-ea"/>
-            </a:endParaRPr>
-          </a:p>
-          <a:p>
-            <a:pPr lvl="2"/>
-            <a:endParaRPr lang="zh-TW" altLang="en-US" sz="1600" dirty="0">
+            <a:pPr lvl="1"/>
+            <a:r>
+              <a:rPr lang="en-US" altLang="zh-TW" sz="2800" b="1" dirty="0" smtClean="0">
+                <a:latin typeface="+mn-ea"/>
+              </a:rPr>
+              <a:t> </a:t>
+            </a:r>
+            <a:r>
+              <a:rPr lang="en-US" altLang="zh-TW" sz="2800" b="1" dirty="0" err="1" smtClean="0">
+                <a:latin typeface="+mn-ea"/>
+              </a:rPr>
+              <a:t>PractitionerRole</a:t>
+            </a:r>
+            <a:r>
+              <a:rPr lang="zh-TW" altLang="en-US" sz="2800" b="1" dirty="0" smtClean="0">
+                <a:latin typeface="+mn-ea"/>
+              </a:rPr>
+              <a:t> 隸屬於某組織之工作人員</a:t>
+            </a:r>
+            <a:endParaRPr lang="en-US" altLang="zh-TW" sz="2800" b="1" dirty="0">
               <a:latin typeface="+mn-ea"/>
             </a:endParaRPr>
           </a:p>
@@ -8374,7 +8425,7 @@
     </p:spTree>
     <p:extLst>
       <p:ext uri="{BB962C8B-B14F-4D97-AF65-F5344CB8AC3E}">
-        <p14:creationId xmlns:p14="http://schemas.microsoft.com/office/powerpoint/2010/main" val="2458748889"/>
+        <p14:creationId xmlns:p14="http://schemas.microsoft.com/office/powerpoint/2010/main" val="4255876974"/>
       </p:ext>
     </p:extLst>
   </p:cSld>
@@ -8432,39 +8483,11 @@
           <a:p>
             <a:pPr algn="ctr"/>
             <a:r>
-              <a:rPr lang="en-US" altLang="zh-TW" sz="4800" b="1" dirty="0" smtClean="0">
+              <a:rPr lang="zh-TW" altLang="en-US" sz="4800" b="1" dirty="0" smtClean="0">
                 <a:latin typeface="+mn-ea"/>
                 <a:ea typeface="+mn-ea"/>
               </a:rPr>
-              <a:t>FHIR</a:t>
-            </a:r>
-            <a:r>
-              <a:rPr lang="zh-TW" altLang="en-US" sz="4800" b="1" dirty="0" smtClean="0">
-                <a:latin typeface="+mn-ea"/>
-                <a:ea typeface="+mn-ea"/>
-              </a:rPr>
-              <a:t> </a:t>
-            </a:r>
-            <a:r>
-              <a:rPr lang="en-US" altLang="zh-TW" sz="4800" b="1" dirty="0" smtClean="0">
-                <a:latin typeface="+mn-ea"/>
-                <a:ea typeface="+mn-ea"/>
-              </a:rPr>
-              <a:t>resource </a:t>
-            </a:r>
-            <a:r>
-              <a:rPr lang="zh-TW" altLang="en-US" sz="4800" b="1" dirty="0" smtClean="0">
-                <a:latin typeface="+mn-ea"/>
-                <a:ea typeface="+mn-ea"/>
-              </a:rPr>
-              <a:t>之新增及查詢 </a:t>
-            </a:r>
-            <a:r>
-              <a:rPr lang="en-US" altLang="zh-TW" sz="4800" b="1" dirty="0" smtClean="0">
-                <a:latin typeface="+mn-ea"/>
-                <a:ea typeface="+mn-ea"/>
-              </a:rPr>
-              <a:t>2</a:t>
+              <a:t>掛號流程分析</a:t>
             </a:r>
             <a:endParaRPr lang="zh-TW" altLang="en-US" sz="4800" b="1" dirty="0">
               <a:latin typeface="+mn-ea"/>
@@ -8495,100 +8518,671 @@
           </a:bodyPr>
           <a:lstStyle/>
           <a:p>
-            <a:endParaRPr lang="en-US" altLang="zh-TW" sz="2400" smtClean="0">
+            <a:r>
+              <a:rPr lang="zh-TW" altLang="en-US" sz="3200" dirty="0" smtClean="0">
+                <a:latin typeface="+mn-ea"/>
+              </a:rPr>
+              <a:t>醫療單位定期上傳及更新</a:t>
+            </a:r>
+            <a:r>
+              <a:rPr lang="en-US" altLang="zh-TW" sz="3200" dirty="0" smtClean="0">
+                <a:latin typeface="+mn-ea"/>
+              </a:rPr>
+              <a:t>:</a:t>
+            </a:r>
+          </a:p>
+          <a:p>
+            <a:pPr lvl="1"/>
+            <a:r>
+              <a:rPr lang="zh-TW" altLang="en-US" sz="2800" dirty="0">
+                <a:latin typeface="+mn-ea"/>
+              </a:rPr>
+              <a:t>醫療健康人員與機構資訊</a:t>
+            </a:r>
+          </a:p>
+          <a:p>
+            <a:pPr lvl="1"/>
+            <a:r>
+              <a:rPr lang="zh-TW" altLang="en-US" sz="2800" dirty="0" smtClean="0">
+                <a:latin typeface="+mn-ea"/>
+              </a:rPr>
+              <a:t>預約掛號時段資訊</a:t>
+            </a:r>
+            <a:endParaRPr lang="zh-TW" altLang="en-US" sz="2800" dirty="0">
               <a:latin typeface="+mn-ea"/>
             </a:endParaRPr>
           </a:p>
           <a:p>
-            <a:r>
-              <a:rPr lang="zh-TW" altLang="en-US" sz="2400" smtClean="0">
-                <a:latin typeface="+mn-ea"/>
-              </a:rPr>
-              <a:t>查</a:t>
+            <a:pPr lvl="2"/>
+            <a:r>
+              <a:rPr lang="zh-TW" altLang="en-US" sz="2400" dirty="0">
+                <a:latin typeface="+mn-ea"/>
+              </a:rPr>
+              <a:t>門診時間表</a:t>
+            </a:r>
+            <a:r>
+              <a:rPr lang="en-US" altLang="zh-TW" sz="2400" dirty="0">
+                <a:latin typeface="+mn-ea"/>
+              </a:rPr>
+              <a:t>:</a:t>
+            </a:r>
+            <a:r>
+              <a:rPr lang="en-US" altLang="zh-TW" sz="2400" dirty="0" smtClean="0">
+                <a:latin typeface="+mn-ea"/>
+              </a:rPr>
+              <a:t>schedule</a:t>
             </a:r>
             <a:r>
               <a:rPr lang="zh-TW" altLang="en-US" sz="2400" dirty="0" smtClean="0">
                 <a:latin typeface="+mn-ea"/>
               </a:rPr>
-              <a:t>某機構、某時段之</a:t>
+              <a:t>、看</a:t>
             </a:r>
             <a:r>
               <a:rPr lang="zh-TW" altLang="en-US" sz="2400" dirty="0">
                 <a:latin typeface="+mn-ea"/>
               </a:rPr>
-              <a:t>掛號</a:t>
-            </a:r>
-            <a:r>
-              <a:rPr lang="zh-TW" altLang="en-US" sz="2400" dirty="0" smtClean="0">
-                <a:latin typeface="+mn-ea"/>
-              </a:rPr>
-              <a:t>資訊</a:t>
+              <a:t>診科別及時段</a:t>
+            </a:r>
+            <a:r>
+              <a:rPr lang="en-US" altLang="zh-TW" sz="2400" dirty="0">
+                <a:latin typeface="+mn-ea"/>
+              </a:rPr>
+              <a:t>: Slot</a:t>
+            </a:r>
+          </a:p>
+          <a:p>
+            <a:r>
+              <a:rPr lang="zh-TW" altLang="en-US" sz="3200" dirty="0" smtClean="0">
+                <a:latin typeface="+mn-ea"/>
+              </a:rPr>
+              <a:t>民眾</a:t>
+            </a:r>
+            <a:endParaRPr lang="en-US" altLang="zh-TW" sz="3200" dirty="0" smtClean="0">
+              <a:latin typeface="+mn-ea"/>
+            </a:endParaRPr>
+          </a:p>
+          <a:p>
+            <a:pPr lvl="1"/>
+            <a:r>
+              <a:rPr lang="zh-TW" altLang="en-US" sz="2800" dirty="0" smtClean="0">
+                <a:latin typeface="+mn-ea"/>
+              </a:rPr>
+              <a:t>預先在平台建立帳號、可提供病人狀況</a:t>
+            </a:r>
+            <a:r>
+              <a:rPr lang="zh-TW" altLang="en-US" sz="2800" dirty="0">
+                <a:latin typeface="+mn-ea"/>
+              </a:rPr>
+              <a:t>及問題</a:t>
+            </a:r>
+            <a:r>
+              <a:rPr lang="zh-TW" altLang="en-US" sz="2800" dirty="0" smtClean="0">
+                <a:latin typeface="+mn-ea"/>
+              </a:rPr>
+              <a:t>資訊、選定掛號時段</a:t>
+            </a:r>
+            <a:endParaRPr lang="en-US" altLang="zh-TW" sz="2800" dirty="0" smtClean="0">
+              <a:latin typeface="+mn-ea"/>
+            </a:endParaRPr>
+          </a:p>
+          <a:p>
+            <a:r>
+              <a:rPr lang="zh-TW" altLang="en-US" sz="3200" dirty="0" smtClean="0">
+                <a:latin typeface="+mn-ea"/>
+              </a:rPr>
+              <a:t>結果查詢</a:t>
+            </a:r>
+            <a:endParaRPr lang="en-US" altLang="zh-TW" sz="3200" dirty="0" smtClean="0">
+              <a:latin typeface="+mn-ea"/>
+            </a:endParaRPr>
+          </a:p>
+          <a:p>
+            <a:pPr lvl="1"/>
+            <a:r>
+              <a:rPr lang="zh-TW" altLang="en-US" sz="2800" dirty="0" smtClean="0">
+                <a:latin typeface="+mn-ea"/>
+              </a:rPr>
+              <a:t>民眾查詢個人或家屬之掛號資訊</a:t>
+            </a:r>
+            <a:endParaRPr lang="en-US" altLang="zh-TW" sz="2800" dirty="0" smtClean="0">
+              <a:latin typeface="+mn-ea"/>
+            </a:endParaRPr>
+          </a:p>
+          <a:p>
+            <a:pPr lvl="1"/>
+            <a:r>
+              <a:rPr lang="zh-TW" altLang="en-US" sz="2800" dirty="0" smtClean="0">
+                <a:latin typeface="+mn-ea"/>
+              </a:rPr>
+              <a:t>各機構查該機構之掛號資訊</a:t>
             </a:r>
             <a:endParaRPr lang="en-US" altLang="zh-TW" sz="2400" dirty="0" smtClean="0">
               <a:latin typeface="+mn-ea"/>
             </a:endParaRPr>
           </a:p>
-          <a:p>
-            <a:r>
-              <a:rPr lang="zh-TW" altLang="en-US" sz="2400" dirty="0" smtClean="0">
-                <a:latin typeface="+mn-ea"/>
-              </a:rPr>
-              <a:t>查某機構提供之班表</a:t>
-            </a:r>
-            <a:endParaRPr lang="en-US" altLang="zh-TW" sz="2400" dirty="0" smtClean="0">
-              <a:latin typeface="+mn-ea"/>
-            </a:endParaRPr>
-          </a:p>
-          <a:p>
-            <a:r>
-              <a:rPr lang="zh-TW" altLang="en-US" sz="2400" dirty="0">
-                <a:latin typeface="+mn-ea"/>
-              </a:rPr>
-              <a:t>某班表包含的時段</a:t>
-            </a:r>
-          </a:p>
-          <a:p>
-            <a:r>
-              <a:rPr lang="en-US" altLang="zh-TW" sz="2400" dirty="0">
-                <a:latin typeface="+mn-ea"/>
-              </a:rPr>
-              <a:t>http://hapi.fhir.org/baseDstu3/Slot?schedule=1896788</a:t>
-            </a:r>
-          </a:p>
-          <a:p>
-            <a:r>
-              <a:rPr lang="zh-TW" altLang="en-US" sz="2400" dirty="0" smtClean="0">
-                <a:latin typeface="+mn-ea"/>
-              </a:rPr>
-              <a:t>查某時段之掛號病人</a:t>
-            </a:r>
-            <a:endParaRPr lang="en-US" altLang="zh-TW" sz="2400" dirty="0" smtClean="0">
-              <a:latin typeface="+mn-ea"/>
-            </a:endParaRPr>
-          </a:p>
-          <a:p>
-            <a:r>
-              <a:rPr lang="en-US" altLang="zh-TW" sz="2200" dirty="0" smtClean="0">
-                <a:latin typeface="+mn-ea"/>
-              </a:rPr>
-              <a:t>http</a:t>
-            </a:r>
-            <a:r>
-              <a:rPr lang="en-US" altLang="zh-TW" sz="2200" dirty="0">
-                <a:latin typeface="+mn-ea"/>
-              </a:rPr>
-              <a:t>://hapi.fhir.org/baseDstu3/Appointment?slot=123</a:t>
-            </a:r>
-            <a:endParaRPr lang="en-US" altLang="zh-TW" sz="2200" dirty="0" smtClean="0">
-              <a:latin typeface="+mn-ea"/>
-            </a:endParaRPr>
-          </a:p>
         </p:txBody>
       </p:sp>
     </p:spTree>
     <p:extLst>
       <p:ext uri="{BB962C8B-B14F-4D97-AF65-F5344CB8AC3E}">
-        <p14:creationId xmlns:p14="http://schemas.microsoft.com/office/powerpoint/2010/main" val="3929386915"/>
+        <p14:creationId xmlns:p14="http://schemas.microsoft.com/office/powerpoint/2010/main" val="2899309277"/>
+      </p:ext>
+    </p:extLst>
+  </p:cSld>
+  <p:clrMapOvr>
+    <a:masterClrMapping/>
+  </p:clrMapOvr>
+  <p:timing>
+    <p:tnLst>
+      <p:par>
+        <p:cTn id="1" dur="indefinite" restart="never" nodeType="tmRoot"/>
+      </p:par>
+    </p:tnLst>
+  </p:timing>
+</p:sld>
+</file>
+
+<file path=ppt/slides/slide7.xml><?xml version="1.0" encoding="utf-8"?>
+<p:sld xmlns:a="http://schemas.openxmlformats.org/drawingml/2006/main" xmlns:r="http://schemas.openxmlformats.org/officeDocument/2006/relationships" xmlns:p="http://schemas.openxmlformats.org/presentationml/2006/main">
+  <p:cSld>
+    <p:spTree>
+      <p:nvGrpSpPr>
+        <p:cNvPr id="1" name=""/>
+        <p:cNvGrpSpPr/>
+        <p:nvPr/>
+      </p:nvGrpSpPr>
+      <p:grpSpPr>
+        <a:xfrm>
+          <a:off x="0" y="0"/>
+          <a:ext cx="0" cy="0"/>
+          <a:chOff x="0" y="0"/>
+          <a:chExt cx="0" cy="0"/>
+        </a:xfrm>
+      </p:grpSpPr>
+      <p:sp>
+        <p:nvSpPr>
+          <p:cNvPr id="2" name="標題 1"/>
+          <p:cNvSpPr>
+            <a:spLocks noGrp="1"/>
+          </p:cNvSpPr>
+          <p:nvPr>
+            <p:ph type="title"/>
+          </p:nvPr>
+        </p:nvSpPr>
+        <p:spPr/>
+        <p:txBody>
+          <a:bodyPr/>
+          <a:lstStyle/>
+          <a:p>
+            <a:r>
+              <a:rPr lang="en-US" altLang="zh-TW" dirty="0"/>
+              <a:t>Resources </a:t>
+            </a:r>
+            <a:r>
+              <a:rPr lang="zh-TW" altLang="en-US" dirty="0"/>
+              <a:t>範例及其需特別注意的細部規格</a:t>
+            </a:r>
+          </a:p>
+        </p:txBody>
+      </p:sp>
+      <p:sp>
+        <p:nvSpPr>
+          <p:cNvPr id="3" name="內容版面配置區 2"/>
+          <p:cNvSpPr>
+            <a:spLocks noGrp="1"/>
+          </p:cNvSpPr>
+          <p:nvPr>
+            <p:ph idx="1"/>
+          </p:nvPr>
+        </p:nvSpPr>
+        <p:spPr/>
+        <p:txBody>
+          <a:bodyPr/>
+          <a:lstStyle/>
+          <a:p>
+            <a:r>
+              <a:rPr lang="zh-TW" altLang="en-US" dirty="0" smtClean="0"/>
+              <a:t>可</a:t>
+            </a:r>
+            <a:r>
+              <a:rPr lang="zh-TW" altLang="en-US" dirty="0"/>
+              <a:t>依據 </a:t>
+            </a:r>
+            <a:r>
+              <a:rPr lang="en-US" altLang="zh-TW" dirty="0"/>
+              <a:t>FHIR </a:t>
+            </a:r>
+            <a:r>
+              <a:rPr lang="zh-TW" altLang="en-US" dirty="0"/>
+              <a:t>官網或測試網站範例</a:t>
+            </a:r>
+            <a:r>
+              <a:rPr lang="zh-TW" altLang="en-US" dirty="0" smtClean="0"/>
+              <a:t>整理</a:t>
+            </a:r>
+            <a:endParaRPr lang="en-US" altLang="zh-TW" dirty="0" smtClean="0"/>
+          </a:p>
+          <a:p>
+            <a:endParaRPr lang="en-US" altLang="zh-TW" dirty="0" smtClean="0"/>
+          </a:p>
+          <a:p>
+            <a:r>
+              <a:rPr lang="zh-TW" altLang="en-US" dirty="0" smtClean="0"/>
+              <a:t>測試</a:t>
+            </a:r>
+            <a:r>
+              <a:rPr lang="zh-TW" altLang="en-US" dirty="0"/>
+              <a:t>網站範例</a:t>
+            </a:r>
+            <a:endParaRPr lang="en-US" altLang="zh-TW" dirty="0"/>
+          </a:p>
+          <a:p>
+            <a:pPr lvl="1"/>
+            <a:r>
+              <a:rPr lang="en-US" altLang="zh-TW" dirty="0"/>
+              <a:t>https://www.hl7.org/fhir/schedule-provider-location1-example.json.html</a:t>
+            </a:r>
+          </a:p>
+          <a:p>
+            <a:pPr lvl="1"/>
+            <a:r>
+              <a:rPr lang="en-US" altLang="zh-TW" dirty="0"/>
+              <a:t>http://hapi.fhir.org/baseDstu3/Patient</a:t>
+            </a:r>
+            <a:endParaRPr lang="zh-TW" altLang="en-US" dirty="0"/>
+          </a:p>
+        </p:txBody>
+      </p:sp>
+    </p:spTree>
+    <p:extLst>
+      <p:ext uri="{BB962C8B-B14F-4D97-AF65-F5344CB8AC3E}">
+        <p14:creationId xmlns:p14="http://schemas.microsoft.com/office/powerpoint/2010/main" val="950053643"/>
+      </p:ext>
+    </p:extLst>
+  </p:cSld>
+  <p:clrMapOvr>
+    <a:masterClrMapping/>
+  </p:clrMapOvr>
+</p:sld>
+</file>
+
+<file path=ppt/slides/slide8.xml><?xml version="1.0" encoding="utf-8"?>
+<p:sld xmlns:a="http://schemas.openxmlformats.org/drawingml/2006/main" xmlns:r="http://schemas.openxmlformats.org/officeDocument/2006/relationships" xmlns:p="http://schemas.openxmlformats.org/presentationml/2006/main">
+  <p:cSld>
+    <p:spTree>
+      <p:nvGrpSpPr>
+        <p:cNvPr id="1" name=""/>
+        <p:cNvGrpSpPr/>
+        <p:nvPr/>
+      </p:nvGrpSpPr>
+      <p:grpSpPr>
+        <a:xfrm>
+          <a:off x="0" y="0"/>
+          <a:ext cx="0" cy="0"/>
+          <a:chOff x="0" y="0"/>
+          <a:chExt cx="0" cy="0"/>
+        </a:xfrm>
+      </p:grpSpPr>
+      <p:sp>
+        <p:nvSpPr>
+          <p:cNvPr id="2" name="標題 1"/>
+          <p:cNvSpPr>
+            <a:spLocks noGrp="1"/>
+          </p:cNvSpPr>
+          <p:nvPr>
+            <p:ph type="title"/>
+          </p:nvPr>
+        </p:nvSpPr>
+        <p:spPr/>
+        <p:txBody>
+          <a:bodyPr/>
+          <a:lstStyle/>
+          <a:p>
+            <a:pPr algn="ctr"/>
+            <a:r>
+              <a:rPr lang="zh-TW" altLang="en-US" dirty="0"/>
+              <a:t>會用到的 </a:t>
+            </a:r>
+            <a:r>
+              <a:rPr lang="en-US" altLang="zh-TW" dirty="0"/>
+              <a:t>FHIR API </a:t>
+            </a:r>
+            <a:br>
+              <a:rPr lang="en-US" altLang="zh-TW" dirty="0"/>
+            </a:br>
+            <a:endParaRPr lang="zh-TW" altLang="en-US" dirty="0"/>
+          </a:p>
+        </p:txBody>
+      </p:sp>
+      <p:sp>
+        <p:nvSpPr>
+          <p:cNvPr id="3" name="內容版面配置區 2"/>
+          <p:cNvSpPr>
+            <a:spLocks noGrp="1"/>
+          </p:cNvSpPr>
+          <p:nvPr>
+            <p:ph idx="1"/>
+          </p:nvPr>
+        </p:nvSpPr>
+        <p:spPr/>
+        <p:txBody>
+          <a:bodyPr>
+            <a:normAutofit/>
+          </a:bodyPr>
+          <a:lstStyle/>
+          <a:p>
+            <a:r>
+              <a:rPr lang="zh-TW" altLang="en-US" dirty="0" smtClean="0"/>
+              <a:t>新增、修改、及刪除特定</a:t>
+            </a:r>
+            <a:r>
+              <a:rPr lang="zh-TW" altLang="en-US" dirty="0"/>
+              <a:t>的 </a:t>
+            </a:r>
+            <a:r>
+              <a:rPr lang="en-US" altLang="zh-TW" dirty="0" smtClean="0"/>
+              <a:t>resource</a:t>
+            </a:r>
+          </a:p>
+          <a:p>
+            <a:pPr lvl="1"/>
+            <a:r>
+              <a:rPr lang="zh-TW" altLang="en-US" dirty="0" smtClean="0"/>
+              <a:t>基於</a:t>
+            </a:r>
+            <a:r>
+              <a:rPr lang="zh-TW" altLang="en-US" dirty="0"/>
+              <a:t>標準 </a:t>
+            </a:r>
+            <a:r>
+              <a:rPr lang="en-US" altLang="zh-TW" dirty="0"/>
+              <a:t>Restful API</a:t>
+            </a:r>
+          </a:p>
+          <a:p>
+            <a:pPr lvl="1"/>
+            <a:r>
+              <a:rPr lang="en-US" altLang="zh-TW" dirty="0"/>
+              <a:t>HTTP post resources</a:t>
+            </a:r>
+            <a:r>
+              <a:rPr lang="zh-TW" altLang="en-US" dirty="0"/>
+              <a:t>。</a:t>
+            </a:r>
+            <a:r>
+              <a:rPr lang="en-US" altLang="zh-TW" dirty="0"/>
+              <a:t>Post </a:t>
+            </a:r>
+            <a:r>
+              <a:rPr lang="zh-TW" altLang="en-US" dirty="0" smtClean="0"/>
+              <a:t>新增前</a:t>
+            </a:r>
+            <a:r>
+              <a:rPr lang="zh-TW" altLang="en-US" dirty="0"/>
+              <a:t>需注意事項</a:t>
+            </a:r>
+            <a:r>
+              <a:rPr lang="en-US" altLang="zh-TW" dirty="0"/>
+              <a:t>:</a:t>
+            </a:r>
+          </a:p>
+          <a:p>
+            <a:pPr lvl="1"/>
+            <a:r>
+              <a:rPr lang="zh-TW" altLang="en-US" dirty="0"/>
+              <a:t>需先上傳 </a:t>
+            </a:r>
+            <a:r>
+              <a:rPr lang="en-US" altLang="zh-TW" dirty="0"/>
+              <a:t>element reference </a:t>
+            </a:r>
+            <a:r>
+              <a:rPr lang="zh-TW" altLang="en-US" dirty="0"/>
+              <a:t>之 </a:t>
+            </a:r>
+            <a:r>
+              <a:rPr lang="en-US" altLang="zh-TW" dirty="0"/>
+              <a:t>resources</a:t>
+            </a:r>
+          </a:p>
+          <a:p>
+            <a:pPr lvl="1"/>
+            <a:endParaRPr lang="en-US" altLang="zh-TW" dirty="0"/>
+          </a:p>
+        </p:txBody>
+      </p:sp>
+    </p:spTree>
+    <p:extLst>
+      <p:ext uri="{BB962C8B-B14F-4D97-AF65-F5344CB8AC3E}">
+        <p14:creationId xmlns:p14="http://schemas.microsoft.com/office/powerpoint/2010/main" val="1842206990"/>
+      </p:ext>
+    </p:extLst>
+  </p:cSld>
+  <p:clrMapOvr>
+    <a:masterClrMapping/>
+  </p:clrMapOvr>
+</p:sld>
+</file>
+
+<file path=ppt/slides/slide9.xml><?xml version="1.0" encoding="utf-8"?>
+<p:sld xmlns:a="http://schemas.openxmlformats.org/drawingml/2006/main" xmlns:r="http://schemas.openxmlformats.org/officeDocument/2006/relationships" xmlns:p="http://schemas.openxmlformats.org/presentationml/2006/main">
+  <p:cSld>
+    <p:spTree>
+      <p:nvGrpSpPr>
+        <p:cNvPr id="1" name=""/>
+        <p:cNvGrpSpPr/>
+        <p:nvPr/>
+      </p:nvGrpSpPr>
+      <p:grpSpPr>
+        <a:xfrm>
+          <a:off x="0" y="0"/>
+          <a:ext cx="0" cy="0"/>
+          <a:chOff x="0" y="0"/>
+          <a:chExt cx="0" cy="0"/>
+        </a:xfrm>
+      </p:grpSpPr>
+      <p:sp>
+        <p:nvSpPr>
+          <p:cNvPr id="2" name="標題 1"/>
+          <p:cNvSpPr>
+            <a:spLocks noGrp="1"/>
+          </p:cNvSpPr>
+          <p:nvPr>
+            <p:ph type="title"/>
+          </p:nvPr>
+        </p:nvSpPr>
+        <p:spPr>
+          <a:xfrm>
+            <a:off x="1101024" y="120237"/>
+            <a:ext cx="9101753" cy="1143000"/>
+          </a:xfrm>
+        </p:spPr>
+        <p:txBody>
+          <a:bodyPr>
+            <a:noAutofit/>
+          </a:bodyPr>
+          <a:lstStyle/>
+          <a:p>
+            <a:pPr algn="ctr"/>
+            <a:r>
+              <a:rPr lang="en-US" altLang="zh-TW" sz="4800" b="1" dirty="0" smtClean="0">
+                <a:latin typeface="+mn-ea"/>
+                <a:ea typeface="+mn-ea"/>
+              </a:rPr>
+              <a:t>FHIR</a:t>
+            </a:r>
+            <a:r>
+              <a:rPr lang="zh-TW" altLang="en-US" sz="4800" b="1" dirty="0" smtClean="0">
+                <a:latin typeface="+mn-ea"/>
+                <a:ea typeface="+mn-ea"/>
+              </a:rPr>
+              <a:t> </a:t>
+            </a:r>
+            <a:r>
+              <a:rPr lang="en-US" altLang="zh-TW" sz="4800" b="1" dirty="0" smtClean="0">
+                <a:latin typeface="+mn-ea"/>
+                <a:ea typeface="+mn-ea"/>
+              </a:rPr>
+              <a:t>resource </a:t>
+            </a:r>
+            <a:r>
+              <a:rPr lang="zh-TW" altLang="en-US" sz="4800" b="1" dirty="0" smtClean="0">
+                <a:latin typeface="+mn-ea"/>
+                <a:ea typeface="+mn-ea"/>
+              </a:rPr>
+              <a:t>查詢</a:t>
+            </a:r>
+            <a:endParaRPr lang="zh-TW" altLang="en-US" sz="4800" b="1" dirty="0">
+              <a:latin typeface="+mn-ea"/>
+              <a:ea typeface="+mn-ea"/>
+            </a:endParaRPr>
+          </a:p>
+        </p:txBody>
+      </p:sp>
+      <p:sp>
+        <p:nvSpPr>
+          <p:cNvPr id="3" name="內容版面配置區 2"/>
+          <p:cNvSpPr>
+            <a:spLocks noGrp="1"/>
+          </p:cNvSpPr>
+          <p:nvPr>
+            <p:ph idx="1"/>
+          </p:nvPr>
+        </p:nvSpPr>
+        <p:spPr>
+          <a:xfrm>
+            <a:off x="871202" y="1437373"/>
+            <a:ext cx="10772123" cy="4328466"/>
+          </a:xfrm>
+        </p:spPr>
+        <p:txBody>
+          <a:bodyPr>
+            <a:noAutofit/>
+          </a:bodyPr>
+          <a:lstStyle/>
+          <a:p>
+            <a:r>
+              <a:rPr lang="zh-TW" altLang="en-US" sz="3200" dirty="0" smtClean="0">
+                <a:latin typeface="+mn-ea"/>
+              </a:rPr>
+              <a:t>病人資料查詢</a:t>
+            </a:r>
+            <a:endParaRPr lang="en-US" altLang="zh-TW" sz="3200" dirty="0" smtClean="0">
+              <a:latin typeface="+mn-ea"/>
+            </a:endParaRPr>
+          </a:p>
+          <a:p>
+            <a:pPr lvl="1"/>
+            <a:r>
+              <a:rPr lang="zh-TW" altLang="en-US" sz="2800" dirty="0" smtClean="0">
+                <a:latin typeface="+mn-ea"/>
+              </a:rPr>
+              <a:t>此</a:t>
+            </a:r>
+            <a:r>
+              <a:rPr lang="zh-TW" altLang="en-US" sz="2800" dirty="0">
+                <a:latin typeface="+mn-ea"/>
+              </a:rPr>
+              <a:t>醫院的病人列表</a:t>
+            </a:r>
+          </a:p>
+          <a:p>
+            <a:pPr lvl="2"/>
+            <a:r>
+              <a:rPr lang="en-US" altLang="zh-TW" sz="2400" dirty="0" err="1">
+                <a:latin typeface="+mn-ea"/>
+              </a:rPr>
+              <a:t>ServiceRoot</a:t>
+            </a:r>
+            <a:r>
+              <a:rPr lang="en-US" altLang="zh-TW" sz="2400" dirty="0">
+                <a:latin typeface="+mn-ea"/>
+              </a:rPr>
+              <a:t>/</a:t>
+            </a:r>
+            <a:r>
+              <a:rPr lang="en-US" altLang="zh-TW" sz="2400" dirty="0" err="1">
+                <a:latin typeface="+mn-ea"/>
+              </a:rPr>
+              <a:t>Patient?organization</a:t>
+            </a:r>
+            <a:r>
+              <a:rPr lang="en-US" altLang="zh-TW" sz="2400" dirty="0">
+                <a:latin typeface="+mn-ea"/>
+              </a:rPr>
+              <a:t>=</a:t>
+            </a:r>
+            <a:r>
+              <a:rPr lang="en-US" altLang="zh-TW" sz="2400" dirty="0" err="1">
+                <a:latin typeface="+mn-ea"/>
+              </a:rPr>
+              <a:t>OrgID</a:t>
+            </a:r>
+            <a:endParaRPr lang="en-US" altLang="zh-TW" sz="2400" dirty="0">
+              <a:latin typeface="+mn-ea"/>
+            </a:endParaRPr>
+          </a:p>
+          <a:p>
+            <a:pPr lvl="2"/>
+            <a:r>
+              <a:rPr lang="en-US" altLang="zh-TW" sz="2400" dirty="0">
+                <a:latin typeface="+mn-ea"/>
+              </a:rPr>
+              <a:t>https://hapi.fhir.tw/fhir/Patient?organization=4</a:t>
+            </a:r>
+          </a:p>
+          <a:p>
+            <a:pPr lvl="1"/>
+            <a:r>
+              <a:rPr lang="zh-TW" altLang="en-US" sz="2800" dirty="0">
+                <a:latin typeface="+mn-ea"/>
+              </a:rPr>
+              <a:t>依據病患姓名或病歷號查詢此醫院的病人</a:t>
+            </a:r>
+          </a:p>
+          <a:p>
+            <a:pPr lvl="2"/>
+            <a:r>
+              <a:rPr lang="en-US" altLang="zh-TW" sz="2400" dirty="0">
+                <a:latin typeface="+mn-ea"/>
+              </a:rPr>
+              <a:t>https://hapi.fhir.tw/fhir/Patient?name='</a:t>
+            </a:r>
+            <a:r>
+              <a:rPr lang="zh-TW" altLang="en-US" sz="2400" dirty="0">
+                <a:latin typeface="+mn-ea"/>
+              </a:rPr>
+              <a:t>林帶玉</a:t>
+            </a:r>
+            <a:r>
+              <a:rPr lang="en-US" altLang="zh-TW" sz="2400" dirty="0">
+                <a:latin typeface="+mn-ea"/>
+              </a:rPr>
+              <a:t>'&amp;organization=4 (</a:t>
+            </a:r>
+            <a:r>
+              <a:rPr lang="zh-TW" altLang="en-US" sz="2400" dirty="0">
+                <a:latin typeface="+mn-ea"/>
+              </a:rPr>
+              <a:t>查不到</a:t>
+            </a:r>
+            <a:r>
+              <a:rPr lang="en-US" altLang="zh-TW" sz="2400" dirty="0" smtClean="0">
+                <a:latin typeface="+mn-ea"/>
+              </a:rPr>
+              <a:t>)</a:t>
+            </a:r>
+            <a:endParaRPr lang="en-US" altLang="zh-TW" sz="2400" dirty="0">
+              <a:latin typeface="+mn-ea"/>
+            </a:endParaRPr>
+          </a:p>
+        </p:txBody>
+      </p:sp>
+    </p:spTree>
+    <p:extLst>
+      <p:ext uri="{BB962C8B-B14F-4D97-AF65-F5344CB8AC3E}">
+        <p14:creationId xmlns:p14="http://schemas.microsoft.com/office/powerpoint/2010/main" val="2458748889"/>
       </p:ext>
     </p:extLst>
   </p:cSld>

--- a/Spec/FHIR Appointment.pptx
+++ b/Spec/FHIR Appointment.pptx
@@ -6,19 +6,23 @@
     <p:sldMasterId id="2147483661" r:id="rId2"/>
   </p:sldMasterIdLst>
   <p:notesMasterIdLst>
-    <p:notesMasterId r:id="rId13"/>
+    <p:notesMasterId r:id="rId17"/>
   </p:notesMasterIdLst>
   <p:sldIdLst>
-    <p:sldId id="578" r:id="rId3"/>
-    <p:sldId id="586" r:id="rId4"/>
-    <p:sldId id="584" r:id="rId5"/>
-    <p:sldId id="585" r:id="rId6"/>
-    <p:sldId id="579" r:id="rId7"/>
-    <p:sldId id="581" r:id="rId8"/>
-    <p:sldId id="587" r:id="rId9"/>
-    <p:sldId id="589" r:id="rId10"/>
-    <p:sldId id="582" r:id="rId11"/>
-    <p:sldId id="590" r:id="rId12"/>
+    <p:sldId id="591" r:id="rId3"/>
+    <p:sldId id="578" r:id="rId4"/>
+    <p:sldId id="586" r:id="rId5"/>
+    <p:sldId id="584" r:id="rId6"/>
+    <p:sldId id="585" r:id="rId7"/>
+    <p:sldId id="579" r:id="rId8"/>
+    <p:sldId id="581" r:id="rId9"/>
+    <p:sldId id="592" r:id="rId10"/>
+    <p:sldId id="593" r:id="rId11"/>
+    <p:sldId id="594" r:id="rId12"/>
+    <p:sldId id="587" r:id="rId13"/>
+    <p:sldId id="589" r:id="rId14"/>
+    <p:sldId id="582" r:id="rId15"/>
+    <p:sldId id="590" r:id="rId16"/>
   </p:sldIdLst>
   <p:sldSz cx="12192000" cy="6858000"/>
   <p:notesSz cx="6858000" cy="9144000"/>
@@ -218,7 +222,7 @@
           <a:p>
             <a:fld id="{292263DF-D465-7D44-979E-8E059A80EA5A}" type="datetimeFigureOut">
               <a:rPr kumimoji="1" lang="zh-TW" altLang="en-US" smtClean="0"/>
-              <a:t>2019/10/21</a:t>
+              <a:t>2019/10/26</a:t>
             </a:fld>
             <a:endParaRPr kumimoji="1" lang="zh-TW" altLang="en-US"/>
           </a:p>
@@ -632,7 +636,7 @@
           <a:p>
             <a:fld id="{2C75088D-383A-FD4D-9806-47C9669AA49E}" type="datetimeFigureOut">
               <a:rPr kumimoji="1" lang="zh-TW" altLang="en-US" smtClean="0"/>
-              <a:t>2019/10/21</a:t>
+              <a:t>2019/10/26</a:t>
             </a:fld>
             <a:endParaRPr kumimoji="1" lang="zh-TW" altLang="en-US"/>
           </a:p>
@@ -830,7 +834,7 @@
           <a:p>
             <a:fld id="{2C75088D-383A-FD4D-9806-47C9669AA49E}" type="datetimeFigureOut">
               <a:rPr kumimoji="1" lang="zh-TW" altLang="en-US" smtClean="0"/>
-              <a:t>2019/10/21</a:t>
+              <a:t>2019/10/26</a:t>
             </a:fld>
             <a:endParaRPr kumimoji="1" lang="zh-TW" altLang="en-US"/>
           </a:p>
@@ -1038,7 +1042,7 @@
           <a:p>
             <a:fld id="{2C75088D-383A-FD4D-9806-47C9669AA49E}" type="datetimeFigureOut">
               <a:rPr kumimoji="1" lang="zh-TW" altLang="en-US" smtClean="0"/>
-              <a:t>2019/10/21</a:t>
+              <a:t>2019/10/26</a:t>
             </a:fld>
             <a:endParaRPr kumimoji="1" lang="zh-TW" altLang="en-US"/>
           </a:p>
@@ -3332,7 +3336,7 @@
           <a:p>
             <a:fld id="{2C75088D-383A-FD4D-9806-47C9669AA49E}" type="datetimeFigureOut">
               <a:rPr kumimoji="1" lang="zh-TW" altLang="en-US" smtClean="0"/>
-              <a:t>2019/10/21</a:t>
+              <a:t>2019/10/26</a:t>
             </a:fld>
             <a:endParaRPr kumimoji="1" lang="zh-TW" altLang="en-US"/>
           </a:p>
@@ -3512,7 +3516,7 @@
                   <a:spcPct val="0"/>
                 </a:spcAft>
               </a:pPr>
-              <a:t>21-10-2019</a:t>
+              <a:t>26-10-2019</a:t>
             </a:fld>
             <a:endParaRPr lang="nl-NL">
               <a:solidFill>
@@ -4004,7 +4008,7 @@
           <a:p>
             <a:fld id="{2C75088D-383A-FD4D-9806-47C9669AA49E}" type="datetimeFigureOut">
               <a:rPr kumimoji="1" lang="zh-TW" altLang="en-US" smtClean="0"/>
-              <a:t>2019/10/21</a:t>
+              <a:t>2019/10/26</a:t>
             </a:fld>
             <a:endParaRPr kumimoji="1" lang="zh-TW" altLang="en-US"/>
           </a:p>
@@ -4269,7 +4273,7 @@
           <a:p>
             <a:fld id="{2C75088D-383A-FD4D-9806-47C9669AA49E}" type="datetimeFigureOut">
               <a:rPr kumimoji="1" lang="zh-TW" altLang="en-US" smtClean="0"/>
-              <a:t>2019/10/21</a:t>
+              <a:t>2019/10/26</a:t>
             </a:fld>
             <a:endParaRPr kumimoji="1" lang="zh-TW" altLang="en-US"/>
           </a:p>
@@ -4681,7 +4685,7 @@
           <a:p>
             <a:fld id="{2C75088D-383A-FD4D-9806-47C9669AA49E}" type="datetimeFigureOut">
               <a:rPr kumimoji="1" lang="zh-TW" altLang="en-US" smtClean="0"/>
-              <a:t>2019/10/21</a:t>
+              <a:t>2019/10/26</a:t>
             </a:fld>
             <a:endParaRPr kumimoji="1" lang="zh-TW" altLang="en-US"/>
           </a:p>
@@ -4822,7 +4826,7 @@
           <a:p>
             <a:fld id="{2C75088D-383A-FD4D-9806-47C9669AA49E}" type="datetimeFigureOut">
               <a:rPr kumimoji="1" lang="zh-TW" altLang="en-US" smtClean="0"/>
-              <a:t>2019/10/21</a:t>
+              <a:t>2019/10/26</a:t>
             </a:fld>
             <a:endParaRPr kumimoji="1" lang="zh-TW" altLang="en-US"/>
           </a:p>
@@ -4935,7 +4939,7 @@
           <a:p>
             <a:fld id="{2C75088D-383A-FD4D-9806-47C9669AA49E}" type="datetimeFigureOut">
               <a:rPr kumimoji="1" lang="zh-TW" altLang="en-US" smtClean="0"/>
-              <a:t>2019/10/21</a:t>
+              <a:t>2019/10/26</a:t>
             </a:fld>
             <a:endParaRPr kumimoji="1" lang="zh-TW" altLang="en-US"/>
           </a:p>
@@ -5246,7 +5250,7 @@
           <a:p>
             <a:fld id="{2C75088D-383A-FD4D-9806-47C9669AA49E}" type="datetimeFigureOut">
               <a:rPr kumimoji="1" lang="zh-TW" altLang="en-US" smtClean="0"/>
-              <a:t>2019/10/21</a:t>
+              <a:t>2019/10/26</a:t>
             </a:fld>
             <a:endParaRPr kumimoji="1" lang="zh-TW" altLang="en-US"/>
           </a:p>
@@ -5534,7 +5538,7 @@
           <a:p>
             <a:fld id="{2C75088D-383A-FD4D-9806-47C9669AA49E}" type="datetimeFigureOut">
               <a:rPr kumimoji="1" lang="zh-TW" altLang="en-US" smtClean="0"/>
-              <a:t>2019/10/21</a:t>
+              <a:t>2019/10/26</a:t>
             </a:fld>
             <a:endParaRPr kumimoji="1" lang="zh-TW" altLang="en-US"/>
           </a:p>
@@ -5775,7 +5779,7 @@
           <a:p>
             <a:fld id="{2C75088D-383A-FD4D-9806-47C9669AA49E}" type="datetimeFigureOut">
               <a:rPr kumimoji="1" lang="zh-TW" altLang="en-US" smtClean="0"/>
-              <a:t>2019/10/21</a:t>
+              <a:t>2019/10/26</a:t>
             </a:fld>
             <a:endParaRPr kumimoji="1" lang="zh-TW" altLang="en-US"/>
           </a:p>
@@ -7204,238 +7208,67 @@
             <a:spLocks noGrp="1"/>
           </p:cNvSpPr>
           <p:nvPr>
-            <p:ph type="title"/>
+            <p:ph type="ctrTitle"/>
           </p:nvPr>
         </p:nvSpPr>
         <p:spPr>
           <a:xfrm>
-            <a:off x="1101024" y="120237"/>
-            <a:ext cx="9101753" cy="1143000"/>
+            <a:off x="221673" y="1122363"/>
+            <a:ext cx="10446327" cy="2387600"/>
           </a:xfrm>
         </p:spPr>
         <p:txBody>
           <a:bodyPr>
-            <a:noAutofit/>
+            <a:normAutofit fontScale="90000"/>
           </a:bodyPr>
           <a:lstStyle/>
           <a:p>
-            <a:pPr algn="ctr"/>
-            <a:r>
-              <a:rPr lang="en-US" altLang="zh-TW" sz="4800" b="1" dirty="0" smtClean="0">
-                <a:latin typeface="+mn-ea"/>
-                <a:ea typeface="+mn-ea"/>
-              </a:rPr>
-              <a:t>FHIR appointment</a:t>
-            </a:r>
-            <a:endParaRPr lang="zh-TW" altLang="en-US" sz="4800" b="1" dirty="0">
-              <a:latin typeface="+mn-ea"/>
-              <a:ea typeface="+mn-ea"/>
-            </a:endParaRPr>
-          </a:p>
-        </p:txBody>
-      </p:sp>
-      <p:sp>
-        <p:nvSpPr>
-          <p:cNvPr id="3" name="內容版面配置區 2"/>
-          <p:cNvSpPr>
-            <a:spLocks noGrp="1"/>
-          </p:cNvSpPr>
-          <p:nvPr>
-            <p:ph idx="1"/>
-          </p:nvPr>
-        </p:nvSpPr>
-        <p:spPr>
-          <a:xfrm>
-            <a:off x="707572" y="1524000"/>
-            <a:ext cx="10772123" cy="4328466"/>
-          </a:xfrm>
-        </p:spPr>
-        <p:txBody>
-          <a:bodyPr>
-            <a:noAutofit/>
-          </a:bodyPr>
+            <a:r>
+              <a:rPr lang="en-US" altLang="zh-TW" dirty="0" smtClean="0"/>
+              <a:t>FHIR</a:t>
+            </a:r>
+            <a:r>
+              <a:rPr lang="zh-TW" altLang="en-US" dirty="0" smtClean="0"/>
+              <a:t> 活動排程及報名</a:t>
+            </a:r>
+            <a:r>
+              <a:rPr lang="en-US" altLang="zh-TW" dirty="0" smtClean="0"/>
+              <a:t/>
+            </a:r>
+            <a:br>
+              <a:rPr lang="en-US" altLang="zh-TW" dirty="0" smtClean="0"/>
+            </a:br>
+            <a:r>
+              <a:rPr lang="en-US" altLang="zh-TW" dirty="0" smtClean="0"/>
+              <a:t>FHIR scheduling and appointment</a:t>
+            </a:r>
+            <a:endParaRPr lang="zh-TW" altLang="en-US" dirty="0"/>
+          </a:p>
+        </p:txBody>
+      </p:sp>
+      <p:sp>
+        <p:nvSpPr>
+          <p:cNvPr id="3" name="副標題 2"/>
+          <p:cNvSpPr>
+            <a:spLocks noGrp="1"/>
+          </p:cNvSpPr>
+          <p:nvPr>
+            <p:ph type="subTitle" idx="1"/>
+          </p:nvPr>
+        </p:nvSpPr>
+        <p:spPr/>
+        <p:txBody>
+          <a:bodyPr/>
           <a:lstStyle/>
           <a:p>
-            <a:r>
-              <a:rPr lang="en-US" altLang="zh-TW" sz="3200" dirty="0">
-                <a:latin typeface="+mn-ea"/>
-              </a:rPr>
-              <a:t>appointment</a:t>
-            </a:r>
-            <a:r>
-              <a:rPr lang="zh-TW" altLang="en-US" sz="3200" dirty="0" smtClean="0">
-                <a:latin typeface="+mn-ea"/>
-              </a:rPr>
-              <a:t>預約及掛號</a:t>
-            </a:r>
-            <a:endParaRPr lang="en-US" altLang="zh-TW" sz="3200" dirty="0" smtClean="0">
-              <a:latin typeface="+mn-ea"/>
-            </a:endParaRPr>
-          </a:p>
-          <a:p>
-            <a:r>
-              <a:rPr lang="zh-TW" altLang="en-US" sz="3200" dirty="0" smtClean="0">
-                <a:latin typeface="+mn-ea"/>
-              </a:rPr>
-              <a:t>應用情境</a:t>
-            </a:r>
-            <a:endParaRPr lang="en-US" altLang="zh-TW" sz="3200" dirty="0" smtClean="0">
-              <a:latin typeface="+mn-ea"/>
-            </a:endParaRPr>
-          </a:p>
-          <a:p>
-            <a:pPr lvl="1"/>
-            <a:r>
-              <a:rPr lang="zh-TW" altLang="en-US" sz="2800" dirty="0" smtClean="0">
-                <a:latin typeface="+mn-ea"/>
-              </a:rPr>
-              <a:t>看病、檢查、或其他健康服務掛號</a:t>
-            </a:r>
-            <a:endParaRPr lang="en-US" altLang="zh-TW" sz="2800" dirty="0" smtClean="0">
-              <a:latin typeface="+mn-ea"/>
-            </a:endParaRPr>
-          </a:p>
-          <a:p>
-            <a:pPr lvl="2"/>
-            <a:r>
-              <a:rPr lang="zh-TW" altLang="en-US" sz="2400" dirty="0" smtClean="0">
-                <a:latin typeface="+mn-ea"/>
-              </a:rPr>
-              <a:t>如</a:t>
-            </a:r>
-            <a:r>
-              <a:rPr lang="zh-TW" altLang="en-US" sz="2400" dirty="0">
-                <a:latin typeface="+mn-ea"/>
-              </a:rPr>
-              <a:t>復</a:t>
-            </a:r>
-            <a:r>
-              <a:rPr lang="zh-TW" altLang="en-US" sz="2400" dirty="0" smtClean="0">
-                <a:latin typeface="+mn-ea"/>
-              </a:rPr>
-              <a:t>健中心</a:t>
-            </a:r>
-            <a:r>
-              <a:rPr lang="zh-TW" altLang="en-US" sz="2400" dirty="0">
-                <a:latin typeface="+mn-ea"/>
-              </a:rPr>
-              <a:t>復</a:t>
-            </a:r>
-            <a:r>
-              <a:rPr lang="zh-TW" altLang="en-US" sz="2400" dirty="0" smtClean="0">
-                <a:latin typeface="+mn-ea"/>
-              </a:rPr>
-              <a:t>健、影像檢查等</a:t>
-            </a:r>
-            <a:endParaRPr lang="en-US" altLang="zh-TW" sz="2400" dirty="0" smtClean="0">
-              <a:latin typeface="+mn-ea"/>
-            </a:endParaRPr>
-          </a:p>
-          <a:p>
-            <a:pPr lvl="1"/>
-            <a:r>
-              <a:rPr lang="zh-TW" altLang="en-US" sz="2800" dirty="0" smtClean="0">
-                <a:latin typeface="+mn-ea"/>
-              </a:rPr>
-              <a:t>遠距諮詢掛號</a:t>
-            </a:r>
-            <a:endParaRPr lang="en-US" altLang="zh-TW" sz="2800" dirty="0" smtClean="0">
-              <a:latin typeface="+mn-ea"/>
-            </a:endParaRPr>
-          </a:p>
-          <a:p>
-            <a:pPr lvl="2"/>
-            <a:r>
-              <a:rPr lang="zh-TW" altLang="en-US" sz="2400" dirty="0" smtClean="0">
-                <a:latin typeface="+mn-ea"/>
-              </a:rPr>
-              <a:t>有不少熱心醫師免費願意提供服務</a:t>
-            </a:r>
-            <a:endParaRPr lang="en-US" altLang="zh-TW" sz="2400" dirty="0" smtClean="0">
-              <a:latin typeface="+mn-ea"/>
-            </a:endParaRPr>
-          </a:p>
-          <a:p>
-            <a:pPr lvl="1"/>
-            <a:r>
-              <a:rPr lang="zh-TW" altLang="en-US" dirty="0" smtClean="0">
-                <a:latin typeface="+mn-ea"/>
-              </a:rPr>
-              <a:t>排定社區</a:t>
-            </a:r>
-            <a:r>
-              <a:rPr lang="zh-TW" altLang="en-US" dirty="0">
-                <a:latin typeface="+mn-ea"/>
-              </a:rPr>
-              <a:t>、照護中心、及居家</a:t>
-            </a:r>
-            <a:r>
-              <a:rPr lang="zh-TW" altLang="en-US" dirty="0" smtClean="0">
-                <a:latin typeface="+mn-ea"/>
-              </a:rPr>
-              <a:t>服務時間</a:t>
-            </a:r>
-            <a:r>
-              <a:rPr lang="en-US" altLang="zh-TW" dirty="0" smtClean="0">
-                <a:latin typeface="+mn-ea"/>
-              </a:rPr>
-              <a:t>?</a:t>
-            </a:r>
-          </a:p>
-          <a:p>
-            <a:pPr lvl="2"/>
-            <a:r>
-              <a:rPr lang="zh-TW" altLang="en-US" dirty="0" smtClean="0">
-                <a:latin typeface="+mn-ea"/>
-              </a:rPr>
-              <a:t>不限醫療</a:t>
-            </a:r>
-            <a:r>
-              <a:rPr lang="en-US" altLang="zh-TW" dirty="0" smtClean="0">
-                <a:latin typeface="+mn-ea"/>
-              </a:rPr>
-              <a:t>?</a:t>
-            </a:r>
-            <a:r>
-              <a:rPr lang="zh-TW" altLang="en-US" dirty="0" smtClean="0">
-                <a:latin typeface="+mn-ea"/>
-              </a:rPr>
-              <a:t> 如協助打掃、報名參加社區活動</a:t>
-            </a:r>
-            <a:r>
-              <a:rPr lang="en-US" altLang="zh-TW" dirty="0" smtClean="0">
-                <a:latin typeface="+mn-ea"/>
-              </a:rPr>
-              <a:t>(</a:t>
-            </a:r>
-            <a:r>
-              <a:rPr lang="zh-TW" altLang="en-US" dirty="0" smtClean="0">
-                <a:latin typeface="+mn-ea"/>
-              </a:rPr>
-              <a:t>分梯次</a:t>
-            </a:r>
-            <a:r>
-              <a:rPr lang="en-US" altLang="zh-TW" dirty="0" smtClean="0">
-                <a:latin typeface="+mn-ea"/>
-              </a:rPr>
-              <a:t>)</a:t>
-            </a:r>
-            <a:r>
-              <a:rPr lang="zh-TW" altLang="en-US" dirty="0" smtClean="0">
-                <a:latin typeface="+mn-ea"/>
-              </a:rPr>
-              <a:t>等</a:t>
-            </a:r>
-            <a:endParaRPr lang="en-US" altLang="zh-TW" sz="1600" dirty="0" smtClean="0">
-              <a:latin typeface="+mn-ea"/>
-            </a:endParaRPr>
+            <a:endParaRPr lang="zh-TW" altLang="en-US" dirty="0"/>
           </a:p>
         </p:txBody>
       </p:sp>
     </p:spTree>
     <p:extLst>
       <p:ext uri="{BB962C8B-B14F-4D97-AF65-F5344CB8AC3E}">
-        <p14:creationId xmlns:p14="http://schemas.microsoft.com/office/powerpoint/2010/main" val="3345521595"/>
+        <p14:creationId xmlns:p14="http://schemas.microsoft.com/office/powerpoint/2010/main" val="1910161984"/>
       </p:ext>
     </p:extLst>
   </p:cSld>
@@ -7453,6 +7286,631 @@
 </file>
 
 <file path=ppt/slides/slide10.xml><?xml version="1.0" encoding="utf-8"?>
+<p:sld xmlns:a="http://schemas.openxmlformats.org/drawingml/2006/main" xmlns:r="http://schemas.openxmlformats.org/officeDocument/2006/relationships" xmlns:p="http://schemas.openxmlformats.org/presentationml/2006/main">
+  <p:cSld>
+    <p:spTree>
+      <p:nvGrpSpPr>
+        <p:cNvPr id="1" name=""/>
+        <p:cNvGrpSpPr/>
+        <p:nvPr/>
+      </p:nvGrpSpPr>
+      <p:grpSpPr>
+        <a:xfrm>
+          <a:off x="0" y="0"/>
+          <a:ext cx="0" cy="0"/>
+          <a:chOff x="0" y="0"/>
+          <a:chExt cx="0" cy="0"/>
+        </a:xfrm>
+      </p:grpSpPr>
+      <p:sp>
+        <p:nvSpPr>
+          <p:cNvPr id="2" name="標題 1"/>
+          <p:cNvSpPr>
+            <a:spLocks noGrp="1"/>
+          </p:cNvSpPr>
+          <p:nvPr>
+            <p:ph type="title"/>
+          </p:nvPr>
+        </p:nvSpPr>
+        <p:spPr/>
+        <p:txBody>
+          <a:bodyPr/>
+          <a:lstStyle/>
+          <a:p>
+            <a:r>
+              <a:rPr lang="zh-TW" altLang="en-US" dirty="0" smtClean="0"/>
+              <a:t>查詢掛號結果</a:t>
+            </a:r>
+            <a:endParaRPr lang="zh-TW" altLang="en-US" dirty="0"/>
+          </a:p>
+        </p:txBody>
+      </p:sp>
+      <p:sp>
+        <p:nvSpPr>
+          <p:cNvPr id="3" name="內容版面配置區 2"/>
+          <p:cNvSpPr>
+            <a:spLocks noGrp="1"/>
+          </p:cNvSpPr>
+          <p:nvPr>
+            <p:ph idx="1"/>
+          </p:nvPr>
+        </p:nvSpPr>
+        <p:spPr/>
+        <p:txBody>
+          <a:bodyPr/>
+          <a:lstStyle/>
+          <a:p>
+            <a:r>
+              <a:rPr lang="zh-TW" altLang="en-US" dirty="0"/>
+              <a:t>民眾查詢個人或家屬之掛號</a:t>
+            </a:r>
+            <a:r>
+              <a:rPr lang="zh-TW" altLang="en-US" dirty="0" smtClean="0"/>
+              <a:t>資訊</a:t>
+            </a:r>
+            <a:endParaRPr lang="en-US" altLang="zh-TW" dirty="0" smtClean="0"/>
+          </a:p>
+          <a:p>
+            <a:endParaRPr lang="zh-TW" altLang="en-US" dirty="0"/>
+          </a:p>
+          <a:p>
+            <a:r>
+              <a:rPr lang="zh-TW" altLang="en-US" dirty="0"/>
+              <a:t>各機構查該機構之掛號</a:t>
+            </a:r>
+            <a:r>
+              <a:rPr lang="zh-TW" altLang="en-US" dirty="0" smtClean="0"/>
+              <a:t>資訊</a:t>
+            </a:r>
+            <a:endParaRPr lang="en-US" altLang="zh-TW" dirty="0" smtClean="0"/>
+          </a:p>
+          <a:p>
+            <a:r>
+              <a:rPr lang="en-US" altLang="zh-TW" dirty="0" smtClean="0"/>
+              <a:t>/</a:t>
+            </a:r>
+            <a:r>
+              <a:rPr lang="en-US" altLang="zh-TW" dirty="0" err="1" smtClean="0"/>
+              <a:t>appointment?slot</a:t>
+            </a:r>
+            <a:r>
+              <a:rPr lang="en-US" altLang="zh-TW" dirty="0" smtClean="0"/>
+              <a:t>=****</a:t>
+            </a:r>
+            <a:endParaRPr lang="zh-TW" altLang="en-US" dirty="0"/>
+          </a:p>
+        </p:txBody>
+      </p:sp>
+    </p:spTree>
+    <p:extLst>
+      <p:ext uri="{BB962C8B-B14F-4D97-AF65-F5344CB8AC3E}">
+        <p14:creationId xmlns:p14="http://schemas.microsoft.com/office/powerpoint/2010/main" val="165228172"/>
+      </p:ext>
+    </p:extLst>
+  </p:cSld>
+  <p:clrMapOvr>
+    <a:masterClrMapping/>
+  </p:clrMapOvr>
+</p:sld>
+</file>
+
+<file path=ppt/slides/slide11.xml><?xml version="1.0" encoding="utf-8"?>
+<p:sld xmlns:a="http://schemas.openxmlformats.org/drawingml/2006/main" xmlns:r="http://schemas.openxmlformats.org/officeDocument/2006/relationships" xmlns:p="http://schemas.openxmlformats.org/presentationml/2006/main">
+  <p:cSld>
+    <p:spTree>
+      <p:nvGrpSpPr>
+        <p:cNvPr id="1" name=""/>
+        <p:cNvGrpSpPr/>
+        <p:nvPr/>
+      </p:nvGrpSpPr>
+      <p:grpSpPr>
+        <a:xfrm>
+          <a:off x="0" y="0"/>
+          <a:ext cx="0" cy="0"/>
+          <a:chOff x="0" y="0"/>
+          <a:chExt cx="0" cy="0"/>
+        </a:xfrm>
+      </p:grpSpPr>
+      <p:sp>
+        <p:nvSpPr>
+          <p:cNvPr id="2" name="標題 1"/>
+          <p:cNvSpPr>
+            <a:spLocks noGrp="1"/>
+          </p:cNvSpPr>
+          <p:nvPr>
+            <p:ph type="title"/>
+          </p:nvPr>
+        </p:nvSpPr>
+        <p:spPr/>
+        <p:txBody>
+          <a:bodyPr/>
+          <a:lstStyle/>
+          <a:p>
+            <a:r>
+              <a:rPr lang="en-US" altLang="zh-TW" dirty="0"/>
+              <a:t>Resources </a:t>
+            </a:r>
+            <a:r>
+              <a:rPr lang="zh-TW" altLang="en-US" dirty="0"/>
+              <a:t>範例及其需特別注意的細部規格</a:t>
+            </a:r>
+          </a:p>
+        </p:txBody>
+      </p:sp>
+      <p:sp>
+        <p:nvSpPr>
+          <p:cNvPr id="3" name="內容版面配置區 2"/>
+          <p:cNvSpPr>
+            <a:spLocks noGrp="1"/>
+          </p:cNvSpPr>
+          <p:nvPr>
+            <p:ph idx="1"/>
+          </p:nvPr>
+        </p:nvSpPr>
+        <p:spPr/>
+        <p:txBody>
+          <a:bodyPr/>
+          <a:lstStyle/>
+          <a:p>
+            <a:r>
+              <a:rPr lang="zh-TW" altLang="en-US" dirty="0" smtClean="0"/>
+              <a:t>可</a:t>
+            </a:r>
+            <a:r>
+              <a:rPr lang="zh-TW" altLang="en-US" dirty="0"/>
+              <a:t>依據 </a:t>
+            </a:r>
+            <a:r>
+              <a:rPr lang="en-US" altLang="zh-TW" dirty="0"/>
+              <a:t>FHIR </a:t>
+            </a:r>
+            <a:r>
+              <a:rPr lang="zh-TW" altLang="en-US" dirty="0"/>
+              <a:t>官網或測試網站範例</a:t>
+            </a:r>
+            <a:r>
+              <a:rPr lang="zh-TW" altLang="en-US" dirty="0" smtClean="0"/>
+              <a:t>整理</a:t>
+            </a:r>
+            <a:endParaRPr lang="en-US" altLang="zh-TW" dirty="0" smtClean="0"/>
+          </a:p>
+          <a:p>
+            <a:endParaRPr lang="en-US" altLang="zh-TW" dirty="0" smtClean="0"/>
+          </a:p>
+          <a:p>
+            <a:r>
+              <a:rPr lang="zh-TW" altLang="en-US" dirty="0" smtClean="0"/>
+              <a:t>測試</a:t>
+            </a:r>
+            <a:r>
+              <a:rPr lang="zh-TW" altLang="en-US" dirty="0"/>
+              <a:t>網站範例</a:t>
+            </a:r>
+            <a:endParaRPr lang="en-US" altLang="zh-TW" dirty="0"/>
+          </a:p>
+          <a:p>
+            <a:pPr lvl="1"/>
+            <a:r>
+              <a:rPr lang="en-US" altLang="zh-TW" dirty="0"/>
+              <a:t>https://www.hl7.org/fhir/schedule-provider-location1-example.json.html</a:t>
+            </a:r>
+          </a:p>
+          <a:p>
+            <a:pPr lvl="1"/>
+            <a:r>
+              <a:rPr lang="en-US" altLang="zh-TW" dirty="0"/>
+              <a:t>http://hapi.fhir.org/baseDstu3/Patient</a:t>
+            </a:r>
+            <a:endParaRPr lang="zh-TW" altLang="en-US" dirty="0"/>
+          </a:p>
+        </p:txBody>
+      </p:sp>
+    </p:spTree>
+    <p:extLst>
+      <p:ext uri="{BB962C8B-B14F-4D97-AF65-F5344CB8AC3E}">
+        <p14:creationId xmlns:p14="http://schemas.microsoft.com/office/powerpoint/2010/main" val="950053643"/>
+      </p:ext>
+    </p:extLst>
+  </p:cSld>
+  <p:clrMapOvr>
+    <a:masterClrMapping/>
+  </p:clrMapOvr>
+</p:sld>
+</file>
+
+<file path=ppt/slides/slide12.xml><?xml version="1.0" encoding="utf-8"?>
+<p:sld xmlns:a="http://schemas.openxmlformats.org/drawingml/2006/main" xmlns:r="http://schemas.openxmlformats.org/officeDocument/2006/relationships" xmlns:p="http://schemas.openxmlformats.org/presentationml/2006/main">
+  <p:cSld>
+    <p:spTree>
+      <p:nvGrpSpPr>
+        <p:cNvPr id="1" name=""/>
+        <p:cNvGrpSpPr/>
+        <p:nvPr/>
+      </p:nvGrpSpPr>
+      <p:grpSpPr>
+        <a:xfrm>
+          <a:off x="0" y="0"/>
+          <a:ext cx="0" cy="0"/>
+          <a:chOff x="0" y="0"/>
+          <a:chExt cx="0" cy="0"/>
+        </a:xfrm>
+      </p:grpSpPr>
+      <p:sp>
+        <p:nvSpPr>
+          <p:cNvPr id="2" name="標題 1"/>
+          <p:cNvSpPr>
+            <a:spLocks noGrp="1"/>
+          </p:cNvSpPr>
+          <p:nvPr>
+            <p:ph type="title"/>
+          </p:nvPr>
+        </p:nvSpPr>
+        <p:spPr/>
+        <p:txBody>
+          <a:bodyPr/>
+          <a:lstStyle/>
+          <a:p>
+            <a:pPr algn="ctr"/>
+            <a:r>
+              <a:rPr lang="zh-TW" altLang="en-US" dirty="0"/>
+              <a:t>會用到的 </a:t>
+            </a:r>
+            <a:r>
+              <a:rPr lang="en-US" altLang="zh-TW" dirty="0"/>
+              <a:t>FHIR API </a:t>
+            </a:r>
+            <a:br>
+              <a:rPr lang="en-US" altLang="zh-TW" dirty="0"/>
+            </a:br>
+            <a:endParaRPr lang="zh-TW" altLang="en-US" dirty="0"/>
+          </a:p>
+        </p:txBody>
+      </p:sp>
+      <p:sp>
+        <p:nvSpPr>
+          <p:cNvPr id="3" name="內容版面配置區 2"/>
+          <p:cNvSpPr>
+            <a:spLocks noGrp="1"/>
+          </p:cNvSpPr>
+          <p:nvPr>
+            <p:ph idx="1"/>
+          </p:nvPr>
+        </p:nvSpPr>
+        <p:spPr/>
+        <p:txBody>
+          <a:bodyPr>
+            <a:normAutofit/>
+          </a:bodyPr>
+          <a:lstStyle/>
+          <a:p>
+            <a:r>
+              <a:rPr lang="zh-TW" altLang="en-US" dirty="0" smtClean="0"/>
+              <a:t>新增、修改、及刪除特定</a:t>
+            </a:r>
+            <a:r>
+              <a:rPr lang="zh-TW" altLang="en-US" dirty="0"/>
+              <a:t>的 </a:t>
+            </a:r>
+            <a:r>
+              <a:rPr lang="en-US" altLang="zh-TW" dirty="0" smtClean="0"/>
+              <a:t>resource</a:t>
+            </a:r>
+          </a:p>
+          <a:p>
+            <a:pPr lvl="1"/>
+            <a:r>
+              <a:rPr lang="zh-TW" altLang="en-US" dirty="0" smtClean="0"/>
+              <a:t>基於</a:t>
+            </a:r>
+            <a:r>
+              <a:rPr lang="zh-TW" altLang="en-US" dirty="0"/>
+              <a:t>標準 </a:t>
+            </a:r>
+            <a:r>
+              <a:rPr lang="en-US" altLang="zh-TW" dirty="0"/>
+              <a:t>Restful API</a:t>
+            </a:r>
+          </a:p>
+          <a:p>
+            <a:pPr lvl="1"/>
+            <a:r>
+              <a:rPr lang="en-US" altLang="zh-TW" dirty="0"/>
+              <a:t>HTTP post resources</a:t>
+            </a:r>
+            <a:r>
+              <a:rPr lang="zh-TW" altLang="en-US" dirty="0"/>
+              <a:t>。</a:t>
+            </a:r>
+            <a:r>
+              <a:rPr lang="en-US" altLang="zh-TW" dirty="0"/>
+              <a:t>Post </a:t>
+            </a:r>
+            <a:r>
+              <a:rPr lang="zh-TW" altLang="en-US" dirty="0" smtClean="0"/>
+              <a:t>新增前</a:t>
+            </a:r>
+            <a:r>
+              <a:rPr lang="zh-TW" altLang="en-US" dirty="0"/>
+              <a:t>需注意事項</a:t>
+            </a:r>
+            <a:r>
+              <a:rPr lang="en-US" altLang="zh-TW" dirty="0"/>
+              <a:t>:</a:t>
+            </a:r>
+          </a:p>
+          <a:p>
+            <a:pPr lvl="1"/>
+            <a:r>
+              <a:rPr lang="zh-TW" altLang="en-US" dirty="0"/>
+              <a:t>需先上傳 </a:t>
+            </a:r>
+            <a:r>
+              <a:rPr lang="en-US" altLang="zh-TW" dirty="0"/>
+              <a:t>element reference </a:t>
+            </a:r>
+            <a:r>
+              <a:rPr lang="zh-TW" altLang="en-US" dirty="0"/>
+              <a:t>之 </a:t>
+            </a:r>
+            <a:r>
+              <a:rPr lang="en-US" altLang="zh-TW" dirty="0"/>
+              <a:t>resources</a:t>
+            </a:r>
+          </a:p>
+          <a:p>
+            <a:pPr lvl="1"/>
+            <a:endParaRPr lang="en-US" altLang="zh-TW" dirty="0"/>
+          </a:p>
+        </p:txBody>
+      </p:sp>
+    </p:spTree>
+    <p:extLst>
+      <p:ext uri="{BB962C8B-B14F-4D97-AF65-F5344CB8AC3E}">
+        <p14:creationId xmlns:p14="http://schemas.microsoft.com/office/powerpoint/2010/main" val="1842206990"/>
+      </p:ext>
+    </p:extLst>
+  </p:cSld>
+  <p:clrMapOvr>
+    <a:masterClrMapping/>
+  </p:clrMapOvr>
+</p:sld>
+</file>
+
+<file path=ppt/slides/slide13.xml><?xml version="1.0" encoding="utf-8"?>
+<p:sld xmlns:a="http://schemas.openxmlformats.org/drawingml/2006/main" xmlns:r="http://schemas.openxmlformats.org/officeDocument/2006/relationships" xmlns:p="http://schemas.openxmlformats.org/presentationml/2006/main">
+  <p:cSld>
+    <p:spTree>
+      <p:nvGrpSpPr>
+        <p:cNvPr id="1" name=""/>
+        <p:cNvGrpSpPr/>
+        <p:nvPr/>
+      </p:nvGrpSpPr>
+      <p:grpSpPr>
+        <a:xfrm>
+          <a:off x="0" y="0"/>
+          <a:ext cx="0" cy="0"/>
+          <a:chOff x="0" y="0"/>
+          <a:chExt cx="0" cy="0"/>
+        </a:xfrm>
+      </p:grpSpPr>
+      <p:sp>
+        <p:nvSpPr>
+          <p:cNvPr id="2" name="標題 1"/>
+          <p:cNvSpPr>
+            <a:spLocks noGrp="1"/>
+          </p:cNvSpPr>
+          <p:nvPr>
+            <p:ph type="title"/>
+          </p:nvPr>
+        </p:nvSpPr>
+        <p:spPr>
+          <a:xfrm>
+            <a:off x="1101024" y="120237"/>
+            <a:ext cx="9101753" cy="1143000"/>
+          </a:xfrm>
+        </p:spPr>
+        <p:txBody>
+          <a:bodyPr>
+            <a:noAutofit/>
+          </a:bodyPr>
+          <a:lstStyle/>
+          <a:p>
+            <a:pPr algn="ctr"/>
+            <a:r>
+              <a:rPr lang="en-US" altLang="zh-TW" sz="4800" b="1" dirty="0" smtClean="0">
+                <a:latin typeface="+mn-ea"/>
+                <a:ea typeface="+mn-ea"/>
+              </a:rPr>
+              <a:t>FHIR</a:t>
+            </a:r>
+            <a:r>
+              <a:rPr lang="zh-TW" altLang="en-US" sz="4800" b="1" dirty="0" smtClean="0">
+                <a:latin typeface="+mn-ea"/>
+                <a:ea typeface="+mn-ea"/>
+              </a:rPr>
+              <a:t> </a:t>
+            </a:r>
+            <a:r>
+              <a:rPr lang="en-US" altLang="zh-TW" sz="4800" b="1" dirty="0" smtClean="0">
+                <a:latin typeface="+mn-ea"/>
+                <a:ea typeface="+mn-ea"/>
+              </a:rPr>
+              <a:t>resource </a:t>
+            </a:r>
+            <a:r>
+              <a:rPr lang="zh-TW" altLang="en-US" sz="4800" b="1" dirty="0" smtClean="0">
+                <a:latin typeface="+mn-ea"/>
+                <a:ea typeface="+mn-ea"/>
+              </a:rPr>
+              <a:t>查詢</a:t>
+            </a:r>
+            <a:endParaRPr lang="zh-TW" altLang="en-US" sz="4800" b="1" dirty="0">
+              <a:latin typeface="+mn-ea"/>
+              <a:ea typeface="+mn-ea"/>
+            </a:endParaRPr>
+          </a:p>
+        </p:txBody>
+      </p:sp>
+      <p:sp>
+        <p:nvSpPr>
+          <p:cNvPr id="3" name="內容版面配置區 2"/>
+          <p:cNvSpPr>
+            <a:spLocks noGrp="1"/>
+          </p:cNvSpPr>
+          <p:nvPr>
+            <p:ph idx="1"/>
+          </p:nvPr>
+        </p:nvSpPr>
+        <p:spPr>
+          <a:xfrm>
+            <a:off x="871202" y="1437373"/>
+            <a:ext cx="10772123" cy="4328466"/>
+          </a:xfrm>
+        </p:spPr>
+        <p:txBody>
+          <a:bodyPr>
+            <a:noAutofit/>
+          </a:bodyPr>
+          <a:lstStyle/>
+          <a:p>
+            <a:r>
+              <a:rPr lang="zh-TW" altLang="en-US" sz="3200" dirty="0" smtClean="0">
+                <a:latin typeface="+mn-ea"/>
+              </a:rPr>
+              <a:t>病人資料查詢</a:t>
+            </a:r>
+            <a:endParaRPr lang="en-US" altLang="zh-TW" sz="3200" dirty="0" smtClean="0">
+              <a:latin typeface="+mn-ea"/>
+            </a:endParaRPr>
+          </a:p>
+          <a:p>
+            <a:pPr lvl="1"/>
+            <a:r>
+              <a:rPr lang="zh-TW" altLang="en-US" sz="2800" dirty="0" smtClean="0">
+                <a:latin typeface="+mn-ea"/>
+              </a:rPr>
+              <a:t>此</a:t>
+            </a:r>
+            <a:r>
+              <a:rPr lang="zh-TW" altLang="en-US" sz="2800" dirty="0">
+                <a:latin typeface="+mn-ea"/>
+              </a:rPr>
+              <a:t>醫院的病人列表</a:t>
+            </a:r>
+          </a:p>
+          <a:p>
+            <a:pPr lvl="2"/>
+            <a:r>
+              <a:rPr lang="en-US" altLang="zh-TW" sz="2400" dirty="0" err="1">
+                <a:latin typeface="+mn-ea"/>
+              </a:rPr>
+              <a:t>ServiceRoot</a:t>
+            </a:r>
+            <a:r>
+              <a:rPr lang="en-US" altLang="zh-TW" sz="2400" dirty="0">
+                <a:latin typeface="+mn-ea"/>
+              </a:rPr>
+              <a:t>/</a:t>
+            </a:r>
+            <a:r>
+              <a:rPr lang="en-US" altLang="zh-TW" sz="2400" dirty="0" err="1">
+                <a:latin typeface="+mn-ea"/>
+              </a:rPr>
+              <a:t>Patient?organization</a:t>
+            </a:r>
+            <a:r>
+              <a:rPr lang="en-US" altLang="zh-TW" sz="2400" dirty="0">
+                <a:latin typeface="+mn-ea"/>
+              </a:rPr>
+              <a:t>=</a:t>
+            </a:r>
+            <a:r>
+              <a:rPr lang="en-US" altLang="zh-TW" sz="2400" dirty="0" err="1">
+                <a:latin typeface="+mn-ea"/>
+              </a:rPr>
+              <a:t>OrgID</a:t>
+            </a:r>
+            <a:endParaRPr lang="en-US" altLang="zh-TW" sz="2400" dirty="0">
+              <a:latin typeface="+mn-ea"/>
+            </a:endParaRPr>
+          </a:p>
+          <a:p>
+            <a:pPr lvl="2"/>
+            <a:r>
+              <a:rPr lang="en-US" altLang="zh-TW" sz="2400" dirty="0">
+                <a:latin typeface="+mn-ea"/>
+              </a:rPr>
+              <a:t>https://hapi.fhir.tw/fhir/Patient?organization=4</a:t>
+            </a:r>
+          </a:p>
+          <a:p>
+            <a:pPr lvl="1"/>
+            <a:r>
+              <a:rPr lang="zh-TW" altLang="en-US" sz="2800" dirty="0">
+                <a:latin typeface="+mn-ea"/>
+              </a:rPr>
+              <a:t>依據病患姓名或病歷號查詢此醫院的病人</a:t>
+            </a:r>
+          </a:p>
+          <a:p>
+            <a:pPr lvl="2"/>
+            <a:r>
+              <a:rPr lang="en-US" altLang="zh-TW" sz="2400" dirty="0">
+                <a:latin typeface="+mn-ea"/>
+              </a:rPr>
+              <a:t>https://hapi.fhir.tw/fhir/Patient?name='</a:t>
+            </a:r>
+            <a:r>
+              <a:rPr lang="zh-TW" altLang="en-US" sz="2400" dirty="0">
+                <a:latin typeface="+mn-ea"/>
+              </a:rPr>
+              <a:t>林帶玉</a:t>
+            </a:r>
+            <a:r>
+              <a:rPr lang="en-US" altLang="zh-TW" sz="2400" dirty="0">
+                <a:latin typeface="+mn-ea"/>
+              </a:rPr>
+              <a:t>'&amp;organization=4 (</a:t>
+            </a:r>
+            <a:r>
+              <a:rPr lang="zh-TW" altLang="en-US" sz="2400" dirty="0">
+                <a:latin typeface="+mn-ea"/>
+              </a:rPr>
+              <a:t>查不到</a:t>
+            </a:r>
+            <a:r>
+              <a:rPr lang="en-US" altLang="zh-TW" sz="2400" dirty="0" smtClean="0">
+                <a:latin typeface="+mn-ea"/>
+              </a:rPr>
+              <a:t>)</a:t>
+            </a:r>
+            <a:endParaRPr lang="en-US" altLang="zh-TW" sz="2400" dirty="0">
+              <a:latin typeface="+mn-ea"/>
+            </a:endParaRPr>
+          </a:p>
+        </p:txBody>
+      </p:sp>
+    </p:spTree>
+    <p:extLst>
+      <p:ext uri="{BB962C8B-B14F-4D97-AF65-F5344CB8AC3E}">
+        <p14:creationId xmlns:p14="http://schemas.microsoft.com/office/powerpoint/2010/main" val="2458748889"/>
+      </p:ext>
+    </p:extLst>
+  </p:cSld>
+  <p:clrMapOvr>
+    <a:masterClrMapping/>
+  </p:clrMapOvr>
+  <p:timing>
+    <p:tnLst>
+      <p:par>
+        <p:cTn id="1" dur="indefinite" restart="never" nodeType="tmRoot"/>
+      </p:par>
+    </p:tnLst>
+  </p:timing>
+</p:sld>
+</file>
+
+<file path=ppt/slides/slide14.xml><?xml version="1.0" encoding="utf-8"?>
 <p:sld xmlns:a="http://schemas.openxmlformats.org/drawingml/2006/main" xmlns:r="http://schemas.openxmlformats.org/officeDocument/2006/relationships" xmlns:p="http://schemas.openxmlformats.org/presentationml/2006/main">
   <p:cSld>
     <p:spTree>
@@ -7781,27 +8239,64 @@
             <p:ph type="title"/>
           </p:nvPr>
         </p:nvSpPr>
-        <p:spPr/>
-        <p:txBody>
-          <a:bodyPr/>
+        <p:spPr>
+          <a:xfrm>
+            <a:off x="1101024" y="381000"/>
+            <a:ext cx="10776940" cy="1143000"/>
+          </a:xfrm>
+        </p:spPr>
+        <p:txBody>
+          <a:bodyPr>
+            <a:noAutofit/>
+          </a:bodyPr>
           <a:lstStyle/>
           <a:p>
-            <a:r>
-              <a:rPr lang="zh-TW" altLang="en-US" dirty="0" smtClean="0"/>
-              <a:t>應用情境範例</a:t>
-            </a:r>
-            <a:r>
-              <a:rPr lang="en-US" altLang="zh-TW" dirty="0" smtClean="0"/>
-              <a:t>:</a:t>
-            </a:r>
-            <a:r>
-              <a:rPr lang="zh-TW" altLang="en-US" dirty="0" smtClean="0"/>
-              <a:t> 統一之網路</a:t>
-            </a:r>
-            <a:r>
-              <a:rPr lang="zh-TW" altLang="en-US" dirty="0"/>
-              <a:t>掛號平台</a:t>
-            </a:r>
+            <a:pPr algn="ctr"/>
+            <a:r>
+              <a:rPr lang="en-US" altLang="zh-TW" sz="4800" b="1" dirty="0" smtClean="0">
+                <a:latin typeface="+mn-ea"/>
+                <a:ea typeface="+mn-ea"/>
+              </a:rPr>
+              <a:t>FHIR </a:t>
+            </a:r>
+            <a:r>
+              <a:rPr lang="en-US" altLang="zh-TW" sz="4800" b="1" dirty="0">
+                <a:latin typeface="+mn-ea"/>
+                <a:ea typeface="+mn-ea"/>
+              </a:rPr>
+              <a:t>scheduling and </a:t>
+            </a:r>
+            <a:r>
+              <a:rPr lang="en-US" altLang="zh-TW" sz="4800" b="1" dirty="0" smtClean="0">
+                <a:latin typeface="+mn-ea"/>
+                <a:ea typeface="+mn-ea"/>
+              </a:rPr>
+              <a:t>appointment </a:t>
+            </a:r>
+            <a:r>
+              <a:rPr lang="zh-TW" altLang="en-US" sz="4800" b="1" dirty="0" smtClean="0">
+                <a:latin typeface="+mn-ea"/>
+                <a:ea typeface="+mn-ea"/>
+              </a:rPr>
+              <a:t>應用</a:t>
+            </a:r>
+            <a:r>
+              <a:rPr lang="zh-TW" altLang="en-US" sz="4800" b="1" dirty="0">
+                <a:latin typeface="+mn-ea"/>
+                <a:ea typeface="+mn-ea"/>
+              </a:rPr>
+              <a:t>情境</a:t>
+            </a:r>
+            <a:br>
+              <a:rPr lang="zh-TW" altLang="en-US" sz="4800" b="1" dirty="0">
+                <a:latin typeface="+mn-ea"/>
+                <a:ea typeface="+mn-ea"/>
+              </a:rPr>
+            </a:br>
+            <a:endParaRPr lang="zh-TW" altLang="en-US" sz="4800" b="1" dirty="0">
+              <a:latin typeface="+mn-ea"/>
+              <a:ea typeface="+mn-ea"/>
+            </a:endParaRPr>
           </a:p>
         </p:txBody>
       </p:sp>
@@ -7815,95 +8310,206 @@
             <p:ph idx="1"/>
           </p:nvPr>
         </p:nvSpPr>
-        <p:spPr/>
-        <p:txBody>
-          <a:bodyPr/>
+        <p:spPr>
+          <a:xfrm>
+            <a:off x="707572" y="1524000"/>
+            <a:ext cx="10772123" cy="4328466"/>
+          </a:xfrm>
+        </p:spPr>
+        <p:txBody>
+          <a:bodyPr>
+            <a:noAutofit/>
+          </a:bodyPr>
           <a:lstStyle/>
           <a:p>
             <a:r>
-              <a:rPr lang="zh-TW" altLang="en-US" dirty="0" smtClean="0"/>
-              <a:t>解決不同醫院就醫，需使用不同掛號系統造成的不便</a:t>
-            </a:r>
-            <a:endParaRPr lang="en-US" altLang="zh-TW" dirty="0" smtClean="0"/>
+              <a:rPr lang="zh-TW" altLang="en-US" dirty="0" smtClean="0">
+                <a:latin typeface="+mn-ea"/>
+              </a:rPr>
+              <a:t>看病</a:t>
+            </a:r>
+            <a:r>
+              <a:rPr lang="zh-TW" altLang="en-US" dirty="0" smtClean="0">
+                <a:latin typeface="+mn-ea"/>
+              </a:rPr>
+              <a:t>、檢查、或其他健康服務掛號</a:t>
+            </a:r>
+            <a:endParaRPr lang="en-US" altLang="zh-TW" dirty="0" smtClean="0">
+              <a:latin typeface="+mn-ea"/>
+            </a:endParaRPr>
           </a:p>
           <a:p>
             <a:pPr lvl="1"/>
             <a:r>
-              <a:rPr lang="zh-TW" altLang="en-US" dirty="0" smtClean="0"/>
-              <a:t>利於民眾</a:t>
-            </a:r>
-            <a:r>
-              <a:rPr lang="zh-TW" altLang="en-US" dirty="0"/>
-              <a:t>從此平台</a:t>
-            </a:r>
-            <a:r>
-              <a:rPr lang="zh-TW" altLang="en-US" dirty="0" smtClean="0"/>
-              <a:t>，選擇</a:t>
-            </a:r>
-            <a:r>
-              <a:rPr lang="zh-TW" altLang="en-US" dirty="0"/>
-              <a:t>方便的時間及醫院預約掛號</a:t>
-            </a:r>
-            <a:endParaRPr lang="en-US" altLang="zh-TW" dirty="0" smtClean="0"/>
-          </a:p>
-          <a:p>
-            <a:endParaRPr lang="en-US" altLang="zh-TW" dirty="0" smtClean="0"/>
-          </a:p>
-          <a:p>
-            <a:r>
-              <a:rPr lang="zh-TW" altLang="en-US" dirty="0" smtClean="0"/>
-              <a:t>幫小診所或健康醫療單位建立網路掛號服務</a:t>
-            </a:r>
-            <a:endParaRPr lang="en-US" altLang="zh-TW" dirty="0" smtClean="0"/>
+              <a:rPr lang="zh-TW" altLang="en-US" dirty="0" smtClean="0">
+                <a:latin typeface="+mn-ea"/>
+              </a:rPr>
+              <a:t>如</a:t>
+            </a:r>
+            <a:r>
+              <a:rPr lang="zh-TW" altLang="en-US" dirty="0">
+                <a:latin typeface="+mn-ea"/>
+              </a:rPr>
+              <a:t>復</a:t>
+            </a:r>
+            <a:r>
+              <a:rPr lang="zh-TW" altLang="en-US" dirty="0" smtClean="0">
+                <a:latin typeface="+mn-ea"/>
+              </a:rPr>
+              <a:t>健中心</a:t>
+            </a:r>
+            <a:r>
+              <a:rPr lang="zh-TW" altLang="en-US" dirty="0">
+                <a:latin typeface="+mn-ea"/>
+              </a:rPr>
+              <a:t>復</a:t>
+            </a:r>
+            <a:r>
+              <a:rPr lang="zh-TW" altLang="en-US" dirty="0" smtClean="0">
+                <a:latin typeface="+mn-ea"/>
+              </a:rPr>
+              <a:t>健、影像</a:t>
+            </a:r>
+            <a:r>
+              <a:rPr lang="zh-TW" altLang="en-US" dirty="0" smtClean="0">
+                <a:latin typeface="+mn-ea"/>
+              </a:rPr>
+              <a:t>檢查</a:t>
+            </a:r>
+            <a:r>
+              <a:rPr lang="zh-TW" altLang="en-US" dirty="0" smtClean="0">
+                <a:latin typeface="+mn-ea"/>
+              </a:rPr>
+              <a:t>、</a:t>
+            </a:r>
+            <a:r>
+              <a:rPr lang="zh-TW" altLang="en-US" dirty="0" smtClean="0">
+                <a:latin typeface="+mn-ea"/>
+              </a:rPr>
+              <a:t>遠</a:t>
+            </a:r>
+            <a:r>
+              <a:rPr lang="zh-TW" altLang="en-US" dirty="0" smtClean="0">
+                <a:latin typeface="+mn-ea"/>
+              </a:rPr>
+              <a:t>距</a:t>
+            </a:r>
+            <a:r>
+              <a:rPr lang="zh-TW" altLang="en-US" dirty="0" smtClean="0">
+                <a:latin typeface="+mn-ea"/>
+              </a:rPr>
+              <a:t>諮詢等</a:t>
+            </a:r>
+            <a:endParaRPr lang="en-US" altLang="zh-TW" dirty="0" smtClean="0">
+              <a:latin typeface="+mn-ea"/>
+            </a:endParaRPr>
           </a:p>
           <a:p>
             <a:pPr lvl="1"/>
             <a:r>
-              <a:rPr lang="zh-TW" altLang="en-US" dirty="0"/>
-              <a:t>診所及</a:t>
-            </a:r>
-            <a:r>
-              <a:rPr lang="zh-TW" altLang="en-US" dirty="0" smtClean="0"/>
-              <a:t>小型機構</a:t>
-            </a:r>
-            <a:r>
-              <a:rPr lang="zh-TW" altLang="en-US" dirty="0"/>
-              <a:t>，往往無資訊人力建立及維護醫資</a:t>
-            </a:r>
-            <a:r>
-              <a:rPr lang="zh-TW" altLang="en-US" dirty="0" smtClean="0"/>
-              <a:t>系統</a:t>
-            </a:r>
-            <a:endParaRPr lang="en-US" altLang="zh-TW" dirty="0" smtClean="0"/>
+              <a:rPr lang="zh-TW" altLang="en-US" dirty="0" smtClean="0">
+                <a:latin typeface="+mn-ea"/>
+              </a:rPr>
+              <a:t>有不少熱心</a:t>
+            </a:r>
+            <a:r>
+              <a:rPr lang="zh-TW" altLang="en-US" dirty="0" smtClean="0">
+                <a:latin typeface="+mn-ea"/>
+              </a:rPr>
+              <a:t>醫師</a:t>
+            </a:r>
+            <a:r>
+              <a:rPr lang="zh-TW" altLang="en-US" dirty="0">
+                <a:latin typeface="+mn-ea"/>
+              </a:rPr>
+              <a:t>願意提供遠距</a:t>
+            </a:r>
+            <a:r>
+              <a:rPr lang="zh-TW" altLang="en-US" dirty="0" smtClean="0">
+                <a:latin typeface="+mn-ea"/>
+              </a:rPr>
+              <a:t>諮詢</a:t>
+            </a:r>
+            <a:endParaRPr lang="en-US" altLang="zh-TW" dirty="0" smtClean="0">
+              <a:latin typeface="+mn-ea"/>
+            </a:endParaRPr>
+          </a:p>
+          <a:p>
+            <a:r>
+              <a:rPr lang="zh-TW" altLang="en-US" dirty="0" smtClean="0">
+                <a:latin typeface="+mn-ea"/>
+              </a:rPr>
+              <a:t>服務時間預約及排程</a:t>
+            </a:r>
+            <a:endParaRPr lang="en-US" altLang="zh-TW" dirty="0" smtClean="0">
+              <a:latin typeface="+mn-ea"/>
+            </a:endParaRPr>
           </a:p>
           <a:p>
             <a:pPr lvl="1"/>
             <a:r>
-              <a:rPr lang="zh-TW" altLang="en-US" dirty="0" smtClean="0"/>
-              <a:t>可用統一之平台提供網路</a:t>
-            </a:r>
-            <a:r>
-              <a:rPr lang="zh-TW" altLang="en-US" dirty="0"/>
-              <a:t>掛號</a:t>
-            </a:r>
-            <a:r>
-              <a:rPr lang="zh-TW" altLang="en-US" dirty="0" smtClean="0"/>
-              <a:t>機制</a:t>
-            </a:r>
-            <a:endParaRPr lang="zh-TW" altLang="en-US" dirty="0"/>
+              <a:rPr lang="zh-TW" altLang="en-US" dirty="0" smtClean="0">
+                <a:latin typeface="+mn-ea"/>
+              </a:rPr>
+              <a:t>如派車、居家護理、居家服務等</a:t>
+            </a:r>
+            <a:endParaRPr lang="en-US" altLang="zh-TW" dirty="0" smtClean="0">
+              <a:latin typeface="+mn-ea"/>
+            </a:endParaRPr>
+          </a:p>
+          <a:p>
+            <a:r>
+              <a:rPr lang="zh-TW" altLang="en-US" dirty="0" smtClean="0">
+                <a:latin typeface="+mn-ea"/>
+              </a:rPr>
+              <a:t>各式</a:t>
+            </a:r>
+            <a:r>
+              <a:rPr lang="zh-TW" altLang="en-US" dirty="0">
+                <a:latin typeface="+mn-ea"/>
+              </a:rPr>
+              <a:t>活動排程及預約</a:t>
+            </a:r>
+            <a:r>
+              <a:rPr lang="zh-TW" altLang="en-US" dirty="0" smtClean="0">
+                <a:latin typeface="+mn-ea"/>
+              </a:rPr>
+              <a:t>報名</a:t>
+            </a:r>
+            <a:endParaRPr lang="en-US" altLang="zh-TW" dirty="0" smtClean="0">
+              <a:latin typeface="+mn-ea"/>
+            </a:endParaRPr>
+          </a:p>
+          <a:p>
+            <a:r>
+              <a:rPr lang="zh-TW" altLang="en-US" dirty="0" smtClean="0">
+                <a:latin typeface="+mn-ea"/>
+              </a:rPr>
+              <a:t>排定課程時間表及選課</a:t>
+            </a:r>
+            <a:endParaRPr lang="en-US" altLang="zh-TW" dirty="0" smtClean="0">
+              <a:latin typeface="+mn-ea"/>
+            </a:endParaRPr>
           </a:p>
         </p:txBody>
       </p:sp>
     </p:spTree>
     <p:extLst>
       <p:ext uri="{BB962C8B-B14F-4D97-AF65-F5344CB8AC3E}">
-        <p14:creationId xmlns:p14="http://schemas.microsoft.com/office/powerpoint/2010/main" val="2304272658"/>
+        <p14:creationId xmlns:p14="http://schemas.microsoft.com/office/powerpoint/2010/main" val="3345521595"/>
       </p:ext>
     </p:extLst>
   </p:cSld>
   <p:clrMapOvr>
     <a:masterClrMapping/>
   </p:clrMapOvr>
+  <p:timing>
+    <p:tnLst>
+      <p:par>
+        <p:cTn id="1" dur="indefinite" restart="never" nodeType="tmRoot"/>
+      </p:par>
+    </p:tnLst>
+  </p:timing>
 </p:sld>
 </file>
 
@@ -7939,10 +8545,21 @@
           <a:bodyPr/>
           <a:lstStyle/>
           <a:p>
-            <a:pPr algn="ctr"/>
+            <a:r>
+              <a:rPr lang="zh-TW" altLang="en-US" dirty="0" smtClean="0"/>
+              <a:t>應用情境範例</a:t>
+            </a:r>
+            <a:r>
+              <a:rPr lang="en-US" altLang="zh-TW" dirty="0" smtClean="0"/>
+              <a:t>:</a:t>
+            </a:r>
+            <a:r>
+              <a:rPr lang="zh-TW" altLang="en-US" dirty="0" smtClean="0"/>
+              <a:t> 統一之網路</a:t>
+            </a:r>
             <a:r>
               <a:rPr lang="zh-TW" altLang="en-US" dirty="0"/>
-              <a:t>線上掛號流程</a:t>
+              <a:t>掛號平台</a:t>
             </a:r>
           </a:p>
         </p:txBody>
@@ -7963,45 +8580,96 @@
           <a:lstStyle/>
           <a:p>
             <a:r>
+              <a:rPr lang="zh-TW" altLang="en-US" dirty="0" smtClean="0"/>
+              <a:t>解決不同醫院就醫，需使用不同掛號系統造成的不便</a:t>
+            </a:r>
+            <a:endParaRPr lang="en-US" altLang="zh-TW" dirty="0" smtClean="0"/>
+          </a:p>
+          <a:p>
+            <a:pPr lvl="1"/>
+            <a:r>
+              <a:rPr lang="zh-TW" altLang="en-US" dirty="0" smtClean="0"/>
+              <a:t>利於民眾</a:t>
+            </a:r>
+            <a:r>
               <a:rPr lang="zh-TW" altLang="en-US" dirty="0"/>
-              <a:t>應用情境概述</a:t>
-            </a:r>
+              <a:t>從此平台</a:t>
+            </a:r>
+            <a:r>
+              <a:rPr lang="zh-TW" altLang="en-US" dirty="0" smtClean="0"/>
+              <a:t>，選擇</a:t>
+            </a:r>
+            <a:r>
+              <a:rPr lang="zh-TW" altLang="en-US" dirty="0"/>
+              <a:t>方便的時間及醫院預約掛號</a:t>
+            </a:r>
+            <a:endParaRPr lang="en-US" altLang="zh-TW" dirty="0" smtClean="0"/>
+          </a:p>
+          <a:p>
+            <a:endParaRPr lang="en-US" altLang="zh-TW" dirty="0" smtClean="0"/>
+          </a:p>
+          <a:p>
+            <a:r>
+              <a:rPr lang="zh-TW" altLang="en-US" dirty="0" smtClean="0"/>
+              <a:t>幫小診所或健康醫療單位建立網路掛號服務</a:t>
+            </a:r>
+            <a:endParaRPr lang="en-US" altLang="zh-TW" dirty="0" smtClean="0"/>
           </a:p>
           <a:p>
             <a:pPr lvl="1"/>
             <a:r>
               <a:rPr lang="zh-TW" altLang="en-US" dirty="0"/>
-              <a:t>基於 </a:t>
-            </a:r>
-            <a:r>
-              <a:rPr lang="en-US" altLang="zh-TW" dirty="0"/>
-              <a:t>FHIR </a:t>
+              <a:t>診所及</a:t>
+            </a:r>
+            <a:r>
+              <a:rPr lang="zh-TW" altLang="en-US" dirty="0" smtClean="0"/>
+              <a:t>小型機構</a:t>
             </a:r>
             <a:r>
               <a:rPr lang="zh-TW" altLang="en-US" dirty="0"/>
-              <a:t>規範，醫療機構提供門診時間表，提供網頁或 </a:t>
-            </a:r>
-            <a:r>
-              <a:rPr lang="en-US" altLang="zh-TW" dirty="0"/>
-              <a:t>APP </a:t>
+              <a:t>，往往無資訊人力建立及維護醫資</a:t>
+            </a:r>
+            <a:r>
+              <a:rPr lang="zh-TW" altLang="en-US" dirty="0" smtClean="0"/>
+              <a:t>系統</a:t>
+            </a:r>
+            <a:endParaRPr lang="en-US" altLang="zh-TW" dirty="0" smtClean="0"/>
+          </a:p>
+          <a:p>
+            <a:pPr lvl="1"/>
+            <a:r>
+              <a:rPr lang="zh-TW" altLang="en-US" dirty="0" smtClean="0"/>
+              <a:t>可用統一之平台提供網路</a:t>
             </a:r>
             <a:r>
               <a:rPr lang="zh-TW" altLang="en-US" dirty="0"/>
-              <a:t>介面讓病人線上掛號</a:t>
-            </a:r>
+              <a:t>掛號</a:t>
+            </a:r>
+            <a:r>
+              <a:rPr lang="zh-TW" altLang="en-US" dirty="0" smtClean="0"/>
+              <a:t>機制</a:t>
+            </a:r>
+            <a:endParaRPr lang="zh-TW" altLang="en-US" dirty="0"/>
           </a:p>
         </p:txBody>
       </p:sp>
     </p:spTree>
     <p:extLst>
       <p:ext uri="{BB962C8B-B14F-4D97-AF65-F5344CB8AC3E}">
-        <p14:creationId xmlns:p14="http://schemas.microsoft.com/office/powerpoint/2010/main" val="1821784482"/>
+        <p14:creationId xmlns:p14="http://schemas.microsoft.com/office/powerpoint/2010/main" val="2304272658"/>
       </p:ext>
     </p:extLst>
   </p:cSld>
   <p:clrMapOvr>
     <a:masterClrMapping/>
   </p:clrMapOvr>
+  <p:timing>
+    <p:tnLst>
+      <p:par>
+        <p:cTn id="1" dur="indefinite" restart="never" nodeType="tmRoot"/>
+      </p:par>
+    </p:tnLst>
+  </p:timing>
 </p:sld>
 </file>
 
@@ -8040,14 +8708,7 @@
             <a:pPr algn="ctr"/>
             <a:r>
               <a:rPr lang="zh-TW" altLang="en-US" dirty="0"/>
-              <a:t/>
-            </a:r>
-            <a:br>
-              <a:rPr lang="zh-TW" altLang="en-US" dirty="0"/>
-            </a:br>
-            <a:r>
-              <a:rPr lang="zh-TW" altLang="en-US" dirty="0"/>
-              <a:t>預定產生之使用功能與介面</a:t>
+              <a:t>線上掛號流程</a:t>
             </a:r>
           </a:p>
         </p:txBody>
@@ -8067,52 +8728,24 @@
           <a:bodyPr/>
           <a:lstStyle/>
           <a:p>
-            <a:endParaRPr lang="en-US" altLang="zh-TW" dirty="0" smtClean="0"/>
-          </a:p>
-          <a:p>
-            <a:r>
-              <a:rPr lang="zh-TW" altLang="en-US" dirty="0" smtClean="0"/>
-              <a:t>醫院</a:t>
-            </a:r>
             <a:r>
               <a:rPr lang="zh-TW" altLang="en-US" dirty="0"/>
-              <a:t>人員增修門診時間表介面</a:t>
-            </a:r>
-          </a:p>
-          <a:p>
+              <a:t>應用情境概述</a:t>
+            </a:r>
+          </a:p>
+          <a:p>
+            <a:pPr lvl="1"/>
             <a:r>
               <a:rPr lang="zh-TW" altLang="en-US" dirty="0"/>
-              <a:t>民眾註冊帳號及病人基本資料</a:t>
-            </a:r>
-          </a:p>
-          <a:p>
+              <a:t>基於 </a:t>
+            </a:r>
+            <a:r>
+              <a:rPr lang="en-US" altLang="zh-TW" dirty="0"/>
+              <a:t>FHIR </a:t>
+            </a:r>
             <a:r>
               <a:rPr lang="zh-TW" altLang="en-US" dirty="0"/>
-              <a:t>民眾查詢檢視門診時間表</a:t>
-            </a:r>
-          </a:p>
-          <a:p>
-            <a:r>
-              <a:rPr lang="zh-TW" altLang="en-US" dirty="0"/>
-              <a:t>點選時間表上某時段，新增掛號</a:t>
-            </a:r>
-            <a:r>
-              <a:rPr lang="zh-TW" altLang="en-US" dirty="0" smtClean="0"/>
-              <a:t>資訊</a:t>
-            </a:r>
-            <a:endParaRPr lang="en-US" altLang="zh-TW" dirty="0" smtClean="0"/>
-          </a:p>
-          <a:p>
-            <a:endParaRPr lang="en-US" altLang="zh-TW" dirty="0"/>
-          </a:p>
-          <a:p>
-            <a:r>
-              <a:rPr lang="zh-TW" altLang="en-US" dirty="0" smtClean="0"/>
-              <a:t>其他案例可</a:t>
-            </a:r>
-            <a:r>
-              <a:rPr lang="zh-TW" altLang="en-US" dirty="0"/>
-              <a:t>為 </a:t>
+              <a:t>規範，醫療機構提供門診時間表，提供網頁或 </a:t>
             </a:r>
             <a:r>
               <a:rPr lang="en-US" altLang="zh-TW" dirty="0"/>
@@ -8120,11 +8753,31 @@
             </a:r>
             <a:r>
               <a:rPr lang="zh-TW" altLang="en-US" dirty="0"/>
-              <a:t>、網頁之資料輸入、呈現、及統計分析介面</a:t>
-            </a:r>
-            <a:r>
-              <a:rPr lang="en-US" altLang="zh-TW" dirty="0" smtClean="0"/>
-              <a:t>)</a:t>
+              <a:t>介面讓病人線上</a:t>
+            </a:r>
+            <a:r>
+              <a:rPr lang="zh-TW" altLang="en-US" dirty="0" smtClean="0"/>
+              <a:t>掛號</a:t>
+            </a:r>
+            <a:endParaRPr lang="en-US" altLang="zh-TW" dirty="0" smtClean="0"/>
+          </a:p>
+          <a:p>
+            <a:pPr lvl="1"/>
+            <a:endParaRPr lang="en-US" altLang="zh-TW" dirty="0"/>
+          </a:p>
+          <a:p>
+            <a:pPr lvl="1"/>
+            <a:r>
+              <a:rPr lang="zh-TW" altLang="en-US" dirty="0" smtClean="0"/>
+              <a:t>民眾可查特定科別之近期看診醫師或提供服務之機構</a:t>
+            </a:r>
+            <a:endParaRPr lang="en-US" altLang="zh-TW" dirty="0" smtClean="0"/>
+          </a:p>
+          <a:p>
+            <a:pPr lvl="2"/>
+            <a:r>
+              <a:rPr lang="zh-TW" altLang="en-US" dirty="0" smtClean="0"/>
+              <a:t>如牙科、小兒科、眼科、復健科等</a:t>
             </a:r>
             <a:endParaRPr lang="zh-TW" altLang="en-US" dirty="0"/>
           </a:p>
@@ -8133,13 +8786,20 @@
     </p:spTree>
     <p:extLst>
       <p:ext uri="{BB962C8B-B14F-4D97-AF65-F5344CB8AC3E}">
-        <p14:creationId xmlns:p14="http://schemas.microsoft.com/office/powerpoint/2010/main" val="1617321030"/>
+        <p14:creationId xmlns:p14="http://schemas.microsoft.com/office/powerpoint/2010/main" val="1821784482"/>
       </p:ext>
     </p:extLst>
   </p:cSld>
   <p:clrMapOvr>
     <a:masterClrMapping/>
   </p:clrMapOvr>
+  <p:timing>
+    <p:tnLst>
+      <p:par>
+        <p:cTn id="1" dur="indefinite" restart="never" nodeType="tmRoot"/>
+      </p:par>
+    </p:tnLst>
+  </p:timing>
 </p:sld>
 </file>
 
@@ -8170,262 +8830,169 @@
             <p:ph type="title"/>
           </p:nvPr>
         </p:nvSpPr>
-        <p:spPr>
-          <a:xfrm>
-            <a:off x="1101024" y="120237"/>
-            <a:ext cx="9101753" cy="1143000"/>
-          </a:xfrm>
-        </p:spPr>
-        <p:txBody>
-          <a:bodyPr>
-            <a:noAutofit/>
-          </a:bodyPr>
+        <p:spPr/>
+        <p:txBody>
+          <a:bodyPr/>
           <a:lstStyle/>
           <a:p>
             <a:pPr algn="ctr"/>
             <a:r>
-              <a:rPr lang="zh-TW" altLang="en-US" sz="4800" b="1" dirty="0" smtClean="0">
-                <a:latin typeface="+mn-ea"/>
-                <a:ea typeface="+mn-ea"/>
-              </a:rPr>
-              <a:t>相關 </a:t>
-            </a:r>
-            <a:r>
-              <a:rPr lang="en-US" altLang="zh-TW" sz="4800" b="1" dirty="0" smtClean="0">
-                <a:latin typeface="+mn-ea"/>
-                <a:ea typeface="+mn-ea"/>
-              </a:rPr>
-              <a:t>FHIR</a:t>
-            </a:r>
-            <a:r>
-              <a:rPr lang="zh-TW" altLang="en-US" sz="4800" b="1" dirty="0" smtClean="0">
-                <a:latin typeface="+mn-ea"/>
-                <a:ea typeface="+mn-ea"/>
-              </a:rPr>
-              <a:t> </a:t>
-            </a:r>
-            <a:r>
-              <a:rPr lang="en-US" altLang="zh-TW" sz="4800" b="1" dirty="0" smtClean="0">
-                <a:latin typeface="+mn-ea"/>
-                <a:ea typeface="+mn-ea"/>
-              </a:rPr>
-              <a:t>resources</a:t>
-            </a:r>
-            <a:endParaRPr lang="zh-TW" altLang="en-US" sz="4800" b="1" dirty="0">
-              <a:latin typeface="+mn-ea"/>
-              <a:ea typeface="+mn-ea"/>
+              <a:rPr lang="zh-TW" altLang="en-US" dirty="0"/>
+              <a:t/>
+            </a:r>
+            <a:br>
+              <a:rPr lang="zh-TW" altLang="en-US" dirty="0"/>
+            </a:br>
+            <a:r>
+              <a:rPr lang="zh-TW" altLang="en-US" dirty="0"/>
+              <a:t>預定產生之使用功能與介面</a:t>
+            </a:r>
+          </a:p>
+        </p:txBody>
+      </p:sp>
+      <p:sp>
+        <p:nvSpPr>
+          <p:cNvPr id="3" name="內容版面配置區 2"/>
+          <p:cNvSpPr>
+            <a:spLocks noGrp="1"/>
+          </p:cNvSpPr>
+          <p:nvPr>
+            <p:ph idx="1"/>
+          </p:nvPr>
+        </p:nvSpPr>
+        <p:spPr/>
+        <p:txBody>
+          <a:bodyPr/>
+          <a:lstStyle/>
+          <a:p>
+            <a:r>
+              <a:rPr lang="zh-TW" altLang="en-US" dirty="0" smtClean="0"/>
+              <a:t>醫院</a:t>
+            </a:r>
+            <a:r>
+              <a:rPr lang="zh-TW" altLang="en-US" dirty="0"/>
+              <a:t>人員增修門診時間表</a:t>
+            </a:r>
+            <a:r>
+              <a:rPr lang="zh-TW" altLang="en-US" dirty="0" smtClean="0"/>
+              <a:t>介面</a:t>
+            </a:r>
+            <a:endParaRPr lang="en-US" altLang="zh-TW" dirty="0" smtClean="0"/>
+          </a:p>
+          <a:p>
+            <a:r>
+              <a:rPr lang="zh-TW" altLang="en-US" dirty="0" smtClean="0"/>
+              <a:t>民眾</a:t>
+            </a:r>
+            <a:r>
+              <a:rPr lang="zh-TW" altLang="en-US" dirty="0"/>
+              <a:t>註冊帳號及病人基本資料</a:t>
+            </a:r>
+          </a:p>
+          <a:p>
+            <a:r>
+              <a:rPr lang="zh-TW" altLang="en-US" dirty="0">
+                <a:solidFill>
+                  <a:srgbClr val="FF0000"/>
+                </a:solidFill>
+              </a:rPr>
+              <a:t>民眾查詢檢視門診時間表</a:t>
+            </a:r>
+          </a:p>
+          <a:p>
+            <a:r>
+              <a:rPr lang="zh-TW" altLang="en-US" dirty="0">
+                <a:solidFill>
+                  <a:srgbClr val="FF0000"/>
+                </a:solidFill>
+              </a:rPr>
+              <a:t>點選時間表上某時段，新增掛號</a:t>
+            </a:r>
+            <a:r>
+              <a:rPr lang="zh-TW" altLang="en-US" dirty="0" smtClean="0">
+                <a:solidFill>
+                  <a:srgbClr val="FF0000"/>
+                </a:solidFill>
+              </a:rPr>
+              <a:t>資訊</a:t>
+            </a:r>
+            <a:endParaRPr lang="en-US" altLang="zh-TW" dirty="0" smtClean="0">
+              <a:solidFill>
+                <a:srgbClr val="FF0000"/>
+              </a:solidFill>
             </a:endParaRPr>
           </a:p>
-        </p:txBody>
-      </p:sp>
-      <p:sp>
-        <p:nvSpPr>
-          <p:cNvPr id="3" name="內容版面配置區 2"/>
-          <p:cNvSpPr>
-            <a:spLocks noGrp="1"/>
-          </p:cNvSpPr>
-          <p:nvPr>
-            <p:ph idx="1"/>
-          </p:nvPr>
-        </p:nvSpPr>
-        <p:spPr>
-          <a:xfrm>
-            <a:off x="707572" y="1524000"/>
-            <a:ext cx="10772123" cy="4328466"/>
-          </a:xfrm>
-        </p:spPr>
-        <p:txBody>
-          <a:bodyPr>
-            <a:noAutofit/>
-          </a:bodyPr>
-          <a:lstStyle/>
-          <a:p>
-            <a:r>
-              <a:rPr lang="zh-TW" altLang="en-US" sz="3200" dirty="0" smtClean="0">
-                <a:latin typeface="+mn-ea"/>
-              </a:rPr>
-              <a:t>預約</a:t>
-            </a:r>
-            <a:r>
-              <a:rPr lang="zh-TW" altLang="en-US" sz="3200" dirty="0">
-                <a:latin typeface="+mn-ea"/>
-              </a:rPr>
-              <a:t>及</a:t>
-            </a:r>
-            <a:r>
-              <a:rPr lang="zh-TW" altLang="en-US" sz="3200" dirty="0" smtClean="0">
-                <a:latin typeface="+mn-ea"/>
-              </a:rPr>
-              <a:t>掛號所需資訊</a:t>
-            </a:r>
-            <a:endParaRPr lang="zh-TW" altLang="en-US" sz="3200" dirty="0">
-              <a:latin typeface="+mn-ea"/>
+          <a:p>
+            <a:r>
+              <a:rPr lang="zh-TW" altLang="en-US" dirty="0">
+                <a:solidFill>
+                  <a:srgbClr val="FF0000"/>
+                </a:solidFill>
+              </a:rPr>
+              <a:t>醫院</a:t>
+            </a:r>
+            <a:r>
+              <a:rPr lang="zh-TW" altLang="en-US" dirty="0" smtClean="0">
+                <a:solidFill>
+                  <a:srgbClr val="FF0000"/>
+                </a:solidFill>
+              </a:rPr>
+              <a:t>人員查詢</a:t>
+            </a:r>
+            <a:r>
+              <a:rPr lang="zh-TW" altLang="en-US" dirty="0">
+                <a:solidFill>
+                  <a:srgbClr val="FF0000"/>
+                </a:solidFill>
+              </a:rPr>
+              <a:t>某</a:t>
+            </a:r>
+            <a:r>
+              <a:rPr lang="zh-TW" altLang="en-US" dirty="0" smtClean="0">
+                <a:solidFill>
+                  <a:srgbClr val="FF0000"/>
+                </a:solidFill>
+              </a:rPr>
+              <a:t>時段掛號資料</a:t>
+            </a:r>
+            <a:endParaRPr lang="en-US" altLang="zh-TW" dirty="0" smtClean="0">
+              <a:solidFill>
+                <a:srgbClr val="FF0000"/>
+              </a:solidFill>
             </a:endParaRPr>
           </a:p>
           <a:p>
-            <a:pPr lvl="1"/>
-            <a:r>
-              <a:rPr lang="zh-TW" altLang="en-US" sz="2800" dirty="0">
-                <a:latin typeface="+mn-ea"/>
-              </a:rPr>
-              <a:t>門診時間表</a:t>
-            </a:r>
-            <a:r>
-              <a:rPr lang="en-US" altLang="zh-TW" sz="2800" dirty="0">
-                <a:latin typeface="+mn-ea"/>
-              </a:rPr>
-              <a:t>:schedule</a:t>
-            </a:r>
-          </a:p>
-          <a:p>
-            <a:pPr lvl="1"/>
-            <a:r>
-              <a:rPr lang="zh-TW" altLang="en-US" sz="2800" dirty="0">
-                <a:latin typeface="+mn-ea"/>
-              </a:rPr>
-              <a:t>看診科別及時段</a:t>
-            </a:r>
-            <a:r>
-              <a:rPr lang="en-US" altLang="zh-TW" sz="2800" dirty="0">
-                <a:latin typeface="+mn-ea"/>
-              </a:rPr>
-              <a:t>: Slot</a:t>
-            </a:r>
-          </a:p>
-          <a:p>
-            <a:pPr lvl="1"/>
-            <a:r>
-              <a:rPr lang="zh-TW" altLang="en-US" sz="2800" dirty="0">
-                <a:latin typeface="+mn-ea"/>
-              </a:rPr>
-              <a:t>掛號結果</a:t>
-            </a:r>
-            <a:r>
-              <a:rPr lang="en-US" altLang="zh-TW" sz="2800" dirty="0">
-                <a:latin typeface="+mn-ea"/>
-              </a:rPr>
-              <a:t>: appointment </a:t>
-            </a:r>
-          </a:p>
-          <a:p>
-            <a:r>
-              <a:rPr lang="zh-TW" altLang="en-US" sz="3200" dirty="0" smtClean="0">
-                <a:latin typeface="+mn-ea"/>
-              </a:rPr>
-              <a:t>需預先建立</a:t>
-            </a:r>
-            <a:r>
-              <a:rPr lang="zh-TW" altLang="en-US" sz="3200" dirty="0" smtClean="0">
-                <a:latin typeface="+mn-ea"/>
-              </a:rPr>
-              <a:t>的人員組織</a:t>
-            </a:r>
-            <a:endParaRPr lang="en-US" altLang="zh-TW" sz="3200" dirty="0" smtClean="0">
-              <a:latin typeface="+mn-ea"/>
-            </a:endParaRPr>
-          </a:p>
-          <a:p>
-            <a:pPr lvl="1"/>
-            <a:r>
-              <a:rPr lang="en-US" altLang="zh-TW" sz="2800" b="1" dirty="0">
-                <a:latin typeface="+mn-ea"/>
-              </a:rPr>
-              <a:t>Organization </a:t>
-            </a:r>
-            <a:r>
-              <a:rPr lang="zh-TW" altLang="en-US" sz="2800" b="1" dirty="0">
-                <a:latin typeface="+mn-ea"/>
-              </a:rPr>
-              <a:t>組織</a:t>
-            </a:r>
-          </a:p>
-          <a:p>
-            <a:pPr lvl="1"/>
-            <a:r>
-              <a:rPr lang="en-US" altLang="zh-TW" sz="2800" b="1" dirty="0">
-                <a:latin typeface="+mn-ea"/>
-              </a:rPr>
-              <a:t>Patient </a:t>
-            </a:r>
-            <a:r>
-              <a:rPr lang="zh-TW" altLang="en-US" sz="2800" b="1" dirty="0">
-                <a:latin typeface="+mn-ea"/>
-              </a:rPr>
-              <a:t>病人基本資料 </a:t>
-            </a:r>
-            <a:r>
-              <a:rPr lang="en-US" altLang="zh-TW" sz="2800" b="1" dirty="0">
-                <a:latin typeface="+mn-ea"/>
-              </a:rPr>
-              <a:t>(</a:t>
-            </a:r>
-            <a:r>
-              <a:rPr lang="zh-TW" altLang="en-US" sz="2800" b="1" dirty="0">
-                <a:latin typeface="+mn-ea"/>
-              </a:rPr>
-              <a:t>不含帳號</a:t>
-            </a:r>
-            <a:r>
-              <a:rPr lang="en-US" altLang="zh-TW" sz="2800" b="1" dirty="0">
-                <a:latin typeface="+mn-ea"/>
-              </a:rPr>
+            <a:endParaRPr lang="en-US" altLang="zh-TW" dirty="0"/>
+          </a:p>
+          <a:p>
+            <a:r>
+              <a:rPr lang="zh-TW" altLang="en-US" dirty="0" smtClean="0"/>
+              <a:t>其他案例可</a:t>
+            </a:r>
+            <a:r>
+              <a:rPr lang="zh-TW" altLang="en-US" dirty="0"/>
+              <a:t>為 </a:t>
+            </a:r>
+            <a:r>
+              <a:rPr lang="en-US" altLang="zh-TW" dirty="0"/>
+              <a:t>APP </a:t>
+            </a:r>
+            <a:r>
+              <a:rPr lang="zh-TW" altLang="en-US" dirty="0"/>
+              <a:t>、網頁之資料輸入、呈現、及統計分析介面</a:t>
+            </a:r>
+            <a:r>
+              <a:rPr lang="en-US" altLang="zh-TW" dirty="0" smtClean="0"/>
               <a:t>)</a:t>
             </a:r>
-          </a:p>
-          <a:p>
-            <a:pPr lvl="1"/>
-            <a:r>
-              <a:rPr lang="en-US" altLang="zh-TW" sz="2800" b="1" dirty="0">
-                <a:latin typeface="+mn-ea"/>
-              </a:rPr>
-              <a:t> </a:t>
-            </a:r>
-            <a:r>
-              <a:rPr lang="en-US" altLang="zh-TW" sz="2800" b="1" dirty="0" smtClean="0">
-                <a:latin typeface="+mn-ea"/>
-              </a:rPr>
-              <a:t>Practitioner</a:t>
-            </a:r>
-            <a:r>
-              <a:rPr lang="zh-TW" altLang="en-US" sz="2800" b="1" dirty="0" smtClean="0">
-                <a:latin typeface="+mn-ea"/>
-              </a:rPr>
-              <a:t> 醫護從業人員</a:t>
-            </a:r>
-            <a:endParaRPr lang="en-US" altLang="zh-TW" sz="2800" b="1" dirty="0" smtClean="0">
-              <a:latin typeface="+mn-ea"/>
-            </a:endParaRPr>
-          </a:p>
-          <a:p>
-            <a:pPr lvl="1"/>
-            <a:r>
-              <a:rPr lang="en-US" altLang="zh-TW" sz="2800" b="1" dirty="0" smtClean="0">
-                <a:latin typeface="+mn-ea"/>
-              </a:rPr>
-              <a:t> </a:t>
-            </a:r>
-            <a:r>
-              <a:rPr lang="en-US" altLang="zh-TW" sz="2800" b="1" dirty="0" err="1" smtClean="0">
-                <a:latin typeface="+mn-ea"/>
-              </a:rPr>
-              <a:t>PractitionerRole</a:t>
-            </a:r>
-            <a:r>
-              <a:rPr lang="zh-TW" altLang="en-US" sz="2800" b="1" dirty="0" smtClean="0">
-                <a:latin typeface="+mn-ea"/>
-              </a:rPr>
-              <a:t> 隸屬於某組織之工作人員</a:t>
-            </a:r>
-            <a:endParaRPr lang="en-US" altLang="zh-TW" sz="2800" b="1" dirty="0">
-              <a:latin typeface="+mn-ea"/>
-            </a:endParaRPr>
+            <a:endParaRPr lang="zh-TW" altLang="en-US" dirty="0"/>
           </a:p>
         </p:txBody>
       </p:sp>
     </p:spTree>
     <p:extLst>
       <p:ext uri="{BB962C8B-B14F-4D97-AF65-F5344CB8AC3E}">
-        <p14:creationId xmlns:p14="http://schemas.microsoft.com/office/powerpoint/2010/main" val="4255876974"/>
+        <p14:creationId xmlns:p14="http://schemas.microsoft.com/office/powerpoint/2010/main" val="1617321030"/>
       </p:ext>
     </p:extLst>
   </p:cSld>
@@ -8487,7 +9054,28 @@
                 <a:latin typeface="+mn-ea"/>
                 <a:ea typeface="+mn-ea"/>
               </a:rPr>
-              <a:t>掛號流程分析</a:t>
+              <a:t>相關 </a:t>
+            </a:r>
+            <a:r>
+              <a:rPr lang="en-US" altLang="zh-TW" sz="4800" b="1" dirty="0" smtClean="0">
+                <a:latin typeface="+mn-ea"/>
+                <a:ea typeface="+mn-ea"/>
+              </a:rPr>
+              <a:t>FHIR</a:t>
+            </a:r>
+            <a:r>
+              <a:rPr lang="zh-TW" altLang="en-US" sz="4800" b="1" dirty="0" smtClean="0">
+                <a:latin typeface="+mn-ea"/>
+                <a:ea typeface="+mn-ea"/>
+              </a:rPr>
+              <a:t> </a:t>
+            </a:r>
+            <a:r>
+              <a:rPr lang="en-US" altLang="zh-TW" sz="4800" b="1" dirty="0" smtClean="0">
+                <a:latin typeface="+mn-ea"/>
+                <a:ea typeface="+mn-ea"/>
+              </a:rPr>
+              <a:t>resources</a:t>
             </a:r>
             <a:endParaRPr lang="zh-TW" altLang="en-US" sz="4800" b="1" dirty="0">
               <a:latin typeface="+mn-ea"/>
@@ -8508,7 +9096,7 @@
         </p:nvSpPr>
         <p:spPr>
           <a:xfrm>
-            <a:off x="871202" y="1437373"/>
+            <a:off x="707572" y="1524000"/>
             <a:ext cx="10772123" cy="4328466"/>
           </a:xfrm>
         </p:spPr>
@@ -8522,81 +9110,75 @@
               <a:rPr lang="zh-TW" altLang="en-US" sz="3200" dirty="0" smtClean="0">
                 <a:latin typeface="+mn-ea"/>
               </a:rPr>
-              <a:t>醫療單位定期上傳及更新</a:t>
-            </a:r>
-            <a:r>
-              <a:rPr lang="en-US" altLang="zh-TW" sz="3200" dirty="0" smtClean="0">
-                <a:latin typeface="+mn-ea"/>
-              </a:rPr>
-              <a:t>:</a:t>
-            </a:r>
-          </a:p>
-          <a:p>
-            <a:pPr lvl="1"/>
-            <a:r>
-              <a:rPr lang="zh-TW" altLang="en-US" sz="2800" dirty="0">
-                <a:latin typeface="+mn-ea"/>
-              </a:rPr>
-              <a:t>醫療健康人員與機構資訊</a:t>
-            </a:r>
-          </a:p>
-          <a:p>
-            <a:pPr lvl="1"/>
-            <a:r>
-              <a:rPr lang="zh-TW" altLang="en-US" sz="2800" dirty="0" smtClean="0">
-                <a:latin typeface="+mn-ea"/>
-              </a:rPr>
-              <a:t>預約掛號時段資訊</a:t>
-            </a:r>
-            <a:endParaRPr lang="zh-TW" altLang="en-US" sz="2800" dirty="0">
+              <a:t>預約</a:t>
+            </a:r>
+            <a:r>
+              <a:rPr lang="zh-TW" altLang="en-US" sz="3200" dirty="0">
+                <a:latin typeface="+mn-ea"/>
+              </a:rPr>
+              <a:t>及</a:t>
+            </a:r>
+            <a:r>
+              <a:rPr lang="zh-TW" altLang="en-US" sz="3200" dirty="0" smtClean="0">
+                <a:latin typeface="+mn-ea"/>
+              </a:rPr>
+              <a:t>掛號所需資訊</a:t>
+            </a:r>
+            <a:endParaRPr lang="zh-TW" altLang="en-US" sz="3200" dirty="0">
               <a:latin typeface="+mn-ea"/>
             </a:endParaRPr>
           </a:p>
           <a:p>
-            <a:pPr lvl="2"/>
-            <a:r>
-              <a:rPr lang="zh-TW" altLang="en-US" sz="2400" dirty="0">
+            <a:pPr lvl="1"/>
+            <a:r>
+              <a:rPr lang="zh-TW" altLang="en-US" sz="2800" dirty="0">
                 <a:latin typeface="+mn-ea"/>
               </a:rPr>
               <a:t>門診時間表</a:t>
             </a:r>
             <a:r>
-              <a:rPr lang="en-US" altLang="zh-TW" sz="2400" dirty="0">
-                <a:latin typeface="+mn-ea"/>
-              </a:rPr>
-              <a:t>:</a:t>
-            </a:r>
-            <a:r>
-              <a:rPr lang="en-US" altLang="zh-TW" sz="2400" dirty="0" smtClean="0">
-                <a:latin typeface="+mn-ea"/>
-              </a:rPr>
-              <a:t>schedule</a:t>
-            </a:r>
-            <a:r>
-              <a:rPr lang="zh-TW" altLang="en-US" sz="2400" dirty="0" smtClean="0">
-                <a:latin typeface="+mn-ea"/>
-              </a:rPr>
-              <a:t>、看</a:t>
-            </a:r>
-            <a:r>
-              <a:rPr lang="zh-TW" altLang="en-US" sz="2400" dirty="0">
-                <a:latin typeface="+mn-ea"/>
-              </a:rPr>
-              <a:t>診科別及時段</a:t>
-            </a:r>
-            <a:r>
-              <a:rPr lang="en-US" altLang="zh-TW" sz="2400" dirty="0">
+              <a:rPr lang="en-US" altLang="zh-TW" sz="2800" dirty="0">
+                <a:latin typeface="+mn-ea"/>
+              </a:rPr>
+              <a:t>:schedule</a:t>
+            </a:r>
+          </a:p>
+          <a:p>
+            <a:pPr lvl="1"/>
+            <a:r>
+              <a:rPr lang="zh-TW" altLang="en-US" sz="2800" dirty="0">
+                <a:latin typeface="+mn-ea"/>
+              </a:rPr>
+              <a:t>看診科別及時段</a:t>
+            </a:r>
+            <a:r>
+              <a:rPr lang="en-US" altLang="zh-TW" sz="2800" dirty="0">
                 <a:latin typeface="+mn-ea"/>
               </a:rPr>
               <a:t>: Slot</a:t>
             </a:r>
           </a:p>
           <a:p>
+            <a:pPr lvl="1"/>
+            <a:r>
+              <a:rPr lang="zh-TW" altLang="en-US" sz="2800" dirty="0">
+                <a:latin typeface="+mn-ea"/>
+              </a:rPr>
+              <a:t>掛號結果</a:t>
+            </a:r>
+            <a:r>
+              <a:rPr lang="en-US" altLang="zh-TW" sz="2800" dirty="0">
+                <a:latin typeface="+mn-ea"/>
+              </a:rPr>
+              <a:t>: appointment </a:t>
+            </a:r>
+          </a:p>
+          <a:p>
             <a:r>
               <a:rPr lang="zh-TW" altLang="en-US" sz="3200" dirty="0" smtClean="0">
                 <a:latin typeface="+mn-ea"/>
               </a:rPr>
-              <a:t>民眾</a:t>
+              <a:t>需預先建立的人員組織</a:t>
             </a:r>
             <a:endParaRPr lang="en-US" altLang="zh-TW" sz="3200" dirty="0" smtClean="0">
               <a:latin typeface="+mn-ea"/>
@@ -8605,59 +9187,129 @@
           <a:p>
             <a:pPr lvl="1"/>
             <a:r>
-              <a:rPr lang="zh-TW" altLang="en-US" sz="2800" dirty="0" smtClean="0">
-                <a:latin typeface="+mn-ea"/>
-              </a:rPr>
-              <a:t>預先在平台建立帳號、可提供病人狀況</a:t>
-            </a:r>
-            <a:r>
-              <a:rPr lang="zh-TW" altLang="en-US" sz="2800" dirty="0">
-                <a:latin typeface="+mn-ea"/>
-              </a:rPr>
-              <a:t>及問題</a:t>
-            </a:r>
-            <a:r>
-              <a:rPr lang="zh-TW" altLang="en-US" sz="2800" dirty="0" smtClean="0">
-                <a:latin typeface="+mn-ea"/>
-              </a:rPr>
-              <a:t>資訊、選定掛號時段</a:t>
-            </a:r>
-            <a:endParaRPr lang="en-US" altLang="zh-TW" sz="2800" dirty="0" smtClean="0">
+              <a:rPr lang="en-US" altLang="zh-TW" sz="2800" b="1" dirty="0">
+                <a:latin typeface="+mn-ea"/>
+              </a:rPr>
+              <a:t>Organization </a:t>
+            </a:r>
+            <a:r>
+              <a:rPr lang="zh-TW" altLang="en-US" sz="2800" b="1" dirty="0">
+                <a:latin typeface="+mn-ea"/>
+              </a:rPr>
+              <a:t>組織</a:t>
+            </a:r>
+          </a:p>
+          <a:p>
+            <a:pPr lvl="1"/>
+            <a:r>
+              <a:rPr lang="en-US" altLang="zh-TW" sz="2800" b="1" dirty="0">
+                <a:latin typeface="+mn-ea"/>
+              </a:rPr>
+              <a:t>Patient </a:t>
+            </a:r>
+            <a:r>
+              <a:rPr lang="zh-TW" altLang="en-US" sz="2800" b="1" dirty="0">
+                <a:latin typeface="+mn-ea"/>
+              </a:rPr>
+              <a:t>病人基本資料 </a:t>
+            </a:r>
+            <a:r>
+              <a:rPr lang="en-US" altLang="zh-TW" sz="2800" b="1" dirty="0">
+                <a:latin typeface="+mn-ea"/>
+              </a:rPr>
+              <a:t>(</a:t>
+            </a:r>
+            <a:r>
+              <a:rPr lang="zh-TW" altLang="en-US" sz="2800" b="1" dirty="0">
+                <a:latin typeface="+mn-ea"/>
+              </a:rPr>
+              <a:t>不含帳號</a:t>
+            </a:r>
+            <a:r>
+              <a:rPr lang="en-US" altLang="zh-TW" sz="2800" b="1" dirty="0">
+                <a:latin typeface="+mn-ea"/>
+              </a:rPr>
+              <a:t>)</a:t>
+            </a:r>
+          </a:p>
+          <a:p>
+            <a:pPr lvl="1"/>
+            <a:r>
+              <a:rPr lang="en-US" altLang="zh-TW" sz="2800" b="1" dirty="0" smtClean="0">
+                <a:latin typeface="+mn-ea"/>
+              </a:rPr>
+              <a:t>Practitioner</a:t>
+            </a:r>
+            <a:r>
+              <a:rPr lang="zh-TW" altLang="en-US" sz="2800" b="1" dirty="0" smtClean="0">
+                <a:latin typeface="+mn-ea"/>
+              </a:rPr>
+              <a:t> </a:t>
+            </a:r>
+            <a:r>
+              <a:rPr lang="zh-TW" altLang="en-US" sz="2800" b="1" dirty="0" smtClean="0">
+                <a:latin typeface="+mn-ea"/>
+              </a:rPr>
+              <a:t>醫護從業人員</a:t>
+            </a:r>
+            <a:endParaRPr lang="en-US" altLang="zh-TW" sz="2800" b="1" dirty="0" smtClean="0">
               <a:latin typeface="+mn-ea"/>
             </a:endParaRPr>
           </a:p>
           <a:p>
-            <a:r>
-              <a:rPr lang="zh-TW" altLang="en-US" sz="3200" dirty="0" smtClean="0">
-                <a:latin typeface="+mn-ea"/>
-              </a:rPr>
-              <a:t>結果查詢</a:t>
-            </a:r>
-            <a:endParaRPr lang="en-US" altLang="zh-TW" sz="3200" dirty="0" smtClean="0">
+            <a:pPr lvl="1"/>
+            <a:r>
+              <a:rPr lang="en-US" altLang="zh-TW" sz="2800" b="1" dirty="0" err="1" smtClean="0">
+                <a:latin typeface="+mn-ea"/>
+              </a:rPr>
+              <a:t>PractitionerRole</a:t>
+            </a:r>
+            <a:r>
+              <a:rPr lang="zh-TW" altLang="en-US" sz="2800" b="1" dirty="0" smtClean="0">
+                <a:latin typeface="+mn-ea"/>
+              </a:rPr>
+              <a:t> </a:t>
+            </a:r>
+            <a:r>
+              <a:rPr lang="zh-TW" altLang="en-US" sz="2800" b="1" dirty="0" smtClean="0">
+                <a:latin typeface="+mn-ea"/>
+              </a:rPr>
+              <a:t>隸屬於某組織之</a:t>
+            </a:r>
+            <a:r>
+              <a:rPr lang="zh-TW" altLang="en-US" sz="2800" b="1" dirty="0" smtClean="0">
+                <a:latin typeface="+mn-ea"/>
+              </a:rPr>
+              <a:t>工作人員</a:t>
+            </a:r>
+            <a:endParaRPr lang="en-US" altLang="zh-TW" sz="2800" b="1" dirty="0" smtClean="0">
               <a:latin typeface="+mn-ea"/>
             </a:endParaRPr>
           </a:p>
           <a:p>
             <a:pPr lvl="1"/>
             <a:r>
-              <a:rPr lang="zh-TW" altLang="en-US" sz="2800" dirty="0" smtClean="0">
-                <a:latin typeface="+mn-ea"/>
-              </a:rPr>
-              <a:t>民眾查詢個人或家屬之掛號資訊</a:t>
-            </a:r>
-            <a:endParaRPr lang="en-US" altLang="zh-TW" sz="2800" dirty="0" smtClean="0">
-              <a:latin typeface="+mn-ea"/>
-            </a:endParaRPr>
+              <a:rPr lang="en-US" altLang="zh-TW" sz="2800" b="1" dirty="0" smtClean="0">
+                <a:latin typeface="+mn-ea"/>
+              </a:rPr>
+              <a:t>Location: schedule reference </a:t>
+            </a:r>
+            <a:r>
+              <a:rPr lang="zh-TW" altLang="en-US" sz="2800" b="1" dirty="0" smtClean="0">
+                <a:latin typeface="+mn-ea"/>
+              </a:rPr>
+              <a:t>到 </a:t>
+            </a:r>
+            <a:r>
+              <a:rPr lang="en-US" altLang="zh-TW" sz="2800" b="1" dirty="0" smtClean="0">
+                <a:latin typeface="+mn-ea"/>
+              </a:rPr>
+              <a:t>location</a:t>
+            </a:r>
           </a:p>
           <a:p>
             <a:pPr lvl="1"/>
-            <a:r>
-              <a:rPr lang="zh-TW" altLang="en-US" sz="2800" dirty="0" smtClean="0">
-                <a:latin typeface="+mn-ea"/>
-              </a:rPr>
-              <a:t>各機構查該機構之掛號資訊</a:t>
-            </a:r>
-            <a:endParaRPr lang="en-US" altLang="zh-TW" sz="2400" dirty="0" smtClean="0">
+            <a:endParaRPr lang="en-US" altLang="zh-TW" sz="2800" b="1" dirty="0">
               <a:latin typeface="+mn-ea"/>
             </a:endParaRPr>
           </a:p>
@@ -8666,7 +9318,7 @@
     </p:spTree>
     <p:extLst>
       <p:ext uri="{BB962C8B-B14F-4D97-AF65-F5344CB8AC3E}">
-        <p14:creationId xmlns:p14="http://schemas.microsoft.com/office/powerpoint/2010/main" val="2899309277"/>
+        <p14:creationId xmlns:p14="http://schemas.microsoft.com/office/powerpoint/2010/main" val="4255876974"/>
       </p:ext>
     </p:extLst>
   </p:cSld>
@@ -8710,19 +9362,30 @@
             <p:ph type="title"/>
           </p:nvPr>
         </p:nvSpPr>
-        <p:spPr/>
-        <p:txBody>
-          <a:bodyPr/>
+        <p:spPr>
+          <a:xfrm>
+            <a:off x="1101024" y="120237"/>
+            <a:ext cx="9101753" cy="1143000"/>
+          </a:xfrm>
+        </p:spPr>
+        <p:txBody>
+          <a:bodyPr>
+            <a:noAutofit/>
+          </a:bodyPr>
           <a:lstStyle/>
           <a:p>
-            <a:r>
-              <a:rPr lang="en-US" altLang="zh-TW" dirty="0"/>
-              <a:t>Resources </a:t>
-            </a:r>
-            <a:r>
-              <a:rPr lang="zh-TW" altLang="en-US" dirty="0"/>
-              <a:t>範例及其需特別注意的細部規格</a:t>
-            </a:r>
+            <a:pPr algn="ctr"/>
+            <a:r>
+              <a:rPr lang="zh-TW" altLang="en-US" sz="4800" b="1" dirty="0" smtClean="0">
+                <a:latin typeface="+mn-ea"/>
+                <a:ea typeface="+mn-ea"/>
+              </a:rPr>
+              <a:t>掛號流程分析</a:t>
+            </a:r>
+            <a:endParaRPr lang="zh-TW" altLang="en-US" sz="4800" b="1" dirty="0">
+              <a:latin typeface="+mn-ea"/>
+              <a:ea typeface="+mn-ea"/>
+            </a:endParaRPr>
           </a:p>
         </p:txBody>
       </p:sp>
@@ -8736,74 +9399,180 @@
             <p:ph idx="1"/>
           </p:nvPr>
         </p:nvSpPr>
-        <p:spPr/>
-        <p:txBody>
-          <a:bodyPr/>
+        <p:spPr>
+          <a:xfrm>
+            <a:off x="871202" y="1437373"/>
+            <a:ext cx="10772123" cy="4328466"/>
+          </a:xfrm>
+        </p:spPr>
+        <p:txBody>
+          <a:bodyPr>
+            <a:noAutofit/>
+          </a:bodyPr>
           <a:lstStyle/>
           <a:p>
             <a:r>
-              <a:rPr lang="zh-TW" altLang="en-US" dirty="0" smtClean="0"/>
-              <a:t>可</a:t>
-            </a:r>
-            <a:r>
-              <a:rPr lang="zh-TW" altLang="en-US" dirty="0"/>
-              <a:t>依據 </a:t>
-            </a:r>
-            <a:r>
-              <a:rPr lang="en-US" altLang="zh-TW" dirty="0"/>
-              <a:t>FHIR </a:t>
-            </a:r>
-            <a:r>
-              <a:rPr lang="zh-TW" altLang="en-US" dirty="0"/>
-              <a:t>官網或測試網站範例</a:t>
-            </a:r>
-            <a:r>
-              <a:rPr lang="zh-TW" altLang="en-US" dirty="0" smtClean="0"/>
-              <a:t>整理</a:t>
-            </a:r>
-            <a:endParaRPr lang="en-US" altLang="zh-TW" dirty="0" smtClean="0"/>
-          </a:p>
-          <a:p>
-            <a:endParaRPr lang="en-US" altLang="zh-TW" dirty="0" smtClean="0"/>
-          </a:p>
-          <a:p>
-            <a:r>
-              <a:rPr lang="zh-TW" altLang="en-US" dirty="0" smtClean="0"/>
-              <a:t>測試</a:t>
-            </a:r>
-            <a:r>
-              <a:rPr lang="zh-TW" altLang="en-US" dirty="0"/>
-              <a:t>網站範例</a:t>
-            </a:r>
-            <a:endParaRPr lang="en-US" altLang="zh-TW" dirty="0"/>
+              <a:rPr lang="zh-TW" altLang="en-US" sz="3200" dirty="0" smtClean="0">
+                <a:latin typeface="+mn-ea"/>
+              </a:rPr>
+              <a:t>醫療單位定期上傳及更新</a:t>
+            </a:r>
+            <a:r>
+              <a:rPr lang="en-US" altLang="zh-TW" sz="3200" dirty="0" smtClean="0">
+                <a:latin typeface="+mn-ea"/>
+              </a:rPr>
+              <a:t>:</a:t>
+            </a:r>
           </a:p>
           <a:p>
             <a:pPr lvl="1"/>
             <a:r>
-              <a:rPr lang="en-US" altLang="zh-TW" dirty="0"/>
-              <a:t>https://www.hl7.org/fhir/schedule-provider-location1-example.json.html</a:t>
+              <a:rPr lang="zh-TW" altLang="en-US" sz="2800" dirty="0">
+                <a:latin typeface="+mn-ea"/>
+              </a:rPr>
+              <a:t>醫療健康人員與機構資訊</a:t>
             </a:r>
           </a:p>
           <a:p>
             <a:pPr lvl="1"/>
             <a:r>
-              <a:rPr lang="en-US" altLang="zh-TW" dirty="0"/>
-              <a:t>http://hapi.fhir.org/baseDstu3/Patient</a:t>
-            </a:r>
-            <a:endParaRPr lang="zh-TW" altLang="en-US" dirty="0"/>
+              <a:rPr lang="zh-TW" altLang="en-US" sz="2800" dirty="0" smtClean="0">
+                <a:latin typeface="+mn-ea"/>
+              </a:rPr>
+              <a:t>預約掛號時段資訊</a:t>
+            </a:r>
+            <a:endParaRPr lang="zh-TW" altLang="en-US" sz="2800" dirty="0">
+              <a:latin typeface="+mn-ea"/>
+            </a:endParaRPr>
+          </a:p>
+          <a:p>
+            <a:pPr lvl="2"/>
+            <a:r>
+              <a:rPr lang="zh-TW" altLang="en-US" sz="2400" dirty="0">
+                <a:latin typeface="+mn-ea"/>
+              </a:rPr>
+              <a:t>門診時間表</a:t>
+            </a:r>
+            <a:r>
+              <a:rPr lang="en-US" altLang="zh-TW" sz="2400" dirty="0">
+                <a:latin typeface="+mn-ea"/>
+              </a:rPr>
+              <a:t>:</a:t>
+            </a:r>
+            <a:r>
+              <a:rPr lang="en-US" altLang="zh-TW" sz="2400" dirty="0" smtClean="0">
+                <a:latin typeface="+mn-ea"/>
+              </a:rPr>
+              <a:t>schedule</a:t>
+            </a:r>
+            <a:r>
+              <a:rPr lang="zh-TW" altLang="en-US" sz="2400" dirty="0" smtClean="0">
+                <a:latin typeface="+mn-ea"/>
+              </a:rPr>
+              <a:t>、看</a:t>
+            </a:r>
+            <a:r>
+              <a:rPr lang="zh-TW" altLang="en-US" sz="2400" dirty="0">
+                <a:latin typeface="+mn-ea"/>
+              </a:rPr>
+              <a:t>診科別及時段</a:t>
+            </a:r>
+            <a:r>
+              <a:rPr lang="en-US" altLang="zh-TW" sz="2400" dirty="0">
+                <a:latin typeface="+mn-ea"/>
+              </a:rPr>
+              <a:t>: Slot</a:t>
+            </a:r>
+          </a:p>
+          <a:p>
+            <a:r>
+              <a:rPr lang="zh-TW" altLang="en-US" sz="3200" dirty="0" smtClean="0">
+                <a:latin typeface="+mn-ea"/>
+              </a:rPr>
+              <a:t>民眾</a:t>
+            </a:r>
+            <a:endParaRPr lang="en-US" altLang="zh-TW" sz="3200" dirty="0" smtClean="0">
+              <a:latin typeface="+mn-ea"/>
+            </a:endParaRPr>
+          </a:p>
+          <a:p>
+            <a:pPr lvl="1"/>
+            <a:r>
+              <a:rPr lang="zh-TW" altLang="en-US" sz="2800" dirty="0" smtClean="0">
+                <a:latin typeface="+mn-ea"/>
+              </a:rPr>
+              <a:t>預先在平台建立帳號、可提供病人狀況</a:t>
+            </a:r>
+            <a:r>
+              <a:rPr lang="zh-TW" altLang="en-US" sz="2800" dirty="0">
+                <a:latin typeface="+mn-ea"/>
+              </a:rPr>
+              <a:t>及問題</a:t>
+            </a:r>
+            <a:r>
+              <a:rPr lang="zh-TW" altLang="en-US" sz="2800" dirty="0" smtClean="0">
+                <a:latin typeface="+mn-ea"/>
+              </a:rPr>
+              <a:t>資訊、選定掛號時段</a:t>
+            </a:r>
+            <a:endParaRPr lang="en-US" altLang="zh-TW" sz="2800" dirty="0" smtClean="0">
+              <a:latin typeface="+mn-ea"/>
+            </a:endParaRPr>
+          </a:p>
+          <a:p>
+            <a:r>
+              <a:rPr lang="zh-TW" altLang="en-US" sz="3200" dirty="0" smtClean="0">
+                <a:latin typeface="+mn-ea"/>
+              </a:rPr>
+              <a:t>結果查詢</a:t>
+            </a:r>
+            <a:endParaRPr lang="en-US" altLang="zh-TW" sz="3200" dirty="0" smtClean="0">
+              <a:latin typeface="+mn-ea"/>
+            </a:endParaRPr>
+          </a:p>
+          <a:p>
+            <a:pPr lvl="1"/>
+            <a:r>
+              <a:rPr lang="zh-TW" altLang="en-US" sz="2800" dirty="0" smtClean="0">
+                <a:latin typeface="+mn-ea"/>
+              </a:rPr>
+              <a:t>民眾查詢個人或家屬之掛號資訊</a:t>
+            </a:r>
+            <a:endParaRPr lang="en-US" altLang="zh-TW" sz="2800" dirty="0" smtClean="0">
+              <a:latin typeface="+mn-ea"/>
+            </a:endParaRPr>
+          </a:p>
+          <a:p>
+            <a:pPr lvl="1"/>
+            <a:r>
+              <a:rPr lang="zh-TW" altLang="en-US" sz="2800" dirty="0" smtClean="0">
+                <a:latin typeface="+mn-ea"/>
+              </a:rPr>
+              <a:t>各機構查該機構之掛號資訊</a:t>
+            </a:r>
+            <a:endParaRPr lang="en-US" altLang="zh-TW" sz="2400" dirty="0" smtClean="0">
+              <a:latin typeface="+mn-ea"/>
+            </a:endParaRPr>
           </a:p>
         </p:txBody>
       </p:sp>
     </p:spTree>
     <p:extLst>
       <p:ext uri="{BB962C8B-B14F-4D97-AF65-F5344CB8AC3E}">
-        <p14:creationId xmlns:p14="http://schemas.microsoft.com/office/powerpoint/2010/main" val="950053643"/>
+        <p14:creationId xmlns:p14="http://schemas.microsoft.com/office/powerpoint/2010/main" val="2899309277"/>
       </p:ext>
     </p:extLst>
   </p:cSld>
   <p:clrMapOvr>
     <a:masterClrMapping/>
   </p:clrMapOvr>
+  <p:timing>
+    <p:tnLst>
+      <p:par>
+        <p:cTn id="1" dur="indefinite" restart="never" nodeType="tmRoot"/>
+      </p:par>
+    </p:tnLst>
+  </p:timing>
 </p:sld>
 </file>
 
@@ -8834,7 +9603,12 @@
             <p:ph type="title"/>
           </p:nvPr>
         </p:nvSpPr>
-        <p:spPr/>
+        <p:spPr>
+          <a:xfrm>
+            <a:off x="812800" y="272766"/>
+            <a:ext cx="10515600" cy="1325563"/>
+          </a:xfrm>
+        </p:spPr>
         <p:txBody>
           <a:bodyPr/>
           <a:lstStyle/>
@@ -8842,15 +9616,12 @@
             <a:pPr algn="ctr"/>
             <a:r>
               <a:rPr lang="zh-TW" altLang="en-US" dirty="0"/>
-              <a:t>會用到的 </a:t>
-            </a:r>
-            <a:r>
-              <a:rPr lang="en-US" altLang="zh-TW" dirty="0"/>
-              <a:t>FHIR API </a:t>
-            </a:r>
-            <a:br>
-              <a:rPr lang="en-US" altLang="zh-TW" dirty="0"/>
-            </a:br>
+              <a:t>已</a:t>
+            </a:r>
+            <a:r>
+              <a:rPr lang="zh-TW" altLang="en-US" dirty="0" smtClean="0"/>
+              <a:t>上傳之資料範例</a:t>
+            </a:r>
             <a:endParaRPr lang="zh-TW" altLang="en-US" dirty="0"/>
           </a:p>
         </p:txBody>
@@ -8868,100 +9639,162 @@
         <p:spPr/>
         <p:txBody>
           <a:bodyPr>
-            <a:normAutofit/>
+            <a:normAutofit lnSpcReduction="10000"/>
           </a:bodyPr>
           <a:lstStyle/>
           <a:p>
             <a:r>
+              <a:rPr lang="en-US" altLang="zh-TW" dirty="0"/>
+              <a:t>https://hapi.fhir.tw/fhir/Patient?organization=4</a:t>
+            </a:r>
+          </a:p>
+          <a:p>
+            <a:r>
+              <a:rPr lang="en-US" altLang="zh-TW" dirty="0" smtClean="0"/>
+              <a:t>https</a:t>
+            </a:r>
+            <a:r>
+              <a:rPr lang="en-US" altLang="zh-TW" dirty="0"/>
+              <a:t>://hapi.fhir.tw/fhir/Practitioner/1230</a:t>
+            </a:r>
+          </a:p>
+          <a:p>
+            <a:r>
+              <a:rPr lang="en-US" altLang="zh-TW" dirty="0" smtClean="0"/>
+              <a:t>https</a:t>
+            </a:r>
+            <a:r>
+              <a:rPr lang="en-US" altLang="zh-TW" dirty="0"/>
+              <a:t>://hapi.fhir.tw/fhir/Location/1232</a:t>
+            </a:r>
+          </a:p>
+          <a:p>
+            <a:r>
+              <a:rPr lang="en-US" altLang="zh-TW" dirty="0"/>
+              <a:t>https://hapi.fhir.tw/fhir/Schedule/1233</a:t>
+            </a:r>
+          </a:p>
+          <a:p>
+            <a:r>
+              <a:rPr lang="en-US" altLang="zh-TW" dirty="0" smtClean="0">
+                <a:hlinkClick r:id="rId2"/>
+              </a:rPr>
+              <a:t>https</a:t>
+            </a:r>
+            <a:r>
+              <a:rPr lang="en-US" altLang="zh-TW" dirty="0">
+                <a:hlinkClick r:id="rId2"/>
+              </a:rPr>
+              <a:t>://</a:t>
+            </a:r>
+            <a:r>
+              <a:rPr lang="en-US" altLang="zh-TW" dirty="0" smtClean="0">
+                <a:hlinkClick r:id="rId2"/>
+              </a:rPr>
+              <a:t>hapi.fhir.tw/fhir/Slot/1236</a:t>
+            </a:r>
+            <a:endParaRPr lang="en-US" altLang="zh-TW" dirty="0" smtClean="0"/>
+          </a:p>
+          <a:p>
+            <a:r>
+              <a:rPr lang="en-US" altLang="zh-TW" dirty="0"/>
+              <a:t>slot with </a:t>
+            </a:r>
+            <a:r>
+              <a:rPr lang="en-US" altLang="zh-TW" dirty="0" smtClean="0"/>
+              <a:t>comment:</a:t>
+            </a:r>
+            <a:r>
               <a:rPr lang="zh-TW" altLang="en-US" dirty="0" smtClean="0"/>
-              <a:t>新增、修改、及刪除特定</a:t>
-            </a:r>
-            <a:r>
-              <a:rPr lang="zh-TW" altLang="en-US" dirty="0"/>
-              <a:t>的 </a:t>
+              <a:t> 限掛人數</a:t>
+            </a:r>
+            <a:endParaRPr lang="en-US" altLang="zh-TW" dirty="0" smtClean="0"/>
+          </a:p>
+          <a:p>
+            <a:r>
+              <a:rPr lang="zh-TW" altLang="en-US" dirty="0" smtClean="0"/>
+              <a:t>新增範例需求</a:t>
+            </a:r>
+            <a:endParaRPr lang="en-US" altLang="zh-TW" dirty="0"/>
+          </a:p>
+          <a:p>
+            <a:pPr lvl="1"/>
+            <a:r>
+              <a:rPr lang="zh-TW" altLang="en-US" dirty="0" smtClean="0"/>
+              <a:t>更多個病人資料</a:t>
+            </a:r>
+            <a:endParaRPr lang="en-US" altLang="zh-TW" dirty="0" smtClean="0"/>
+          </a:p>
+          <a:p>
+            <a:pPr lvl="1"/>
+            <a:r>
+              <a:rPr lang="zh-TW" altLang="en-US" dirty="0" smtClean="0"/>
+              <a:t>建構兩三個不同機構</a:t>
             </a:r>
             <a:r>
               <a:rPr lang="en-US" altLang="zh-TW" dirty="0" smtClean="0"/>
-              <a:t>resource</a:t>
-            </a:r>
-          </a:p>
-          <a:p>
-            <a:pPr lvl="1"/>
+              <a:t>(</a:t>
+            </a:r>
             <a:r>
               <a:rPr lang="zh-TW" altLang="en-US" dirty="0" smtClean="0"/>
-              <a:t>基於</a:t>
-            </a:r>
-            <a:r>
-              <a:rPr lang="zh-TW" altLang="en-US" dirty="0"/>
-              <a:t>標準 </a:t>
-            </a:r>
-            <a:r>
-              <a:rPr lang="en-US" altLang="zh-TW" dirty="0"/>
-              <a:t>Restful API</a:t>
-            </a:r>
-          </a:p>
-          <a:p>
-            <a:pPr lvl="1"/>
-            <a:r>
-              <a:rPr lang="en-US" altLang="zh-TW" dirty="0"/>
-              <a:t>HTTP post resources</a:t>
-            </a:r>
-            <a:r>
-              <a:rPr lang="zh-TW" altLang="en-US" dirty="0"/>
-              <a:t>。</a:t>
-            </a:r>
-            <a:r>
-              <a:rPr lang="en-US" altLang="zh-TW" dirty="0"/>
-              <a:t>Post </a:t>
+              <a:t>眼科</a:t>
+            </a:r>
+            <a:r>
+              <a:rPr lang="en-US" altLang="zh-TW" dirty="0" smtClean="0"/>
+              <a:t>)</a:t>
             </a:r>
             <a:r>
               <a:rPr lang="zh-TW" altLang="en-US" dirty="0" smtClean="0"/>
-              <a:t>新增前</a:t>
-            </a:r>
-            <a:r>
-              <a:rPr lang="zh-TW" altLang="en-US" dirty="0"/>
-              <a:t>需注意事項</a:t>
-            </a:r>
-            <a:r>
-              <a:rPr lang="en-US" altLang="zh-TW" dirty="0"/>
-              <a:t>:</a:t>
-            </a:r>
-          </a:p>
-          <a:p>
-            <a:pPr lvl="1"/>
-            <a:r>
-              <a:rPr lang="zh-TW" altLang="en-US" dirty="0"/>
-              <a:t>需先上傳 </a:t>
-            </a:r>
-            <a:r>
-              <a:rPr lang="en-US" altLang="zh-TW" dirty="0"/>
-              <a:t>element reference </a:t>
-            </a:r>
-            <a:r>
-              <a:rPr lang="zh-TW" altLang="en-US" dirty="0"/>
-              <a:t>之 </a:t>
-            </a:r>
-            <a:r>
-              <a:rPr lang="en-US" altLang="zh-TW" dirty="0"/>
-              <a:t>resources</a:t>
-            </a:r>
-          </a:p>
-          <a:p>
-            <a:pPr lvl="1"/>
-            <a:endParaRPr lang="en-US" altLang="zh-TW" dirty="0"/>
+              <a:t>醫生之看診排程</a:t>
+            </a:r>
+            <a:r>
+              <a:rPr lang="en-US" altLang="zh-TW" dirty="0" smtClean="0"/>
+              <a:t>(</a:t>
+            </a:r>
+            <a:r>
+              <a:rPr lang="zh-TW" altLang="en-US" dirty="0" smtClean="0"/>
+              <a:t> </a:t>
+            </a:r>
+            <a:r>
+              <a:rPr lang="en-US" altLang="zh-TW" dirty="0" smtClean="0"/>
+              <a:t>schedule)</a:t>
+            </a:r>
+          </a:p>
+          <a:p>
+            <a:pPr lvl="2"/>
+            <a:r>
+              <a:rPr lang="en-US" altLang="zh-TW" dirty="0" smtClean="0"/>
+              <a:t>Schedule </a:t>
+            </a:r>
+            <a:r>
+              <a:rPr lang="zh-TW" altLang="en-US" dirty="0" smtClean="0"/>
+              <a:t>當中新增多個時段 </a:t>
+            </a:r>
+            <a:r>
+              <a:rPr lang="en-US" altLang="zh-TW" dirty="0" smtClean="0"/>
+              <a:t>(slot)</a:t>
+            </a:r>
+            <a:endParaRPr lang="zh-TW" altLang="en-US" dirty="0"/>
           </a:p>
         </p:txBody>
       </p:sp>
     </p:spTree>
     <p:extLst>
       <p:ext uri="{BB962C8B-B14F-4D97-AF65-F5344CB8AC3E}">
-        <p14:creationId xmlns:p14="http://schemas.microsoft.com/office/powerpoint/2010/main" val="1842206990"/>
+        <p14:creationId xmlns:p14="http://schemas.microsoft.com/office/powerpoint/2010/main" val="3013558570"/>
       </p:ext>
     </p:extLst>
   </p:cSld>
   <p:clrMapOvr>
     <a:masterClrMapping/>
   </p:clrMapOvr>
+  <p:timing>
+    <p:tnLst>
+      <p:par>
+        <p:cTn id="1" dur="indefinite" restart="never" nodeType="tmRoot"/>
+      </p:par>
+    </p:tnLst>
+  </p:timing>
 </p:sld>
 </file>
 
@@ -8992,51 +9825,16 @@
             <p:ph type="title"/>
           </p:nvPr>
         </p:nvSpPr>
-        <p:spPr>
-          <a:xfrm>
-            <a:off x="1101024" y="120237"/>
-            <a:ext cx="9101753" cy="1143000"/>
-          </a:xfrm>
-        </p:spPr>
-        <p:txBody>
-          <a:bodyPr>
-            <a:noAutofit/>
-          </a:bodyPr>
+        <p:spPr/>
+        <p:txBody>
+          <a:bodyPr/>
           <a:lstStyle/>
           <a:p>
-            <a:pPr algn="ctr"/>
-            <a:r>
-              <a:rPr lang="en-US" altLang="zh-TW" sz="4800" b="1" dirty="0" smtClean="0">
-                <a:latin typeface="+mn-ea"/>
-                <a:ea typeface="+mn-ea"/>
-              </a:rPr>
-              <a:t>FHIR</a:t>
-            </a:r>
-            <a:r>
-              <a:rPr lang="zh-TW" altLang="en-US" sz="4800" b="1" dirty="0" smtClean="0">
-                <a:latin typeface="+mn-ea"/>
-                <a:ea typeface="+mn-ea"/>
-              </a:rPr>
-              <a:t> </a:t>
-            </a:r>
-            <a:r>
-              <a:rPr lang="en-US" altLang="zh-TW" sz="4800" b="1" dirty="0" smtClean="0">
-                <a:latin typeface="+mn-ea"/>
-                <a:ea typeface="+mn-ea"/>
-              </a:rPr>
-              <a:t>resource </a:t>
-            </a:r>
-            <a:r>
-              <a:rPr lang="zh-TW" altLang="en-US" sz="4800" b="1" dirty="0" smtClean="0">
-                <a:latin typeface="+mn-ea"/>
-                <a:ea typeface="+mn-ea"/>
-              </a:rPr>
-              <a:t>查詢</a:t>
-            </a:r>
-            <a:endParaRPr lang="zh-TW" altLang="en-US" sz="4800" b="1" dirty="0">
-              <a:latin typeface="+mn-ea"/>
-              <a:ea typeface="+mn-ea"/>
-            </a:endParaRPr>
+            <a:r>
+              <a:rPr lang="zh-TW" altLang="en-US" dirty="0" smtClean="0"/>
+              <a:t>掛號新增介面</a:t>
+            </a:r>
+            <a:endParaRPr lang="zh-TW" altLang="en-US" dirty="0"/>
           </a:p>
         </p:txBody>
       </p:sp>
@@ -9050,139 +9848,62 @@
             <p:ph idx="1"/>
           </p:nvPr>
         </p:nvSpPr>
-        <p:spPr>
-          <a:xfrm>
-            <a:off x="871202" y="1437373"/>
-            <a:ext cx="10772123" cy="4328466"/>
-          </a:xfrm>
-        </p:spPr>
-        <p:txBody>
-          <a:bodyPr>
-            <a:noAutofit/>
-          </a:bodyPr>
+        <p:spPr/>
+        <p:txBody>
+          <a:bodyPr/>
           <a:lstStyle/>
           <a:p>
             <a:r>
-              <a:rPr lang="zh-TW" altLang="en-US" sz="3200" dirty="0" smtClean="0">
-                <a:latin typeface="+mn-ea"/>
-              </a:rPr>
-              <a:t>病人資料查詢</a:t>
-            </a:r>
-            <a:endParaRPr lang="en-US" altLang="zh-TW" sz="3200" dirty="0" smtClean="0">
-              <a:latin typeface="+mn-ea"/>
-            </a:endParaRPr>
+              <a:rPr lang="zh-TW" altLang="en-US" dirty="0" smtClean="0"/>
+              <a:t>登入</a:t>
+            </a:r>
+            <a:r>
+              <a:rPr lang="zh-TW" altLang="en-US" dirty="0"/>
+              <a:t>病人</a:t>
+            </a:r>
+            <a:endParaRPr lang="en-US" altLang="zh-TW" dirty="0" smtClean="0"/>
+          </a:p>
+          <a:p>
+            <a:r>
+              <a:rPr lang="zh-TW" altLang="en-US" dirty="0" smtClean="0"/>
+              <a:t>查詢及條列看診時間表</a:t>
+            </a:r>
+            <a:endParaRPr lang="en-US" altLang="zh-TW" dirty="0" smtClean="0"/>
           </a:p>
           <a:p>
             <a:pPr lvl="1"/>
             <a:r>
-              <a:rPr lang="zh-TW" altLang="en-US" sz="2800" dirty="0" smtClean="0">
-                <a:latin typeface="+mn-ea"/>
-              </a:rPr>
-              <a:t>此</a:t>
-            </a:r>
-            <a:r>
-              <a:rPr lang="zh-TW" altLang="en-US" sz="2800" dirty="0">
-                <a:latin typeface="+mn-ea"/>
-              </a:rPr>
-              <a:t>醫院的病人列表</a:t>
-            </a:r>
-          </a:p>
-          <a:p>
-            <a:pPr lvl="2"/>
-            <a:r>
-              <a:rPr lang="en-US" altLang="zh-TW" sz="2400" dirty="0" err="1">
-                <a:latin typeface="+mn-ea"/>
-              </a:rPr>
-              <a:t>ServiceRoot</a:t>
-            </a:r>
-            <a:r>
-              <a:rPr lang="en-US" altLang="zh-TW" sz="2400" dirty="0">
-                <a:latin typeface="+mn-ea"/>
-              </a:rPr>
-              <a:t>/</a:t>
-            </a:r>
-            <a:r>
-              <a:rPr lang="en-US" altLang="zh-TW" sz="2400" dirty="0" err="1">
-                <a:latin typeface="+mn-ea"/>
-              </a:rPr>
-              <a:t>Patient?organization</a:t>
-            </a:r>
-            <a:r>
-              <a:rPr lang="en-US" altLang="zh-TW" sz="2400" dirty="0">
-                <a:latin typeface="+mn-ea"/>
-              </a:rPr>
-              <a:t>=</a:t>
-            </a:r>
-            <a:r>
-              <a:rPr lang="en-US" altLang="zh-TW" sz="2400" dirty="0" err="1">
-                <a:latin typeface="+mn-ea"/>
-              </a:rPr>
-              <a:t>OrgID</a:t>
-            </a:r>
-            <a:endParaRPr lang="en-US" altLang="zh-TW" sz="2400" dirty="0">
-              <a:latin typeface="+mn-ea"/>
-            </a:endParaRPr>
-          </a:p>
-          <a:p>
-            <a:pPr lvl="2"/>
-            <a:r>
-              <a:rPr lang="en-US" altLang="zh-TW" sz="2400" dirty="0">
-                <a:latin typeface="+mn-ea"/>
-              </a:rPr>
-              <a:t>https://hapi.fhir.tw/fhir/Patient?organization=4</a:t>
-            </a:r>
-          </a:p>
-          <a:p>
-            <a:pPr lvl="1"/>
-            <a:r>
-              <a:rPr lang="zh-TW" altLang="en-US" sz="2800" dirty="0">
-                <a:latin typeface="+mn-ea"/>
-              </a:rPr>
-              <a:t>依據病患姓名或病歷號查詢此醫院的病人</a:t>
-            </a:r>
-          </a:p>
-          <a:p>
-            <a:pPr lvl="2"/>
-            <a:r>
-              <a:rPr lang="en-US" altLang="zh-TW" sz="2400" dirty="0">
-                <a:latin typeface="+mn-ea"/>
-              </a:rPr>
-              <a:t>https://hapi.fhir.tw/fhir/Patient?name='</a:t>
-            </a:r>
-            <a:r>
-              <a:rPr lang="zh-TW" altLang="en-US" sz="2400" dirty="0">
-                <a:latin typeface="+mn-ea"/>
-              </a:rPr>
-              <a:t>林帶玉</a:t>
-            </a:r>
-            <a:r>
-              <a:rPr lang="en-US" altLang="zh-TW" sz="2400" dirty="0">
-                <a:latin typeface="+mn-ea"/>
-              </a:rPr>
-              <a:t>'&amp;organization=4 (</a:t>
-            </a:r>
-            <a:r>
-              <a:rPr lang="zh-TW" altLang="en-US" sz="2400" dirty="0">
-                <a:latin typeface="+mn-ea"/>
-              </a:rPr>
-              <a:t>查不到</a:t>
-            </a:r>
-            <a:r>
-              <a:rPr lang="en-US" altLang="zh-TW" sz="2400" dirty="0" smtClean="0">
-                <a:latin typeface="+mn-ea"/>
-              </a:rPr>
-              <a:t>)</a:t>
-            </a:r>
-            <a:endParaRPr lang="en-US" altLang="zh-TW" sz="2400" dirty="0">
-              <a:latin typeface="+mn-ea"/>
-            </a:endParaRPr>
+              <a:rPr lang="en-US" altLang="zh-TW" dirty="0"/>
+              <a:t>https://hapi.fhir.tw/fhir/Slot?schedule=1233</a:t>
+            </a:r>
+            <a:endParaRPr lang="en-US" altLang="zh-TW" dirty="0" smtClean="0"/>
+          </a:p>
+          <a:p>
+            <a:r>
+              <a:rPr lang="zh-TW" altLang="en-US" dirty="0" smtClean="0"/>
+              <a:t>選擇時段</a:t>
+            </a:r>
+            <a:r>
+              <a:rPr lang="en-US" altLang="zh-TW" dirty="0" smtClean="0"/>
+              <a:t>(slot)</a:t>
+            </a:r>
+          </a:p>
+          <a:p>
+            <a:r>
+              <a:rPr lang="zh-TW" altLang="en-US" dirty="0" smtClean="0"/>
+              <a:t>產生及上傳掛號資</a:t>
+            </a:r>
+            <a:r>
+              <a:rPr lang="zh-TW" altLang="en-US" dirty="0"/>
+              <a:t>訊</a:t>
+            </a:r>
           </a:p>
         </p:txBody>
       </p:sp>
     </p:spTree>
     <p:extLst>
       <p:ext uri="{BB962C8B-B14F-4D97-AF65-F5344CB8AC3E}">
-        <p14:creationId xmlns:p14="http://schemas.microsoft.com/office/powerpoint/2010/main" val="2458748889"/>
+        <p14:creationId xmlns:p14="http://schemas.microsoft.com/office/powerpoint/2010/main" val="3175866516"/>
       </p:ext>
     </p:extLst>
   </p:cSld>

--- a/Spec/FHIR Appointment.pptx
+++ b/Spec/FHIR Appointment.pptx
@@ -222,7 +222,7 @@
           <a:p>
             <a:fld id="{292263DF-D465-7D44-979E-8E059A80EA5A}" type="datetimeFigureOut">
               <a:rPr kumimoji="1" lang="zh-TW" altLang="en-US" smtClean="0"/>
-              <a:t>2019/10/26</a:t>
+              <a:t>2021/1/5</a:t>
             </a:fld>
             <a:endParaRPr kumimoji="1" lang="zh-TW" altLang="en-US"/>
           </a:p>
@@ -636,7 +636,7 @@
           <a:p>
             <a:fld id="{2C75088D-383A-FD4D-9806-47C9669AA49E}" type="datetimeFigureOut">
               <a:rPr kumimoji="1" lang="zh-TW" altLang="en-US" smtClean="0"/>
-              <a:t>2019/10/26</a:t>
+              <a:t>2021/1/5</a:t>
             </a:fld>
             <a:endParaRPr kumimoji="1" lang="zh-TW" altLang="en-US"/>
           </a:p>
@@ -834,7 +834,7 @@
           <a:p>
             <a:fld id="{2C75088D-383A-FD4D-9806-47C9669AA49E}" type="datetimeFigureOut">
               <a:rPr kumimoji="1" lang="zh-TW" altLang="en-US" smtClean="0"/>
-              <a:t>2019/10/26</a:t>
+              <a:t>2021/1/5</a:t>
             </a:fld>
             <a:endParaRPr kumimoji="1" lang="zh-TW" altLang="en-US"/>
           </a:p>
@@ -1042,7 +1042,7 @@
           <a:p>
             <a:fld id="{2C75088D-383A-FD4D-9806-47C9669AA49E}" type="datetimeFigureOut">
               <a:rPr kumimoji="1" lang="zh-TW" altLang="en-US" smtClean="0"/>
-              <a:t>2019/10/26</a:t>
+              <a:t>2021/1/5</a:t>
             </a:fld>
             <a:endParaRPr kumimoji="1" lang="zh-TW" altLang="en-US"/>
           </a:p>
@@ -1404,52 +1404,12 @@
               </a:spcAft>
             </a:pPr>
             <a:r>
-              <a:rPr lang="en-US" sz="800" b="1" dirty="0" smtClean="0">
-                <a:solidFill>
-                  <a:srgbClr val="000000"/>
-                </a:solidFill>
-              </a:rPr>
-              <a:t>       © 2016 HL7 ® </a:t>
-            </a:r>
-            <a:r>
               <a:rPr lang="en-US" sz="800" b="1" dirty="0">
                 <a:solidFill>
                   <a:srgbClr val="000000"/>
                 </a:solidFill>
               </a:rPr>
-              <a:t>International. </a:t>
-            </a:r>
-            <a:r>
-              <a:rPr lang="en-US" sz="800" b="1" dirty="0" smtClean="0">
-                <a:solidFill>
-                  <a:srgbClr val="000000"/>
-                </a:solidFill>
-              </a:rPr>
-              <a:t>Licensed under Creative Commons. </a:t>
-            </a:r>
-            <a:r>
-              <a:rPr lang="en-US" sz="800" b="1" dirty="0">
-                <a:solidFill>
-                  <a:srgbClr val="000000"/>
-                </a:solidFill>
-              </a:rPr>
-              <a:t>HL7 </a:t>
-            </a:r>
-            <a:r>
-              <a:rPr lang="en-US" sz="800" b="1" dirty="0" smtClean="0">
-                <a:solidFill>
-                  <a:srgbClr val="000000"/>
-                </a:solidFill>
-              </a:rPr>
-              <a:t>&amp; Health </a:t>
-            </a:r>
-            <a:r>
-              <a:rPr lang="en-US" sz="800" b="1" dirty="0">
-                <a:solidFill>
-                  <a:srgbClr val="000000"/>
-                </a:solidFill>
-              </a:rPr>
-              <a:t>Level Seven are registered trademarks of Health Level Seven International. Reg. U.S. TM Office.</a:t>
+              <a:t>       © 2016 HL7 ® International. Licensed under Creative Commons. HL7 &amp; Health Level Seven are registered trademarks of Health Level Seven International. Reg. U.S. TM Office.</a:t>
             </a:r>
           </a:p>
         </p:txBody>
@@ -1534,7 +1494,7 @@
           <a:p>
             <a:pPr lvl="0"/>
             <a:r>
-              <a:rPr lang="en-US" noProof="0" smtClean="0"/>
+              <a:rPr lang="en-US" noProof="0"/>
               <a:t>Click to edit Master title style</a:t>
             </a:r>
           </a:p>
@@ -1568,7 +1528,7 @@
           <a:p>
             <a:pPr lvl="0"/>
             <a:r>
-              <a:rPr lang="en-US" noProof="0" smtClean="0"/>
+              <a:rPr lang="en-US" noProof="0"/>
               <a:t>Click to edit Master subtitle style</a:t>
             </a:r>
           </a:p>
@@ -1654,13 +1614,6 @@
   <p:clrMapOvr>
     <a:masterClrMapping/>
   </p:clrMapOvr>
-  <p:timing>
-    <p:tnLst>
-      <p:par>
-        <p:cTn id="1" dur="indefinite" restart="never" nodeType="tmRoot"/>
-      </p:par>
-    </p:tnLst>
-  </p:timing>
 </p:sldLayout>
 </file>
 
@@ -1706,7 +1659,6 @@
             <a:tailEnd type="none" w="med" len="med"/>
           </a:ln>
           <a:effectLst/>
-          <a:extLst/>
         </p:spPr>
         <p:txBody>
           <a:bodyPr vert="horz" wrap="square" lIns="91440" tIns="45720" rIns="91440" bIns="45720" numCol="1" rtlCol="0" anchor="t" anchorCtr="0" compatLnSpc="1">
@@ -1724,7 +1676,7 @@
                 <a:spcPct val="0"/>
               </a:spcAft>
             </a:pPr>
-            <a:endParaRPr lang="en-CA" dirty="0" smtClean="0">
+            <a:endParaRPr lang="en-CA" dirty="0">
               <a:solidFill>
                 <a:srgbClr val="000000"/>
               </a:solidFill>
@@ -1757,10 +1709,9 @@
           </a:lstStyle>
           <a:p>
             <a:r>
-              <a:rPr lang="en-US" smtClean="0"/>
+              <a:rPr lang="en-US"/>
               <a:t>Click to edit Master title style</a:t>
             </a:r>
-            <a:endParaRPr lang="en-US"/>
           </a:p>
         </p:txBody>
       </p:sp>
@@ -1823,7 +1774,7 @@
           <a:p>
             <a:pPr lvl="0"/>
             <a:r>
-              <a:rPr lang="en-US" smtClean="0"/>
+              <a:rPr lang="en-US"/>
               <a:t>Click to edit Master text styles</a:t>
             </a:r>
           </a:p>
@@ -1893,13 +1844,6 @@
   <p:clrMapOvr>
     <a:masterClrMapping/>
   </p:clrMapOvr>
-  <p:timing>
-    <p:tnLst>
-      <p:par>
-        <p:cTn id="1" dur="indefinite" restart="never" nodeType="tmRoot"/>
-      </p:par>
-    </p:tnLst>
-  </p:timing>
 </p:sldLayout>
 </file>
 
@@ -1941,10 +1885,9 @@
           <a:lstStyle/>
           <a:p>
             <a:r>
-              <a:rPr lang="en-US" dirty="0" smtClean="0"/>
+              <a:rPr lang="en-US" dirty="0"/>
               <a:t>Click to edit Master title style</a:t>
             </a:r>
-            <a:endParaRPr lang="en-US" dirty="0"/>
           </a:p>
         </p:txBody>
       </p:sp>
@@ -1965,38 +1908,37 @@
           <a:p>
             <a:pPr lvl="0"/>
             <a:r>
-              <a:rPr lang="en-US" dirty="0" smtClean="0"/>
+              <a:rPr lang="en-US" dirty="0"/>
               <a:t>Click to edit Master text styles</a:t>
             </a:r>
           </a:p>
           <a:p>
             <a:pPr lvl="1"/>
             <a:r>
-              <a:rPr lang="en-US" dirty="0" smtClean="0"/>
+              <a:rPr lang="en-US" dirty="0"/>
               <a:t>Second level</a:t>
             </a:r>
           </a:p>
           <a:p>
             <a:pPr lvl="2"/>
             <a:r>
-              <a:rPr lang="en-US" dirty="0" smtClean="0"/>
+              <a:rPr lang="en-US" dirty="0"/>
               <a:t>Third level</a:t>
             </a:r>
           </a:p>
           <a:p>
             <a:pPr lvl="3"/>
             <a:r>
-              <a:rPr lang="en-US" dirty="0" smtClean="0"/>
+              <a:rPr lang="en-US" dirty="0"/>
               <a:t>Fourth level</a:t>
             </a:r>
           </a:p>
           <a:p>
             <a:pPr lvl="4"/>
             <a:r>
-              <a:rPr lang="en-US" dirty="0" smtClean="0"/>
+              <a:rPr lang="en-US" dirty="0"/>
               <a:t>Fifth level</a:t>
             </a:r>
-            <a:endParaRPr lang="en-US" dirty="0"/>
           </a:p>
         </p:txBody>
       </p:sp>
@@ -2079,13 +2021,6 @@
   <p:clrMapOvr>
     <a:masterClrMapping/>
   </p:clrMapOvr>
-  <p:timing>
-    <p:tnLst>
-      <p:par>
-        <p:cTn id="1" dur="indefinite" restart="never" nodeType="tmRoot"/>
-      </p:par>
-    </p:tnLst>
-  </p:timing>
 </p:sldLayout>
 </file>
 
@@ -2122,7 +2057,7 @@
           <a:lstStyle/>
           <a:p>
             <a:r>
-              <a:rPr lang="en-US" smtClean="0"/>
+              <a:rPr lang="en-US"/>
               <a:t>Click to edit Master title style</a:t>
             </a:r>
             <a:endParaRPr lang="en-CA"/>
@@ -2187,38 +2122,37 @@
           <a:p>
             <a:pPr lvl="0"/>
             <a:r>
-              <a:rPr lang="en-US" dirty="0" smtClean="0"/>
+              <a:rPr lang="en-US" dirty="0"/>
               <a:t>Click to edit Master text styles</a:t>
             </a:r>
           </a:p>
           <a:p>
             <a:pPr lvl="1"/>
             <a:r>
-              <a:rPr lang="en-US" dirty="0" smtClean="0"/>
+              <a:rPr lang="en-US" dirty="0"/>
               <a:t>Second level</a:t>
             </a:r>
           </a:p>
           <a:p>
             <a:pPr lvl="2"/>
             <a:r>
-              <a:rPr lang="en-US" dirty="0" smtClean="0"/>
+              <a:rPr lang="en-US" dirty="0"/>
               <a:t>Third level</a:t>
             </a:r>
           </a:p>
           <a:p>
             <a:pPr lvl="3"/>
             <a:r>
-              <a:rPr lang="en-US" dirty="0" smtClean="0"/>
+              <a:rPr lang="en-US" dirty="0"/>
               <a:t>Fourth level</a:t>
             </a:r>
           </a:p>
           <a:p>
             <a:pPr lvl="4"/>
             <a:r>
-              <a:rPr lang="en-US" dirty="0" smtClean="0"/>
+              <a:rPr lang="en-US" dirty="0"/>
               <a:t>Fifth level</a:t>
             </a:r>
-            <a:endParaRPr lang="en-US" dirty="0"/>
           </a:p>
         </p:txBody>
       </p:sp>
@@ -2268,10 +2202,9 @@
           <a:lstStyle/>
           <a:p>
             <a:r>
-              <a:rPr lang="en-US" smtClean="0"/>
+              <a:rPr lang="en-US"/>
               <a:t>Click to edit Master title style</a:t>
             </a:r>
-            <a:endParaRPr lang="en-US"/>
           </a:p>
         </p:txBody>
       </p:sp>
@@ -2399,7 +2332,6 @@
             <a:tailEnd type="none" w="med" len="med"/>
           </a:ln>
           <a:effectLst/>
-          <a:extLst/>
         </p:spPr>
         <p:txBody>
           <a:bodyPr vert="horz" wrap="square" lIns="91440" tIns="45720" rIns="91440" bIns="45720" numCol="1" rtlCol="0" anchor="t" anchorCtr="0" compatLnSpc="1">
@@ -2417,7 +2349,7 @@
                 <a:spcPct val="0"/>
               </a:spcAft>
             </a:pPr>
-            <a:endParaRPr lang="en-CA" dirty="0" smtClean="0">
+            <a:endParaRPr lang="en-CA" dirty="0">
               <a:solidFill>
                 <a:srgbClr val="000000"/>
               </a:solidFill>
@@ -2523,10 +2455,9 @@
           </a:lstStyle>
           <a:p>
             <a:r>
-              <a:rPr lang="en-US" smtClean="0"/>
+              <a:rPr lang="en-US"/>
               <a:t>Click to edit Master title style</a:t>
             </a:r>
-            <a:endParaRPr lang="en-US"/>
           </a:p>
         </p:txBody>
       </p:sp>
@@ -2576,10 +2507,9 @@
           <a:lstStyle/>
           <a:p>
             <a:r>
-              <a:rPr lang="en-US" smtClean="0"/>
+              <a:rPr lang="en-US"/>
               <a:t>Click to edit Master title style</a:t>
             </a:r>
-            <a:endParaRPr lang="en-US"/>
           </a:p>
         </p:txBody>
       </p:sp>
@@ -2633,38 +2563,37 @@
           <a:p>
             <a:pPr lvl="0"/>
             <a:r>
-              <a:rPr lang="en-US" smtClean="0"/>
+              <a:rPr lang="en-US"/>
               <a:t>Click to edit Master text styles</a:t>
             </a:r>
           </a:p>
           <a:p>
             <a:pPr lvl="1"/>
             <a:r>
-              <a:rPr lang="en-US" smtClean="0"/>
+              <a:rPr lang="en-US"/>
               <a:t>Second level</a:t>
             </a:r>
           </a:p>
           <a:p>
             <a:pPr lvl="2"/>
             <a:r>
-              <a:rPr lang="en-US" smtClean="0"/>
+              <a:rPr lang="en-US"/>
               <a:t>Third level</a:t>
             </a:r>
           </a:p>
           <a:p>
             <a:pPr lvl="3"/>
             <a:r>
-              <a:rPr lang="en-US" smtClean="0"/>
+              <a:rPr lang="en-US"/>
               <a:t>Fourth level</a:t>
             </a:r>
           </a:p>
           <a:p>
             <a:pPr lvl="4"/>
             <a:r>
-              <a:rPr lang="en-US" smtClean="0"/>
+              <a:rPr lang="en-US"/>
               <a:t>Fifth level</a:t>
             </a:r>
-            <a:endParaRPr lang="en-US"/>
           </a:p>
         </p:txBody>
       </p:sp>
@@ -2718,38 +2647,37 @@
           <a:p>
             <a:pPr lvl="0"/>
             <a:r>
-              <a:rPr lang="en-US" smtClean="0"/>
+              <a:rPr lang="en-US"/>
               <a:t>Click to edit Master text styles</a:t>
             </a:r>
           </a:p>
           <a:p>
             <a:pPr lvl="1"/>
             <a:r>
-              <a:rPr lang="en-US" smtClean="0"/>
+              <a:rPr lang="en-US"/>
               <a:t>Second level</a:t>
             </a:r>
           </a:p>
           <a:p>
             <a:pPr lvl="2"/>
             <a:r>
-              <a:rPr lang="en-US" smtClean="0"/>
+              <a:rPr lang="en-US"/>
               <a:t>Third level</a:t>
             </a:r>
           </a:p>
           <a:p>
             <a:pPr lvl="3"/>
             <a:r>
-              <a:rPr lang="en-US" smtClean="0"/>
+              <a:rPr lang="en-US"/>
               <a:t>Fourth level</a:t>
             </a:r>
           </a:p>
           <a:p>
             <a:pPr lvl="4"/>
             <a:r>
-              <a:rPr lang="en-US" smtClean="0"/>
+              <a:rPr lang="en-US"/>
               <a:t>Fifth level</a:t>
             </a:r>
-            <a:endParaRPr lang="en-US"/>
           </a:p>
         </p:txBody>
       </p:sp>
@@ -2832,13 +2760,6 @@
   <p:clrMapOvr>
     <a:masterClrMapping/>
   </p:clrMapOvr>
-  <p:timing>
-    <p:tnLst>
-      <p:par>
-        <p:cTn id="1" dur="indefinite" restart="never" nodeType="tmRoot"/>
-      </p:par>
-    </p:tnLst>
-  </p:timing>
 </p:sldLayout>
 </file>
 
@@ -2884,10 +2805,9 @@
           </a:lstStyle>
           <a:p>
             <a:r>
-              <a:rPr lang="en-US" dirty="0" smtClean="0"/>
+              <a:rPr lang="en-US" dirty="0"/>
               <a:t>Click to edit Master title style</a:t>
             </a:r>
-            <a:endParaRPr lang="en-US" dirty="0"/>
           </a:p>
         </p:txBody>
       </p:sp>
@@ -2950,7 +2870,7 @@
           <a:p>
             <a:pPr lvl="0"/>
             <a:r>
-              <a:rPr lang="en-US" dirty="0" smtClean="0"/>
+              <a:rPr lang="en-US" dirty="0"/>
               <a:t>Click to edit Master text styles</a:t>
             </a:r>
           </a:p>
@@ -3006,38 +2926,37 @@
           <a:p>
             <a:pPr lvl="0"/>
             <a:r>
-              <a:rPr lang="en-US" smtClean="0"/>
+              <a:rPr lang="en-US"/>
               <a:t>Click to edit Master text styles</a:t>
             </a:r>
           </a:p>
           <a:p>
             <a:pPr lvl="1"/>
             <a:r>
-              <a:rPr lang="en-US" smtClean="0"/>
+              <a:rPr lang="en-US"/>
               <a:t>Second level</a:t>
             </a:r>
           </a:p>
           <a:p>
             <a:pPr lvl="2"/>
             <a:r>
-              <a:rPr lang="en-US" smtClean="0"/>
+              <a:rPr lang="en-US"/>
               <a:t>Third level</a:t>
             </a:r>
           </a:p>
           <a:p>
             <a:pPr lvl="3"/>
             <a:r>
-              <a:rPr lang="en-US" smtClean="0"/>
+              <a:rPr lang="en-US"/>
               <a:t>Fourth level</a:t>
             </a:r>
           </a:p>
           <a:p>
             <a:pPr lvl="4"/>
             <a:r>
-              <a:rPr lang="en-US" smtClean="0"/>
+              <a:rPr lang="en-US"/>
               <a:t>Fifth level</a:t>
             </a:r>
-            <a:endParaRPr lang="en-US"/>
           </a:p>
         </p:txBody>
       </p:sp>
@@ -3100,7 +3019,7 @@
           <a:p>
             <a:pPr lvl="0"/>
             <a:r>
-              <a:rPr lang="en-US" dirty="0" smtClean="0"/>
+              <a:rPr lang="en-US" dirty="0"/>
               <a:t>Click to edit Master text styles</a:t>
             </a:r>
           </a:p>
@@ -3156,38 +3075,37 @@
           <a:p>
             <a:pPr lvl="0"/>
             <a:r>
-              <a:rPr lang="en-US" smtClean="0"/>
+              <a:rPr lang="en-US"/>
               <a:t>Click to edit Master text styles</a:t>
             </a:r>
           </a:p>
           <a:p>
             <a:pPr lvl="1"/>
             <a:r>
-              <a:rPr lang="en-US" smtClean="0"/>
+              <a:rPr lang="en-US"/>
               <a:t>Second level</a:t>
             </a:r>
           </a:p>
           <a:p>
             <a:pPr lvl="2"/>
             <a:r>
-              <a:rPr lang="en-US" smtClean="0"/>
+              <a:rPr lang="en-US"/>
               <a:t>Third level</a:t>
             </a:r>
           </a:p>
           <a:p>
             <a:pPr lvl="3"/>
             <a:r>
-              <a:rPr lang="en-US" smtClean="0"/>
+              <a:rPr lang="en-US"/>
               <a:t>Fourth level</a:t>
             </a:r>
           </a:p>
           <a:p>
             <a:pPr lvl="4"/>
             <a:r>
-              <a:rPr lang="en-US" smtClean="0"/>
+              <a:rPr lang="en-US"/>
               <a:t>Fifth level</a:t>
             </a:r>
-            <a:endParaRPr lang="en-US"/>
           </a:p>
         </p:txBody>
       </p:sp>
@@ -3201,13 +3119,6 @@
   <p:clrMapOvr>
     <a:masterClrMapping/>
   </p:clrMapOvr>
-  <p:timing>
-    <p:tnLst>
-      <p:par>
-        <p:cTn id="1" dur="indefinite" restart="never" nodeType="tmRoot"/>
-      </p:par>
-    </p:tnLst>
-  </p:timing>
 </p:sldLayout>
 </file>
 
@@ -3336,7 +3247,7 @@
           <a:p>
             <a:fld id="{2C75088D-383A-FD4D-9806-47C9669AA49E}" type="datetimeFigureOut">
               <a:rPr kumimoji="1" lang="zh-TW" altLang="en-US" smtClean="0"/>
-              <a:t>2019/10/26</a:t>
+              <a:t>2021/1/5</a:t>
             </a:fld>
             <a:endParaRPr kumimoji="1" lang="zh-TW" altLang="en-US"/>
           </a:p>
@@ -3444,13 +3355,6 @@
   <p:clrMapOvr>
     <a:masterClrMapping/>
   </p:clrMapOvr>
-  <p:timing>
-    <p:tnLst>
-      <p:par>
-        <p:cTn id="1" dur="indefinite" restart="never" nodeType="tmRoot"/>
-      </p:par>
-    </p:tnLst>
-  </p:timing>
 </p:sldLayout>
 </file>
 
@@ -3516,7 +3420,7 @@
                   <a:spcPct val="0"/>
                 </a:spcAft>
               </a:pPr>
-              <a:t>26-10-2019</a:t>
+              <a:t>5-1-2021</a:t>
             </a:fld>
             <a:endParaRPr lang="nl-NL">
               <a:solidFill>
@@ -3630,13 +3534,6 @@
   <p:clrMapOvr>
     <a:masterClrMapping/>
   </p:clrMapOvr>
-  <p:timing>
-    <p:tnLst>
-      <p:par>
-        <p:cTn id="1" dur="indefinite" restart="never" nodeType="tmRoot"/>
-      </p:par>
-    </p:tnLst>
-  </p:timing>
 </p:sldLayout>
 </file>
 
@@ -3700,38 +3597,37 @@
           <a:p>
             <a:pPr lvl="0"/>
             <a:r>
-              <a:rPr lang="en-US" noProof="0" smtClean="0"/>
+              <a:rPr lang="en-US" noProof="0"/>
               <a:t>Click to edit Master text styles</a:t>
             </a:r>
           </a:p>
           <a:p>
             <a:pPr lvl="1"/>
             <a:r>
-              <a:rPr lang="en-US" noProof="0" smtClean="0"/>
+              <a:rPr lang="en-US" noProof="0"/>
               <a:t>Second level</a:t>
             </a:r>
           </a:p>
           <a:p>
             <a:pPr lvl="2"/>
             <a:r>
-              <a:rPr lang="en-US" noProof="0" smtClean="0"/>
+              <a:rPr lang="en-US" noProof="0"/>
               <a:t>Third level</a:t>
             </a:r>
           </a:p>
           <a:p>
             <a:pPr lvl="3"/>
             <a:r>
-              <a:rPr lang="en-US" noProof="0" smtClean="0"/>
+              <a:rPr lang="en-US" noProof="0"/>
               <a:t>Fourth level</a:t>
             </a:r>
           </a:p>
           <a:p>
             <a:pPr lvl="4"/>
             <a:r>
-              <a:rPr lang="en-US" noProof="0" smtClean="0"/>
+              <a:rPr lang="en-US" noProof="0"/>
               <a:t>Fifth level</a:t>
             </a:r>
-            <a:endParaRPr lang="en-US" noProof="0"/>
           </a:p>
         </p:txBody>
       </p:sp>
@@ -3771,10 +3667,9 @@
           </a:lstStyle>
           <a:p>
             <a:r>
-              <a:rPr lang="en-US" noProof="0" smtClean="0"/>
+              <a:rPr lang="en-US" noProof="0"/>
               <a:t>Click to edit Master title style</a:t>
             </a:r>
-            <a:endParaRPr lang="en-US" noProof="0"/>
           </a:p>
         </p:txBody>
       </p:sp>
@@ -3796,13 +3691,6 @@
       <p:transition/>
     </mc:Fallback>
   </mc:AlternateContent>
-  <p:timing>
-    <p:tnLst>
-      <p:par>
-        <p:cTn id="1" dur="indefinite" restart="never" nodeType="tmRoot"/>
-      </p:par>
-    </p:tnLst>
-  </p:timing>
 </p:sldLayout>
 </file>
 
@@ -4008,7 +3896,7 @@
           <a:p>
             <a:fld id="{2C75088D-383A-FD4D-9806-47C9669AA49E}" type="datetimeFigureOut">
               <a:rPr kumimoji="1" lang="zh-TW" altLang="en-US" smtClean="0"/>
-              <a:t>2019/10/26</a:t>
+              <a:t>2021/1/5</a:t>
             </a:fld>
             <a:endParaRPr kumimoji="1" lang="zh-TW" altLang="en-US"/>
           </a:p>
@@ -4273,7 +4161,7 @@
           <a:p>
             <a:fld id="{2C75088D-383A-FD4D-9806-47C9669AA49E}" type="datetimeFigureOut">
               <a:rPr kumimoji="1" lang="zh-TW" altLang="en-US" smtClean="0"/>
-              <a:t>2019/10/26</a:t>
+              <a:t>2021/1/5</a:t>
             </a:fld>
             <a:endParaRPr kumimoji="1" lang="zh-TW" altLang="en-US"/>
           </a:p>
@@ -4685,7 +4573,7 @@
           <a:p>
             <a:fld id="{2C75088D-383A-FD4D-9806-47C9669AA49E}" type="datetimeFigureOut">
               <a:rPr kumimoji="1" lang="zh-TW" altLang="en-US" smtClean="0"/>
-              <a:t>2019/10/26</a:t>
+              <a:t>2021/1/5</a:t>
             </a:fld>
             <a:endParaRPr kumimoji="1" lang="zh-TW" altLang="en-US"/>
           </a:p>
@@ -4826,7 +4714,7 @@
           <a:p>
             <a:fld id="{2C75088D-383A-FD4D-9806-47C9669AA49E}" type="datetimeFigureOut">
               <a:rPr kumimoji="1" lang="zh-TW" altLang="en-US" smtClean="0"/>
-              <a:t>2019/10/26</a:t>
+              <a:t>2021/1/5</a:t>
             </a:fld>
             <a:endParaRPr kumimoji="1" lang="zh-TW" altLang="en-US"/>
           </a:p>
@@ -4939,7 +4827,7 @@
           <a:p>
             <a:fld id="{2C75088D-383A-FD4D-9806-47C9669AA49E}" type="datetimeFigureOut">
               <a:rPr kumimoji="1" lang="zh-TW" altLang="en-US" smtClean="0"/>
-              <a:t>2019/10/26</a:t>
+              <a:t>2021/1/5</a:t>
             </a:fld>
             <a:endParaRPr kumimoji="1" lang="zh-TW" altLang="en-US"/>
           </a:p>
@@ -5250,7 +5138,7 @@
           <a:p>
             <a:fld id="{2C75088D-383A-FD4D-9806-47C9669AA49E}" type="datetimeFigureOut">
               <a:rPr kumimoji="1" lang="zh-TW" altLang="en-US" smtClean="0"/>
-              <a:t>2019/10/26</a:t>
+              <a:t>2021/1/5</a:t>
             </a:fld>
             <a:endParaRPr kumimoji="1" lang="zh-TW" altLang="en-US"/>
           </a:p>
@@ -5538,7 +5426,7 @@
           <a:p>
             <a:fld id="{2C75088D-383A-FD4D-9806-47C9669AA49E}" type="datetimeFigureOut">
               <a:rPr kumimoji="1" lang="zh-TW" altLang="en-US" smtClean="0"/>
-              <a:t>2019/10/26</a:t>
+              <a:t>2021/1/5</a:t>
             </a:fld>
             <a:endParaRPr kumimoji="1" lang="zh-TW" altLang="en-US"/>
           </a:p>
@@ -5779,7 +5667,7 @@
           <a:p>
             <a:fld id="{2C75088D-383A-FD4D-9806-47C9669AA49E}" type="datetimeFigureOut">
               <a:rPr kumimoji="1" lang="zh-TW" altLang="en-US" smtClean="0"/>
-              <a:t>2019/10/26</a:t>
+              <a:t>2021/1/5</a:t>
             </a:fld>
             <a:endParaRPr kumimoji="1" lang="zh-TW" altLang="en-US"/>
           </a:p>
@@ -6451,7 +6339,7 @@
           <a:p>
             <a:pPr lvl="0"/>
             <a:r>
-              <a:rPr lang="en-US" dirty="0" smtClean="0"/>
+              <a:rPr lang="en-US" dirty="0"/>
               <a:t>Click to edit Master title style</a:t>
             </a:r>
           </a:p>
@@ -6519,35 +6407,35 @@
           <a:p>
             <a:pPr lvl="0"/>
             <a:r>
-              <a:rPr lang="en-US" smtClean="0"/>
+              <a:rPr lang="en-US"/>
               <a:t>Click to edit Master text styles</a:t>
             </a:r>
           </a:p>
           <a:p>
             <a:pPr lvl="1"/>
             <a:r>
-              <a:rPr lang="en-US" smtClean="0"/>
+              <a:rPr lang="en-US"/>
               <a:t>Second level</a:t>
             </a:r>
           </a:p>
           <a:p>
             <a:pPr lvl="2"/>
             <a:r>
-              <a:rPr lang="en-US" smtClean="0"/>
+              <a:rPr lang="en-US"/>
               <a:t>Third level</a:t>
             </a:r>
           </a:p>
           <a:p>
             <a:pPr lvl="3"/>
             <a:r>
-              <a:rPr lang="en-US" smtClean="0"/>
+              <a:rPr lang="en-US"/>
               <a:t>Fourth level</a:t>
             </a:r>
           </a:p>
           <a:p>
             <a:pPr lvl="4"/>
             <a:r>
-              <a:rPr lang="en-US" smtClean="0"/>
+              <a:rPr lang="en-US"/>
               <a:t>Fifth level</a:t>
             </a:r>
           </a:p>
@@ -6618,18 +6506,13 @@
               </a:spcAft>
             </a:pPr>
             <a:r>
-              <a:rPr lang="en-US" sz="800" b="1" dirty="0" smtClean="0">
+              <a:rPr lang="en-US" sz="800" b="1" dirty="0">
                 <a:solidFill>
                   <a:srgbClr val="000000"/>
                 </a:solidFill>
               </a:rPr>
               <a:t>© 2016 HL7 ® International. Licensed under Creative Commons. HL7 &amp; Health Level Seven are registered trademarks of Health Level Seven International. Reg. U.S. TM Office.</a:t>
             </a:r>
-            <a:endParaRPr lang="en-US" sz="800" b="1" dirty="0">
-              <a:solidFill>
-                <a:srgbClr val="000000"/>
-              </a:solidFill>
-            </a:endParaRPr>
           </a:p>
         </p:txBody>
       </p:sp>
@@ -6737,13 +6620,6 @@
     <p:sldLayoutId id="2147483671" r:id="rId10"/>
     <p:sldLayoutId id="2147483672" r:id="rId11"/>
   </p:sldLayoutIdLst>
-  <p:timing>
-    <p:tnLst>
-      <p:par>
-        <p:cTn id="1" dur="indefinite" restart="never" nodeType="tmRoot"/>
-      </p:par>
-    </p:tnLst>
-  </p:timing>
   <p:hf hdr="0" ftr="0" dt="0"/>
   <p:txStyles>
     <p:titleStyle>
@@ -7224,22 +7100,18 @@
           <a:lstStyle/>
           <a:p>
             <a:r>
-              <a:rPr lang="en-US" altLang="zh-TW" dirty="0" smtClean="0"/>
+              <a:rPr lang="en-US" altLang="zh-TW" dirty="0"/>
               <a:t>FHIR</a:t>
             </a:r>
             <a:r>
-              <a:rPr lang="zh-TW" altLang="en-US" dirty="0" smtClean="0"/>
+              <a:rPr lang="zh-TW" altLang="en-US" dirty="0"/>
               <a:t> 活動排程及報名</a:t>
             </a:r>
-            <a:r>
-              <a:rPr lang="en-US" altLang="zh-TW" dirty="0" smtClean="0"/>
-              <a:t/>
-            </a:r>
             <a:br>
-              <a:rPr lang="en-US" altLang="zh-TW" dirty="0" smtClean="0"/>
+              <a:rPr lang="en-US" altLang="zh-TW" dirty="0"/>
             </a:br>
             <a:r>
-              <a:rPr lang="en-US" altLang="zh-TW" dirty="0" smtClean="0"/>
+              <a:rPr lang="en-US" altLang="zh-TW" dirty="0"/>
               <a:t>FHIR scheduling and appointment</a:t>
             </a:r>
             <a:endParaRPr lang="zh-TW" altLang="en-US" dirty="0"/>
@@ -7275,13 +7147,6 @@
   <p:clrMapOvr>
     <a:masterClrMapping/>
   </p:clrMapOvr>
-  <p:timing>
-    <p:tnLst>
-      <p:par>
-        <p:cTn id="1" dur="indefinite" restart="never" nodeType="tmRoot"/>
-      </p:par>
-    </p:tnLst>
-  </p:timing>
 </p:sld>
 </file>
 
@@ -7318,10 +7183,9 @@
           <a:lstStyle/>
           <a:p>
             <a:r>
-              <a:rPr lang="zh-TW" altLang="en-US" dirty="0" smtClean="0"/>
+              <a:rPr lang="zh-TW" altLang="en-US" dirty="0"/>
               <a:t>查詢掛號結果</a:t>
             </a:r>
-            <a:endParaRPr lang="zh-TW" altLang="en-US" dirty="0"/>
           </a:p>
         </p:txBody>
       </p:sp>
@@ -7342,13 +7206,9 @@
           <a:p>
             <a:r>
               <a:rPr lang="zh-TW" altLang="en-US" dirty="0"/>
-              <a:t>民眾查詢個人或家屬之掛號</a:t>
-            </a:r>
-            <a:r>
-              <a:rPr lang="zh-TW" altLang="en-US" dirty="0" smtClean="0"/>
-              <a:t>資訊</a:t>
-            </a:r>
-            <a:endParaRPr lang="en-US" altLang="zh-TW" dirty="0" smtClean="0"/>
+              <a:t>民眾查詢個人或家屬之掛號資訊</a:t>
+            </a:r>
+            <a:endParaRPr lang="en-US" altLang="zh-TW" dirty="0"/>
           </a:p>
           <a:p>
             <a:endParaRPr lang="zh-TW" altLang="en-US" dirty="0"/>
@@ -7356,25 +7216,21 @@
           <a:p>
             <a:r>
               <a:rPr lang="zh-TW" altLang="en-US" dirty="0"/>
-              <a:t>各機構查該機構之掛號</a:t>
-            </a:r>
-            <a:r>
-              <a:rPr lang="zh-TW" altLang="en-US" dirty="0" smtClean="0"/>
-              <a:t>資訊</a:t>
-            </a:r>
-            <a:endParaRPr lang="en-US" altLang="zh-TW" dirty="0" smtClean="0"/>
-          </a:p>
-          <a:p>
-            <a:r>
-              <a:rPr lang="en-US" altLang="zh-TW" dirty="0" smtClean="0"/>
+              <a:t>各機構查該機構之掛號資訊</a:t>
+            </a:r>
+            <a:endParaRPr lang="en-US" altLang="zh-TW" dirty="0"/>
+          </a:p>
+          <a:p>
+            <a:r>
+              <a:rPr lang="en-US" altLang="zh-TW" dirty="0"/>
               <a:t>/</a:t>
             </a:r>
             <a:r>
-              <a:rPr lang="en-US" altLang="zh-TW" dirty="0" err="1" smtClean="0"/>
+              <a:rPr lang="en-US" altLang="zh-TW" dirty="0" err="1"/>
               <a:t>appointment?slot</a:t>
             </a:r>
             <a:r>
-              <a:rPr lang="en-US" altLang="zh-TW" dirty="0" smtClean="0"/>
+              <a:rPr lang="en-US" altLang="zh-TW" dirty="0"/>
               <a:t>=****</a:t>
             </a:r>
             <a:endParaRPr lang="zh-TW" altLang="en-US" dirty="0"/>
@@ -7453,12 +7309,8 @@
           <a:lstStyle/>
           <a:p>
             <a:r>
-              <a:rPr lang="zh-TW" altLang="en-US" dirty="0" smtClean="0"/>
-              <a:t>可</a:t>
-            </a:r>
-            <a:r>
               <a:rPr lang="zh-TW" altLang="en-US" dirty="0"/>
-              <a:t>依據 </a:t>
+              <a:t>可依據 </a:t>
             </a:r>
             <a:r>
               <a:rPr lang="en-US" altLang="zh-TW" dirty="0"/>
@@ -7466,25 +7318,17 @@
             </a:r>
             <a:r>
               <a:rPr lang="zh-TW" altLang="en-US" dirty="0"/>
-              <a:t>官網或測試網站範例</a:t>
-            </a:r>
-            <a:r>
-              <a:rPr lang="zh-TW" altLang="en-US" dirty="0" smtClean="0"/>
-              <a:t>整理</a:t>
-            </a:r>
-            <a:endParaRPr lang="en-US" altLang="zh-TW" dirty="0" smtClean="0"/>
-          </a:p>
-          <a:p>
-            <a:endParaRPr lang="en-US" altLang="zh-TW" dirty="0" smtClean="0"/>
-          </a:p>
-          <a:p>
-            <a:r>
-              <a:rPr lang="zh-TW" altLang="en-US" dirty="0" smtClean="0"/>
-              <a:t>測試</a:t>
-            </a:r>
+              <a:t>官網或測試網站範例整理</a:t>
+            </a:r>
+            <a:endParaRPr lang="en-US" altLang="zh-TW" dirty="0"/>
+          </a:p>
+          <a:p>
+            <a:endParaRPr lang="en-US" altLang="zh-TW" dirty="0"/>
+          </a:p>
+          <a:p>
             <a:r>
               <a:rPr lang="zh-TW" altLang="en-US" dirty="0"/>
-              <a:t>網站範例</a:t>
+              <a:t>測試網站範例</a:t>
             </a:r>
             <a:endParaRPr lang="en-US" altLang="zh-TW" dirty="0"/>
           </a:p>
@@ -7584,27 +7428,19 @@
           <a:lstStyle/>
           <a:p>
             <a:r>
-              <a:rPr lang="zh-TW" altLang="en-US" dirty="0" smtClean="0"/>
-              <a:t>新增、修改、及刪除特定</a:t>
-            </a:r>
-            <a:r>
               <a:rPr lang="zh-TW" altLang="en-US" dirty="0"/>
-              <a:t>的 </a:t>
-            </a:r>
-            <a:r>
-              <a:rPr lang="en-US" altLang="zh-TW" dirty="0" smtClean="0"/>
+              <a:t>新增、修改、及刪除特定的 </a:t>
+            </a:r>
+            <a:r>
+              <a:rPr lang="en-US" altLang="zh-TW" dirty="0"/>
               <a:t>resource</a:t>
             </a:r>
           </a:p>
           <a:p>
             <a:pPr lvl="1"/>
             <a:r>
-              <a:rPr lang="zh-TW" altLang="en-US" dirty="0" smtClean="0"/>
-              <a:t>基於</a:t>
-            </a:r>
-            <a:r>
               <a:rPr lang="zh-TW" altLang="en-US" dirty="0"/>
-              <a:t>標準 </a:t>
+              <a:t>基於標準 </a:t>
             </a:r>
             <a:r>
               <a:rPr lang="en-US" altLang="zh-TW" dirty="0"/>
@@ -7626,12 +7462,8 @@
               <a:t>Post </a:t>
             </a:r>
             <a:r>
-              <a:rPr lang="zh-TW" altLang="en-US" dirty="0" smtClean="0"/>
-              <a:t>新增前</a:t>
-            </a:r>
-            <a:r>
               <a:rPr lang="zh-TW" altLang="en-US" dirty="0"/>
-              <a:t>需注意事項</a:t>
+              <a:t>新增前需注意事項</a:t>
             </a:r>
             <a:r>
               <a:rPr lang="en-US" altLang="zh-TW" dirty="0"/>
@@ -7717,37 +7549,33 @@
           <a:p>
             <a:pPr algn="ctr"/>
             <a:r>
-              <a:rPr lang="en-US" altLang="zh-TW" sz="4800" b="1" dirty="0" smtClean="0">
+              <a:rPr lang="en-US" altLang="zh-TW" sz="4800" b="1" dirty="0">
                 <a:latin typeface="+mn-ea"/>
                 <a:ea typeface="+mn-ea"/>
               </a:rPr>
               <a:t>FHIR</a:t>
             </a:r>
             <a:r>
-              <a:rPr lang="zh-TW" altLang="en-US" sz="4800" b="1" dirty="0" smtClean="0">
+              <a:rPr lang="zh-TW" altLang="en-US" sz="4800" b="1" dirty="0">
                 <a:latin typeface="+mn-ea"/>
                 <a:ea typeface="+mn-ea"/>
               </a:rPr>
               <a:t> </a:t>
             </a:r>
             <a:r>
-              <a:rPr lang="en-US" altLang="zh-TW" sz="4800" b="1" dirty="0" smtClean="0">
+              <a:rPr lang="en-US" altLang="zh-TW" sz="4800" b="1" dirty="0">
                 <a:latin typeface="+mn-ea"/>
                 <a:ea typeface="+mn-ea"/>
               </a:rPr>
               <a:t>resource </a:t>
             </a:r>
             <a:r>
-              <a:rPr lang="zh-TW" altLang="en-US" sz="4800" b="1" dirty="0" smtClean="0">
+              <a:rPr lang="zh-TW" altLang="en-US" sz="4800" b="1" dirty="0">
                 <a:latin typeface="+mn-ea"/>
                 <a:ea typeface="+mn-ea"/>
               </a:rPr>
               <a:t>查詢</a:t>
             </a:r>
-            <a:endParaRPr lang="zh-TW" altLang="en-US" sz="4800" b="1" dirty="0">
-              <a:latin typeface="+mn-ea"/>
-              <a:ea typeface="+mn-ea"/>
-            </a:endParaRPr>
           </a:p>
         </p:txBody>
       </p:sp>
@@ -7774,28 +7602,22 @@
           <a:lstStyle/>
           <a:p>
             <a:r>
-              <a:rPr lang="zh-TW" altLang="en-US" sz="3200" dirty="0" smtClean="0">
+              <a:rPr lang="zh-TW" altLang="en-US" sz="3200" dirty="0">
                 <a:latin typeface="+mn-ea"/>
               </a:rPr>
               <a:t>病人資料查詢</a:t>
             </a:r>
-            <a:endParaRPr lang="en-US" altLang="zh-TW" sz="3200" dirty="0" smtClean="0">
+            <a:endParaRPr lang="en-US" altLang="zh-TW" sz="3200" dirty="0">
               <a:latin typeface="+mn-ea"/>
             </a:endParaRPr>
           </a:p>
           <a:p>
             <a:pPr lvl="1"/>
-            <a:r>
-              <a:rPr lang="zh-TW" altLang="en-US" sz="2800" dirty="0" smtClean="0">
-                <a:latin typeface="+mn-ea"/>
-              </a:rPr>
-              <a:t>此</a:t>
-            </a:r>
             <a:r>
               <a:rPr lang="zh-TW" altLang="en-US" sz="2800" dirty="0">
                 <a:latin typeface="+mn-ea"/>
               </a:rPr>
-              <a:t>醫院的病人列表</a:t>
+              <a:t>此醫院的病人列表</a:t>
             </a:r>
           </a:p>
           <a:p>
@@ -7879,14 +7701,11 @@
               <a:t>查不到</a:t>
             </a:r>
             <a:r>
-              <a:rPr lang="en-US" altLang="zh-TW" sz="2400" dirty="0" smtClean="0">
+              <a:rPr lang="en-US" altLang="zh-TW" sz="2400" dirty="0">
                 <a:latin typeface="+mn-ea"/>
               </a:rPr>
               <a:t>)</a:t>
             </a:r>
-            <a:endParaRPr lang="en-US" altLang="zh-TW" sz="2400" dirty="0">
-              <a:latin typeface="+mn-ea"/>
-            </a:endParaRPr>
           </a:p>
         </p:txBody>
       </p:sp>
@@ -7900,13 +7719,6 @@
   <p:clrMapOvr>
     <a:masterClrMapping/>
   </p:clrMapOvr>
-  <p:timing>
-    <p:tnLst>
-      <p:par>
-        <p:cTn id="1" dur="indefinite" restart="never" nodeType="tmRoot"/>
-      </p:par>
-    </p:tnLst>
-  </p:timing>
 </p:sld>
 </file>
 
@@ -7951,37 +7763,33 @@
           <a:p>
             <a:pPr algn="ctr"/>
             <a:r>
-              <a:rPr lang="en-US" altLang="zh-TW" sz="4800" b="1" dirty="0" smtClean="0">
+              <a:rPr lang="en-US" altLang="zh-TW" sz="4800" b="1" dirty="0">
                 <a:latin typeface="+mn-ea"/>
                 <a:ea typeface="+mn-ea"/>
               </a:rPr>
               <a:t>FHIR</a:t>
             </a:r>
             <a:r>
-              <a:rPr lang="zh-TW" altLang="en-US" sz="4800" b="1" dirty="0" smtClean="0">
+              <a:rPr lang="zh-TW" altLang="en-US" sz="4800" b="1" dirty="0">
                 <a:latin typeface="+mn-ea"/>
                 <a:ea typeface="+mn-ea"/>
               </a:rPr>
               <a:t> </a:t>
             </a:r>
             <a:r>
-              <a:rPr lang="en-US" altLang="zh-TW" sz="4800" b="1" dirty="0" smtClean="0">
+              <a:rPr lang="en-US" altLang="zh-TW" sz="4800" b="1" dirty="0">
                 <a:latin typeface="+mn-ea"/>
                 <a:ea typeface="+mn-ea"/>
               </a:rPr>
               <a:t>resource </a:t>
             </a:r>
             <a:r>
-              <a:rPr lang="zh-TW" altLang="en-US" sz="4800" b="1" dirty="0" smtClean="0">
+              <a:rPr lang="zh-TW" altLang="en-US" sz="4800" b="1" dirty="0">
                 <a:latin typeface="+mn-ea"/>
                 <a:ea typeface="+mn-ea"/>
               </a:rPr>
               <a:t>查詢</a:t>
             </a:r>
-            <a:endParaRPr lang="zh-TW" altLang="en-US" sz="4800" b="1" dirty="0">
-              <a:latin typeface="+mn-ea"/>
-              <a:ea typeface="+mn-ea"/>
-            </a:endParaRPr>
           </a:p>
         </p:txBody>
       </p:sp>
@@ -8008,28 +7816,22 @@
           <a:lstStyle/>
           <a:p>
             <a:r>
-              <a:rPr lang="zh-TW" altLang="en-US" sz="3200" dirty="0" smtClean="0">
+              <a:rPr lang="zh-TW" altLang="en-US" sz="3200" dirty="0">
                 <a:latin typeface="+mn-ea"/>
               </a:rPr>
               <a:t>看診資訊查詢</a:t>
             </a:r>
-            <a:endParaRPr lang="en-US" altLang="zh-TW" sz="3200" dirty="0" smtClean="0">
+            <a:endParaRPr lang="en-US" altLang="zh-TW" sz="3200" dirty="0">
               <a:latin typeface="+mn-ea"/>
             </a:endParaRPr>
           </a:p>
           <a:p>
             <a:pPr lvl="1"/>
-            <a:r>
-              <a:rPr lang="zh-TW" altLang="en-US" sz="2800" dirty="0" smtClean="0">
-                <a:latin typeface="+mn-ea"/>
-              </a:rPr>
-              <a:t>某</a:t>
-            </a:r>
             <a:r>
               <a:rPr lang="zh-TW" altLang="en-US" sz="2800" dirty="0">
                 <a:latin typeface="+mn-ea"/>
               </a:rPr>
-              <a:t>班表包含的時段</a:t>
+              <a:t>某班表包含的時段</a:t>
             </a:r>
           </a:p>
           <a:p>
@@ -8044,16 +7846,10 @@
           <a:p>
             <a:pPr lvl="1"/>
             <a:r>
-              <a:rPr lang="zh-TW" altLang="en-US" sz="2800" dirty="0" smtClean="0">
-                <a:latin typeface="+mn-ea"/>
-              </a:rPr>
-              <a:t>查詢</a:t>
-            </a:r>
-            <a:r>
               <a:rPr lang="zh-TW" altLang="en-US" sz="2800" dirty="0">
                 <a:latin typeface="+mn-ea"/>
               </a:rPr>
-              <a:t>某時段之小兒科醫師</a:t>
+              <a:t>查詢某時段之小兒科醫師</a:t>
             </a:r>
             <a:r>
               <a:rPr lang="en-US" altLang="zh-TW" sz="2800" dirty="0">
@@ -8082,45 +7878,21 @@
           </a:p>
           <a:p>
             <a:r>
-              <a:rPr lang="zh-TW" altLang="en-US" sz="3200" dirty="0" smtClean="0">
-                <a:latin typeface="+mn-ea"/>
-              </a:rPr>
-              <a:t>掛</a:t>
-            </a:r>
-            <a:r>
               <a:rPr lang="zh-TW" altLang="en-US" sz="3200" dirty="0">
                 <a:latin typeface="+mn-ea"/>
               </a:rPr>
-              <a:t>號</a:t>
-            </a:r>
-            <a:r>
-              <a:rPr lang="zh-TW" altLang="en-US" sz="3200" dirty="0" smtClean="0">
-                <a:latin typeface="+mn-ea"/>
-              </a:rPr>
-              <a:t>資料查</a:t>
-            </a:r>
+              <a:t>掛號資料查詢</a:t>
+            </a:r>
+            <a:endParaRPr lang="en-US" altLang="zh-TW" sz="3200" dirty="0">
+              <a:latin typeface="+mn-ea"/>
+            </a:endParaRPr>
+          </a:p>
+          <a:p>
             <a:r>
               <a:rPr lang="zh-TW" altLang="en-US" sz="3200" dirty="0">
                 <a:latin typeface="+mn-ea"/>
               </a:rPr>
-              <a:t>詢</a:t>
-            </a:r>
-            <a:endParaRPr lang="en-US" altLang="zh-TW" sz="3200" dirty="0" smtClean="0">
-              <a:latin typeface="+mn-ea"/>
-            </a:endParaRPr>
-          </a:p>
-          <a:p>
-            <a:r>
-              <a:rPr lang="zh-TW" altLang="en-US" sz="3200" dirty="0" smtClean="0">
-                <a:latin typeface="+mn-ea"/>
-              </a:rPr>
-              <a:t>查</a:t>
-            </a:r>
-            <a:r>
-              <a:rPr lang="zh-TW" altLang="en-US" sz="3200" dirty="0">
-                <a:latin typeface="+mn-ea"/>
-              </a:rPr>
-              <a:t>某時段之掛號病人</a:t>
+              <a:t>查某時段之掛號病人</a:t>
             </a:r>
           </a:p>
           <a:p>
@@ -8130,39 +7902,20 @@
                 <a:latin typeface="+mn-ea"/>
                 <a:hlinkClick r:id="rId2"/>
               </a:rPr>
-              <a:t>http://</a:t>
-            </a:r>
-            <a:r>
-              <a:rPr lang="en-US" altLang="zh-TW" sz="2800" dirty="0" smtClean="0">
-                <a:latin typeface="+mn-ea"/>
-                <a:hlinkClick r:id="rId2"/>
-              </a:rPr>
-              <a:t>hapi.fhir.org/baseR4/Appointment?slot=123</a:t>
-            </a:r>
-            <a:endParaRPr lang="en-US" altLang="zh-TW" sz="2800" dirty="0" smtClean="0">
+              <a:t>http://hapi.fhir.org/baseR4/Appointment?slot=123</a:t>
+            </a:r>
+            <a:endParaRPr lang="en-US" altLang="zh-TW" sz="2800" dirty="0">
               <a:latin typeface="+mn-ea"/>
             </a:endParaRPr>
           </a:p>
           <a:p>
-            <a:r>
-              <a:rPr lang="zh-TW" altLang="en-US" sz="3600" dirty="0" smtClean="0">
-                <a:latin typeface="+mn-ea"/>
-              </a:rPr>
-              <a:t>查詢</a:t>
-            </a:r>
             <a:r>
               <a:rPr lang="zh-TW" altLang="en-US" sz="3600" dirty="0">
                 <a:latin typeface="+mn-ea"/>
               </a:rPr>
-              <a:t>某一病人之掛號</a:t>
-            </a:r>
-            <a:r>
-              <a:rPr lang="zh-TW" altLang="en-US" sz="3600" dirty="0" smtClean="0">
-                <a:latin typeface="+mn-ea"/>
-              </a:rPr>
-              <a:t>資料</a:t>
-            </a:r>
-            <a:endParaRPr lang="en-US" altLang="zh-TW" sz="3600" dirty="0" smtClean="0">
+              <a:t>查詢某一病人之掛號資料</a:t>
+            </a:r>
+            <a:endParaRPr lang="en-US" altLang="zh-TW" sz="3600" dirty="0">
               <a:latin typeface="+mn-ea"/>
             </a:endParaRPr>
           </a:p>
@@ -8172,13 +7925,7 @@
               <a:rPr lang="en-US" altLang="zh-TW" sz="2800" dirty="0">
                 <a:latin typeface="+mn-ea"/>
               </a:rPr>
-              <a:t>http://</a:t>
-            </a:r>
-            <a:r>
-              <a:rPr lang="en-US" altLang="zh-TW" sz="2800" dirty="0" smtClean="0">
-                <a:latin typeface="+mn-ea"/>
-              </a:rPr>
-              <a:t>hapi.fhir.org/baseR4/Appointment?patient=123</a:t>
+              <a:t>http://hapi.fhir.org/baseR4/Appointment?patient=123</a:t>
             </a:r>
             <a:endParaRPr lang="zh-TW" altLang="en-US" sz="2800" dirty="0">
               <a:latin typeface="+mn-ea"/>
@@ -8202,13 +7949,6 @@
   <p:clrMapOvr>
     <a:masterClrMapping/>
   </p:clrMapOvr>
-  <p:timing>
-    <p:tnLst>
-      <p:par>
-        <p:cTn id="1" dur="indefinite" restart="never" nodeType="tmRoot"/>
-      </p:par>
-    </p:tnLst>
-  </p:timing>
 </p:sld>
 </file>
 
@@ -8253,39 +7993,18 @@
           <a:p>
             <a:pPr algn="ctr"/>
             <a:r>
-              <a:rPr lang="en-US" altLang="zh-TW" sz="4800" b="1" dirty="0" smtClean="0">
-                <a:latin typeface="+mn-ea"/>
-                <a:ea typeface="+mn-ea"/>
-              </a:rPr>
-              <a:t>FHIR </a:t>
-            </a:r>
-            <a:r>
               <a:rPr lang="en-US" altLang="zh-TW" sz="4800" b="1" dirty="0">
                 <a:latin typeface="+mn-ea"/>
                 <a:ea typeface="+mn-ea"/>
               </a:rPr>
-              <a:t>scheduling and </a:t>
-            </a:r>
-            <a:r>
-              <a:rPr lang="en-US" altLang="zh-TW" sz="4800" b="1" dirty="0" smtClean="0">
-                <a:latin typeface="+mn-ea"/>
-                <a:ea typeface="+mn-ea"/>
-              </a:rPr>
-              <a:t>appointment </a:t>
-            </a:r>
-            <a:r>
-              <a:rPr lang="zh-TW" altLang="en-US" sz="4800" b="1" dirty="0" smtClean="0">
-                <a:latin typeface="+mn-ea"/>
-                <a:ea typeface="+mn-ea"/>
-              </a:rPr>
-              <a:t>應用</a:t>
+              <a:t>FHIR scheduling and appointment </a:t>
             </a:r>
             <a:r>
               <a:rPr lang="zh-TW" altLang="en-US" sz="4800" b="1" dirty="0">
                 <a:latin typeface="+mn-ea"/>
                 <a:ea typeface="+mn-ea"/>
               </a:rPr>
-              <a:t>情境</a:t>
+              <a:t>應用情境</a:t>
             </a:r>
             <a:br>
               <a:rPr lang="zh-TW" altLang="en-US" sz="4800" b="1" dirty="0">
@@ -8323,171 +8042,81 @@
           <a:lstStyle/>
           <a:p>
             <a:r>
-              <a:rPr lang="zh-TW" altLang="en-US" dirty="0" smtClean="0">
-                <a:latin typeface="+mn-ea"/>
-              </a:rPr>
-              <a:t>看病</a:t>
-            </a:r>
-            <a:r>
-              <a:rPr lang="zh-TW" altLang="en-US" dirty="0" smtClean="0">
-                <a:latin typeface="+mn-ea"/>
-              </a:rPr>
-              <a:t>、檢查、或其他健康服務掛號</a:t>
-            </a:r>
-            <a:endParaRPr lang="en-US" altLang="zh-TW" dirty="0" smtClean="0">
-              <a:latin typeface="+mn-ea"/>
-            </a:endParaRPr>
-          </a:p>
-          <a:p>
-            <a:pPr lvl="1"/>
-            <a:r>
-              <a:rPr lang="zh-TW" altLang="en-US" dirty="0" smtClean="0">
-                <a:latin typeface="+mn-ea"/>
-              </a:rPr>
-              <a:t>如</a:t>
-            </a:r>
-            <a:r>
               <a:rPr lang="zh-TW" altLang="en-US" dirty="0">
                 <a:latin typeface="+mn-ea"/>
               </a:rPr>
-              <a:t>復</a:t>
-            </a:r>
-            <a:r>
-              <a:rPr lang="zh-TW" altLang="en-US" dirty="0" smtClean="0">
-                <a:latin typeface="+mn-ea"/>
-              </a:rPr>
-              <a:t>健中心</a:t>
-            </a:r>
+              <a:t>看病、檢查、或其他健康服務掛號</a:t>
+            </a:r>
+            <a:endParaRPr lang="en-US" altLang="zh-TW" dirty="0">
+              <a:latin typeface="+mn-ea"/>
+            </a:endParaRPr>
+          </a:p>
+          <a:p>
+            <a:pPr lvl="1"/>
             <a:r>
               <a:rPr lang="zh-TW" altLang="en-US" dirty="0">
                 <a:latin typeface="+mn-ea"/>
               </a:rPr>
-              <a:t>復</a:t>
-            </a:r>
-            <a:r>
-              <a:rPr lang="zh-TW" altLang="en-US" dirty="0" smtClean="0">
-                <a:latin typeface="+mn-ea"/>
-              </a:rPr>
-              <a:t>健、影像</a:t>
-            </a:r>
-            <a:r>
-              <a:rPr lang="zh-TW" altLang="en-US" dirty="0" smtClean="0">
-                <a:latin typeface="+mn-ea"/>
-              </a:rPr>
-              <a:t>檢查</a:t>
-            </a:r>
-            <a:r>
-              <a:rPr lang="zh-TW" altLang="en-US" dirty="0" smtClean="0">
-                <a:latin typeface="+mn-ea"/>
-              </a:rPr>
-              <a:t>、</a:t>
-            </a:r>
-            <a:r>
-              <a:rPr lang="zh-TW" altLang="en-US" dirty="0" smtClean="0">
-                <a:latin typeface="+mn-ea"/>
-              </a:rPr>
-              <a:t>遠</a:t>
-            </a:r>
-            <a:r>
-              <a:rPr lang="zh-TW" altLang="en-US" dirty="0" smtClean="0">
-                <a:latin typeface="+mn-ea"/>
-              </a:rPr>
-              <a:t>距</a:t>
-            </a:r>
-            <a:r>
-              <a:rPr lang="zh-TW" altLang="en-US" dirty="0" smtClean="0">
-                <a:latin typeface="+mn-ea"/>
-              </a:rPr>
-              <a:t>諮詢等</a:t>
-            </a:r>
-            <a:endParaRPr lang="en-US" altLang="zh-TW" dirty="0" smtClean="0">
+              <a:t>如復健中心復健、影像檢查、遠距諮詢等</a:t>
+            </a:r>
+            <a:endParaRPr lang="en-US" altLang="zh-TW" dirty="0">
               <a:latin typeface="+mn-ea"/>
             </a:endParaRPr>
           </a:p>
           <a:p>
             <a:pPr lvl="1"/>
-            <a:r>
-              <a:rPr lang="zh-TW" altLang="en-US" dirty="0" smtClean="0">
-                <a:latin typeface="+mn-ea"/>
-              </a:rPr>
-              <a:t>有不少熱心</a:t>
-            </a:r>
-            <a:r>
-              <a:rPr lang="zh-TW" altLang="en-US" dirty="0" smtClean="0">
-                <a:latin typeface="+mn-ea"/>
-              </a:rPr>
-              <a:t>醫師</a:t>
-            </a:r>
             <a:r>
               <a:rPr lang="zh-TW" altLang="en-US" dirty="0">
                 <a:latin typeface="+mn-ea"/>
               </a:rPr>
-              <a:t>願意提供遠距</a:t>
-            </a:r>
-            <a:r>
-              <a:rPr lang="zh-TW" altLang="en-US" dirty="0" smtClean="0">
-                <a:latin typeface="+mn-ea"/>
-              </a:rPr>
-              <a:t>諮詢</a:t>
-            </a:r>
-            <a:endParaRPr lang="en-US" altLang="zh-TW" dirty="0" smtClean="0">
+              <a:t>有不少熱心醫師願意提供遠距諮詢</a:t>
+            </a:r>
+            <a:endParaRPr lang="en-US" altLang="zh-TW" dirty="0">
               <a:latin typeface="+mn-ea"/>
             </a:endParaRPr>
           </a:p>
           <a:p>
             <a:r>
-              <a:rPr lang="zh-TW" altLang="en-US" dirty="0" smtClean="0">
+              <a:rPr lang="zh-TW" altLang="en-US" dirty="0">
                 <a:latin typeface="+mn-ea"/>
               </a:rPr>
               <a:t>服務時間預約及排程</a:t>
             </a:r>
-            <a:endParaRPr lang="en-US" altLang="zh-TW" dirty="0" smtClean="0">
+            <a:endParaRPr lang="en-US" altLang="zh-TW" dirty="0">
               <a:latin typeface="+mn-ea"/>
             </a:endParaRPr>
           </a:p>
           <a:p>
             <a:pPr lvl="1"/>
             <a:r>
-              <a:rPr lang="zh-TW" altLang="en-US" dirty="0" smtClean="0">
+              <a:rPr lang="zh-TW" altLang="en-US" dirty="0">
                 <a:latin typeface="+mn-ea"/>
               </a:rPr>
               <a:t>如派車、居家護理、居家服務等</a:t>
             </a:r>
-            <a:endParaRPr lang="en-US" altLang="zh-TW" dirty="0" smtClean="0">
+            <a:endParaRPr lang="en-US" altLang="zh-TW" dirty="0">
               <a:latin typeface="+mn-ea"/>
             </a:endParaRPr>
           </a:p>
           <a:p>
-            <a:r>
-              <a:rPr lang="zh-TW" altLang="en-US" dirty="0" smtClean="0">
-                <a:latin typeface="+mn-ea"/>
-              </a:rPr>
-              <a:t>各式</a:t>
-            </a:r>
             <a:r>
               <a:rPr lang="zh-TW" altLang="en-US" dirty="0">
                 <a:latin typeface="+mn-ea"/>
               </a:rPr>
-              <a:t>活動排程及預約</a:t>
-            </a:r>
-            <a:r>
-              <a:rPr lang="zh-TW" altLang="en-US" dirty="0" smtClean="0">
-                <a:latin typeface="+mn-ea"/>
-              </a:rPr>
-              <a:t>報名</a:t>
-            </a:r>
-            <a:endParaRPr lang="en-US" altLang="zh-TW" dirty="0" smtClean="0">
+              <a:t>各式活動排程及預約報名</a:t>
+            </a:r>
+            <a:endParaRPr lang="en-US" altLang="zh-TW" dirty="0">
               <a:latin typeface="+mn-ea"/>
             </a:endParaRPr>
           </a:p>
           <a:p>
             <a:r>
-              <a:rPr lang="zh-TW" altLang="en-US" dirty="0" smtClean="0">
+              <a:rPr lang="zh-TW" altLang="en-US" dirty="0">
                 <a:latin typeface="+mn-ea"/>
               </a:rPr>
               <a:t>排定課程時間表及選課</a:t>
             </a:r>
-            <a:endParaRPr lang="en-US" altLang="zh-TW" dirty="0" smtClean="0">
+            <a:endParaRPr lang="en-US" altLang="zh-TW" dirty="0">
               <a:latin typeface="+mn-ea"/>
             </a:endParaRPr>
           </a:p>
@@ -8503,13 +8132,6 @@
   <p:clrMapOvr>
     <a:masterClrMapping/>
   </p:clrMapOvr>
-  <p:timing>
-    <p:tnLst>
-      <p:par>
-        <p:cTn id="1" dur="indefinite" restart="never" nodeType="tmRoot"/>
-      </p:par>
-    </p:tnLst>
-  </p:timing>
 </p:sld>
 </file>
 
@@ -8546,20 +8168,16 @@
           <a:lstStyle/>
           <a:p>
             <a:r>
-              <a:rPr lang="zh-TW" altLang="en-US" dirty="0" smtClean="0"/>
+              <a:rPr lang="zh-TW" altLang="en-US" dirty="0"/>
               <a:t>應用情境範例</a:t>
             </a:r>
             <a:r>
-              <a:rPr lang="en-US" altLang="zh-TW" dirty="0" smtClean="0"/>
+              <a:rPr lang="en-US" altLang="zh-TW" dirty="0"/>
               <a:t>:</a:t>
             </a:r>
             <a:r>
-              <a:rPr lang="zh-TW" altLang="en-US" dirty="0" smtClean="0"/>
-              <a:t> 統一之網路</a:t>
-            </a:r>
-            <a:r>
               <a:rPr lang="zh-TW" altLang="en-US" dirty="0"/>
-              <a:t>掛號平台</a:t>
+              <a:t> 統一之網路掛號平台</a:t>
             </a:r>
           </a:p>
         </p:txBody>
@@ -8580,76 +8198,43 @@
           <a:lstStyle/>
           <a:p>
             <a:r>
-              <a:rPr lang="zh-TW" altLang="en-US" dirty="0" smtClean="0"/>
+              <a:rPr lang="zh-TW" altLang="en-US" dirty="0"/>
               <a:t>解決不同醫院就醫，需使用不同掛號系統造成的不便</a:t>
             </a:r>
-            <a:endParaRPr lang="en-US" altLang="zh-TW" dirty="0" smtClean="0"/>
+            <a:endParaRPr lang="en-US" altLang="zh-TW" dirty="0"/>
           </a:p>
           <a:p>
             <a:pPr lvl="1"/>
             <a:r>
-              <a:rPr lang="zh-TW" altLang="en-US" dirty="0" smtClean="0"/>
-              <a:t>利於民眾</a:t>
-            </a:r>
-            <a:r>
               <a:rPr lang="zh-TW" altLang="en-US" dirty="0"/>
-              <a:t>從此平台</a:t>
-            </a:r>
-            <a:r>
-              <a:rPr lang="zh-TW" altLang="en-US" dirty="0" smtClean="0"/>
-              <a:t>，選擇</a:t>
-            </a:r>
+              <a:t>利於民眾從此平台，選擇方便的時間及醫院預約掛號</a:t>
+            </a:r>
+            <a:endParaRPr lang="en-US" altLang="zh-TW" dirty="0"/>
+          </a:p>
+          <a:p>
+            <a:endParaRPr lang="en-US" altLang="zh-TW" dirty="0"/>
+          </a:p>
+          <a:p>
             <a:r>
               <a:rPr lang="zh-TW" altLang="en-US" dirty="0"/>
-              <a:t>方便的時間及醫院預約掛號</a:t>
-            </a:r>
-            <a:endParaRPr lang="en-US" altLang="zh-TW" dirty="0" smtClean="0"/>
-          </a:p>
-          <a:p>
-            <a:endParaRPr lang="en-US" altLang="zh-TW" dirty="0" smtClean="0"/>
-          </a:p>
-          <a:p>
-            <a:r>
-              <a:rPr lang="zh-TW" altLang="en-US" dirty="0" smtClean="0"/>
               <a:t>幫小診所或健康醫療單位建立網路掛號服務</a:t>
             </a:r>
-            <a:endParaRPr lang="en-US" altLang="zh-TW" dirty="0" smtClean="0"/>
+            <a:endParaRPr lang="en-US" altLang="zh-TW" dirty="0"/>
           </a:p>
           <a:p>
             <a:pPr lvl="1"/>
             <a:r>
               <a:rPr lang="zh-TW" altLang="en-US" dirty="0"/>
-              <a:t>診所及</a:t>
-            </a:r>
-            <a:r>
-              <a:rPr lang="zh-TW" altLang="en-US" dirty="0" smtClean="0"/>
-              <a:t>小型機構</a:t>
-            </a:r>
+              <a:t>診所及小型機構，往往無資訊人力建立及維護醫資系統</a:t>
+            </a:r>
+            <a:endParaRPr lang="en-US" altLang="zh-TW" dirty="0"/>
+          </a:p>
+          <a:p>
+            <a:pPr lvl="1"/>
             <a:r>
               <a:rPr lang="zh-TW" altLang="en-US" dirty="0"/>
-              <a:t>，往往無資訊人力建立及維護醫資</a:t>
-            </a:r>
-            <a:r>
-              <a:rPr lang="zh-TW" altLang="en-US" dirty="0" smtClean="0"/>
-              <a:t>系統</a:t>
-            </a:r>
-            <a:endParaRPr lang="en-US" altLang="zh-TW" dirty="0" smtClean="0"/>
-          </a:p>
-          <a:p>
-            <a:pPr lvl="1"/>
-            <a:r>
-              <a:rPr lang="zh-TW" altLang="en-US" dirty="0" smtClean="0"/>
-              <a:t>可用統一之平台提供網路</a:t>
-            </a:r>
-            <a:r>
-              <a:rPr lang="zh-TW" altLang="en-US" dirty="0"/>
-              <a:t>掛號</a:t>
-            </a:r>
-            <a:r>
-              <a:rPr lang="zh-TW" altLang="en-US" dirty="0" smtClean="0"/>
-              <a:t>機制</a:t>
-            </a:r>
-            <a:endParaRPr lang="zh-TW" altLang="en-US" dirty="0"/>
+              <a:t>可用統一之平台提供網路掛號機制</a:t>
+            </a:r>
           </a:p>
         </p:txBody>
       </p:sp>
@@ -8663,13 +8248,6 @@
   <p:clrMapOvr>
     <a:masterClrMapping/>
   </p:clrMapOvr>
-  <p:timing>
-    <p:tnLst>
-      <p:par>
-        <p:cTn id="1" dur="indefinite" restart="never" nodeType="tmRoot"/>
-      </p:par>
-    </p:tnLst>
-  </p:timing>
 </p:sld>
 </file>
 
@@ -8753,13 +8331,9 @@
             </a:r>
             <a:r>
               <a:rPr lang="zh-TW" altLang="en-US" dirty="0"/>
-              <a:t>介面讓病人線上</a:t>
-            </a:r>
-            <a:r>
-              <a:rPr lang="zh-TW" altLang="en-US" dirty="0" smtClean="0"/>
-              <a:t>掛號</a:t>
-            </a:r>
-            <a:endParaRPr lang="en-US" altLang="zh-TW" dirty="0" smtClean="0"/>
+              <a:t>介面讓病人線上掛號</a:t>
+            </a:r>
+            <a:endParaRPr lang="en-US" altLang="zh-TW" dirty="0"/>
           </a:p>
           <a:p>
             <a:pPr lvl="1"/>
@@ -8768,18 +8342,17 @@
           <a:p>
             <a:pPr lvl="1"/>
             <a:r>
-              <a:rPr lang="zh-TW" altLang="en-US" dirty="0" smtClean="0"/>
+              <a:rPr lang="zh-TW" altLang="en-US" dirty="0"/>
               <a:t>民眾可查特定科別之近期看診醫師或提供服務之機構</a:t>
             </a:r>
-            <a:endParaRPr lang="en-US" altLang="zh-TW" dirty="0" smtClean="0"/>
+            <a:endParaRPr lang="en-US" altLang="zh-TW" dirty="0"/>
           </a:p>
           <a:p>
             <a:pPr lvl="2"/>
             <a:r>
-              <a:rPr lang="zh-TW" altLang="en-US" dirty="0" smtClean="0"/>
+              <a:rPr lang="zh-TW" altLang="en-US" dirty="0"/>
               <a:t>如牙科、小兒科、眼科、復健科等</a:t>
             </a:r>
-            <a:endParaRPr lang="zh-TW" altLang="en-US" dirty="0"/>
           </a:p>
         </p:txBody>
       </p:sp>
@@ -8793,13 +8366,6 @@
   <p:clrMapOvr>
     <a:masterClrMapping/>
   </p:clrMapOvr>
-  <p:timing>
-    <p:tnLst>
-      <p:par>
-        <p:cTn id="1" dur="indefinite" restart="never" nodeType="tmRoot"/>
-      </p:par>
-    </p:tnLst>
-  </p:timing>
 </p:sld>
 </file>
 
@@ -8836,10 +8402,6 @@
           <a:lstStyle/>
           <a:p>
             <a:pPr algn="ctr"/>
-            <a:r>
-              <a:rPr lang="zh-TW" altLang="en-US" dirty="0"/>
-              <a:t/>
-            </a:r>
             <a:br>
               <a:rPr lang="zh-TW" altLang="en-US" dirty="0"/>
             </a:br>
@@ -8866,27 +8428,15 @@
           <a:lstStyle/>
           <a:p>
             <a:r>
-              <a:rPr lang="zh-TW" altLang="en-US" dirty="0" smtClean="0"/>
-              <a:t>醫院</a:t>
-            </a:r>
-            <a:r>
               <a:rPr lang="zh-TW" altLang="en-US" dirty="0"/>
-              <a:t>人員增修門診時間表</a:t>
-            </a:r>
-            <a:r>
-              <a:rPr lang="zh-TW" altLang="en-US" dirty="0" smtClean="0"/>
-              <a:t>介面</a:t>
-            </a:r>
-            <a:endParaRPr lang="en-US" altLang="zh-TW" dirty="0" smtClean="0"/>
-          </a:p>
-          <a:p>
-            <a:r>
-              <a:rPr lang="zh-TW" altLang="en-US" dirty="0" smtClean="0"/>
-              <a:t>民眾</a:t>
-            </a:r>
+              <a:t>醫院人員增修門診時間表介面</a:t>
+            </a:r>
+            <a:endParaRPr lang="en-US" altLang="zh-TW" dirty="0"/>
+          </a:p>
+          <a:p>
             <a:r>
               <a:rPr lang="zh-TW" altLang="en-US" dirty="0"/>
-              <a:t>註冊帳號及病人基本資料</a:t>
+              <a:t>民眾註冊帳號及病人基本資料</a:t>
             </a:r>
           </a:p>
           <a:p>
@@ -8906,17 +8456,9 @@
                   <a:srgbClr val="FF0000"/>
                 </a:solidFill>
               </a:rPr>
-              <a:t>點選時間表上某時段，新增掛號</a:t>
-            </a:r>
-            <a:r>
-              <a:rPr lang="zh-TW" altLang="en-US" dirty="0" smtClean="0">
-                <a:solidFill>
-                  <a:srgbClr val="FF0000"/>
-                </a:solidFill>
-              </a:rPr>
-              <a:t>資訊</a:t>
-            </a:r>
-            <a:endParaRPr lang="en-US" altLang="zh-TW" dirty="0" smtClean="0">
+              <a:t>點選時間表上某時段，新增掛號資訊</a:t>
+            </a:r>
+            <a:endParaRPr lang="en-US" altLang="zh-TW" dirty="0">
               <a:solidFill>
                 <a:srgbClr val="FF0000"/>
               </a:solidFill>
@@ -8929,33 +8471,9 @@
                   <a:srgbClr val="FF0000"/>
                 </a:solidFill>
               </a:rPr>
-              <a:t>醫院</a:t>
-            </a:r>
-            <a:r>
-              <a:rPr lang="zh-TW" altLang="en-US" dirty="0" smtClean="0">
-                <a:solidFill>
-                  <a:srgbClr val="FF0000"/>
-                </a:solidFill>
-              </a:rPr>
-              <a:t>人員查詢</a:t>
-            </a:r>
-            <a:r>
-              <a:rPr lang="zh-TW" altLang="en-US" dirty="0">
-                <a:solidFill>
-                  <a:srgbClr val="FF0000"/>
-                </a:solidFill>
-              </a:rPr>
-              <a:t>某</a:t>
-            </a:r>
-            <a:r>
-              <a:rPr lang="zh-TW" altLang="en-US" dirty="0" smtClean="0">
-                <a:solidFill>
-                  <a:srgbClr val="FF0000"/>
-                </a:solidFill>
-              </a:rPr>
-              <a:t>時段掛號資料</a:t>
-            </a:r>
-            <a:endParaRPr lang="en-US" altLang="zh-TW" dirty="0" smtClean="0">
+              <a:t>醫院人員查詢某時段掛號資料</a:t>
+            </a:r>
+            <a:endParaRPr lang="en-US" altLang="zh-TW" dirty="0">
               <a:solidFill>
                 <a:srgbClr val="FF0000"/>
               </a:solidFill>
@@ -8966,12 +8484,8 @@
           </a:p>
           <a:p>
             <a:r>
-              <a:rPr lang="zh-TW" altLang="en-US" dirty="0" smtClean="0"/>
-              <a:t>其他案例可</a:t>
-            </a:r>
-            <a:r>
               <a:rPr lang="zh-TW" altLang="en-US" dirty="0"/>
-              <a:t>為 </a:t>
+              <a:t>其他案例可為 </a:t>
             </a:r>
             <a:r>
               <a:rPr lang="en-US" altLang="zh-TW" dirty="0"/>
@@ -8982,7 +8496,7 @@
               <a:t>、網頁之資料輸入、呈現、及統計分析介面</a:t>
             </a:r>
             <a:r>
-              <a:rPr lang="en-US" altLang="zh-TW" dirty="0" smtClean="0"/>
+              <a:rPr lang="en-US" altLang="zh-TW" dirty="0"/>
               <a:t>)</a:t>
             </a:r>
             <a:endParaRPr lang="zh-TW" altLang="en-US" dirty="0"/>
@@ -8999,13 +8513,6 @@
   <p:clrMapOvr>
     <a:masterClrMapping/>
   </p:clrMapOvr>
-  <p:timing>
-    <p:tnLst>
-      <p:par>
-        <p:cTn id="1" dur="indefinite" restart="never" nodeType="tmRoot"/>
-      </p:par>
-    </p:tnLst>
-  </p:timing>
 </p:sld>
 </file>
 
@@ -9050,28 +8557,28 @@
           <a:p>
             <a:pPr algn="ctr"/>
             <a:r>
-              <a:rPr lang="zh-TW" altLang="en-US" sz="4800" b="1" dirty="0" smtClean="0">
+              <a:rPr lang="zh-TW" altLang="en-US" sz="4800" b="1" dirty="0">
                 <a:latin typeface="+mn-ea"/>
                 <a:ea typeface="+mn-ea"/>
               </a:rPr>
               <a:t>相關 </a:t>
             </a:r>
             <a:r>
-              <a:rPr lang="en-US" altLang="zh-TW" sz="4800" b="1" dirty="0" smtClean="0">
+              <a:rPr lang="en-US" altLang="zh-TW" sz="4800" b="1" dirty="0">
                 <a:latin typeface="+mn-ea"/>
                 <a:ea typeface="+mn-ea"/>
               </a:rPr>
               <a:t>FHIR</a:t>
             </a:r>
             <a:r>
-              <a:rPr lang="zh-TW" altLang="en-US" sz="4800" b="1" dirty="0" smtClean="0">
+              <a:rPr lang="zh-TW" altLang="en-US" sz="4800" b="1" dirty="0">
                 <a:latin typeface="+mn-ea"/>
                 <a:ea typeface="+mn-ea"/>
               </a:rPr>
               <a:t> </a:t>
             </a:r>
             <a:r>
-              <a:rPr lang="en-US" altLang="zh-TW" sz="4800" b="1" dirty="0" smtClean="0">
+              <a:rPr lang="en-US" altLang="zh-TW" sz="4800" b="1" dirty="0">
                 <a:latin typeface="+mn-ea"/>
                 <a:ea typeface="+mn-ea"/>
               </a:rPr>
@@ -9107,26 +8614,11 @@
           <a:lstStyle/>
           <a:p>
             <a:r>
-              <a:rPr lang="zh-TW" altLang="en-US" sz="3200" dirty="0" smtClean="0">
-                <a:latin typeface="+mn-ea"/>
-              </a:rPr>
-              <a:t>預約</a:t>
-            </a:r>
-            <a:r>
               <a:rPr lang="zh-TW" altLang="en-US" sz="3200" dirty="0">
                 <a:latin typeface="+mn-ea"/>
               </a:rPr>
-              <a:t>及</a:t>
-            </a:r>
-            <a:r>
-              <a:rPr lang="zh-TW" altLang="en-US" sz="3200" dirty="0" smtClean="0">
-                <a:latin typeface="+mn-ea"/>
-              </a:rPr>
-              <a:t>掛號所需資訊</a:t>
-            </a:r>
-            <a:endParaRPr lang="zh-TW" altLang="en-US" sz="3200" dirty="0">
-              <a:latin typeface="+mn-ea"/>
-            </a:endParaRPr>
+              <a:t>預約及掛號所需資訊</a:t>
+            </a:r>
           </a:p>
           <a:p>
             <a:pPr lvl="1"/>
@@ -9175,12 +8667,12 @@
           </a:p>
           <a:p>
             <a:r>
-              <a:rPr lang="zh-TW" altLang="en-US" sz="3200" dirty="0" smtClean="0">
+              <a:rPr lang="zh-TW" altLang="en-US" sz="3200" dirty="0">
                 <a:latin typeface="+mn-ea"/>
               </a:rPr>
               <a:t>需預先建立的人員組織</a:t>
             </a:r>
-            <a:endParaRPr lang="en-US" altLang="zh-TW" sz="3200" dirty="0" smtClean="0">
+            <a:endParaRPr lang="en-US" altLang="zh-TW" sz="3200" dirty="0">
               <a:latin typeface="+mn-ea"/>
             </a:endParaRPr>
           </a:p>
@@ -9198,6 +8690,33 @@
               </a:rPr>
               <a:t>組織</a:t>
             </a:r>
+            <a:endParaRPr lang="en-US" altLang="zh-TW" sz="2800" b="1" dirty="0">
+              <a:latin typeface="+mn-ea"/>
+            </a:endParaRPr>
+          </a:p>
+          <a:p>
+            <a:pPr lvl="1"/>
+            <a:r>
+              <a:rPr lang="en-US" altLang="zh-TW" sz="2800" b="1" dirty="0">
+                <a:latin typeface="+mn-ea"/>
+              </a:rPr>
+              <a:t>Person (</a:t>
+            </a:r>
+            <a:r>
+              <a:rPr lang="zh-TW" altLang="en-US" sz="2800" b="1" dirty="0">
+                <a:latin typeface="+mn-ea"/>
+              </a:rPr>
+              <a:t>紀錄帳號</a:t>
+            </a:r>
+            <a:r>
+              <a:rPr lang="en-US" altLang="zh-TW" sz="2800" b="1" dirty="0">
+                <a:latin typeface="+mn-ea"/>
+              </a:rPr>
+              <a:t>)</a:t>
+            </a:r>
+            <a:endParaRPr lang="zh-TW" altLang="en-US" sz="2800" b="1" dirty="0">
+              <a:latin typeface="+mn-ea"/>
+            </a:endParaRPr>
           </a:p>
           <a:p>
             <a:pPr lvl="1"/>
@@ -9235,73 +8754,55 @@
           <a:p>
             <a:pPr lvl="1"/>
             <a:r>
-              <a:rPr lang="en-US" altLang="zh-TW" sz="2800" b="1" dirty="0" smtClean="0">
+              <a:rPr lang="en-US" altLang="zh-TW" sz="2800" b="1" dirty="0">
                 <a:latin typeface="+mn-ea"/>
               </a:rPr>
               <a:t>Practitioner</a:t>
             </a:r>
             <a:r>
-              <a:rPr lang="zh-TW" altLang="en-US" sz="2800" b="1" dirty="0" smtClean="0">
+              <a:rPr lang="zh-TW" altLang="en-US" sz="2800" b="1" dirty="0">
                 <a:latin typeface="+mn-ea"/>
               </a:rPr>
-              <a:t> </a:t>
-            </a:r>
-            <a:r>
-              <a:rPr lang="zh-TW" altLang="en-US" sz="2800" b="1" dirty="0" smtClean="0">
-                <a:latin typeface="+mn-ea"/>
-              </a:rPr>
-              <a:t>醫護從業人員</a:t>
-            </a:r>
-            <a:endParaRPr lang="en-US" altLang="zh-TW" sz="2800" b="1" dirty="0" smtClean="0">
+              <a:t> 醫護從業人員</a:t>
+            </a:r>
+            <a:endParaRPr lang="en-US" altLang="zh-TW" sz="2800" b="1" dirty="0">
               <a:latin typeface="+mn-ea"/>
             </a:endParaRPr>
           </a:p>
           <a:p>
             <a:pPr lvl="1"/>
             <a:r>
-              <a:rPr lang="en-US" altLang="zh-TW" sz="2800" b="1" dirty="0" err="1" smtClean="0">
+              <a:rPr lang="en-US" altLang="zh-TW" sz="2800" b="1" dirty="0" err="1">
                 <a:latin typeface="+mn-ea"/>
               </a:rPr>
               <a:t>PractitionerRole</a:t>
             </a:r>
             <a:r>
-              <a:rPr lang="zh-TW" altLang="en-US" sz="2800" b="1" dirty="0" smtClean="0">
+              <a:rPr lang="zh-TW" altLang="en-US" sz="2800" b="1" dirty="0">
                 <a:latin typeface="+mn-ea"/>
               </a:rPr>
-              <a:t> </a:t>
-            </a:r>
-            <a:r>
-              <a:rPr lang="zh-TW" altLang="en-US" sz="2800" b="1" dirty="0" smtClean="0">
-                <a:latin typeface="+mn-ea"/>
-              </a:rPr>
-              <a:t>隸屬於某組織之</a:t>
-            </a:r>
-            <a:r>
-              <a:rPr lang="zh-TW" altLang="en-US" sz="2800" b="1" dirty="0" smtClean="0">
-                <a:latin typeface="+mn-ea"/>
-              </a:rPr>
-              <a:t>工作人員</a:t>
-            </a:r>
-            <a:endParaRPr lang="en-US" altLang="zh-TW" sz="2800" b="1" dirty="0" smtClean="0">
+              <a:t> 隸屬於某組織之工作人員</a:t>
+            </a:r>
+            <a:endParaRPr lang="en-US" altLang="zh-TW" sz="2800" b="1" dirty="0">
               <a:latin typeface="+mn-ea"/>
             </a:endParaRPr>
           </a:p>
           <a:p>
             <a:pPr lvl="1"/>
             <a:r>
-              <a:rPr lang="en-US" altLang="zh-TW" sz="2800" b="1" dirty="0" smtClean="0">
+              <a:rPr lang="en-US" altLang="zh-TW" sz="2800" b="1" dirty="0">
                 <a:latin typeface="+mn-ea"/>
               </a:rPr>
               <a:t>Location: schedule reference </a:t>
             </a:r>
             <a:r>
-              <a:rPr lang="zh-TW" altLang="en-US" sz="2800" b="1" dirty="0" smtClean="0">
+              <a:rPr lang="zh-TW" altLang="en-US" sz="2800" b="1" dirty="0">
                 <a:latin typeface="+mn-ea"/>
               </a:rPr>
               <a:t>到 </a:t>
             </a:r>
             <a:r>
-              <a:rPr lang="en-US" altLang="zh-TW" sz="2800" b="1" dirty="0" smtClean="0">
+              <a:rPr lang="en-US" altLang="zh-TW" sz="2800" b="1" dirty="0">
                 <a:latin typeface="+mn-ea"/>
               </a:rPr>
               <a:t>location</a:t>
@@ -9325,13 +8826,6 @@
   <p:clrMapOvr>
     <a:masterClrMapping/>
   </p:clrMapOvr>
-  <p:timing>
-    <p:tnLst>
-      <p:par>
-        <p:cTn id="1" dur="indefinite" restart="never" nodeType="tmRoot"/>
-      </p:par>
-    </p:tnLst>
-  </p:timing>
 </p:sld>
 </file>
 
@@ -9376,16 +8870,12 @@
           <a:p>
             <a:pPr algn="ctr"/>
             <a:r>
-              <a:rPr lang="zh-TW" altLang="en-US" sz="4800" b="1" dirty="0" smtClean="0">
+              <a:rPr lang="zh-TW" altLang="en-US" sz="4800" b="1" dirty="0">
                 <a:latin typeface="+mn-ea"/>
                 <a:ea typeface="+mn-ea"/>
               </a:rPr>
               <a:t>掛號流程分析</a:t>
             </a:r>
-            <a:endParaRPr lang="zh-TW" altLang="en-US" sz="4800" b="1" dirty="0">
-              <a:latin typeface="+mn-ea"/>
-              <a:ea typeface="+mn-ea"/>
-            </a:endParaRPr>
           </a:p>
         </p:txBody>
       </p:sp>
@@ -9412,13 +8902,13 @@
           <a:lstStyle/>
           <a:p>
             <a:r>
-              <a:rPr lang="zh-TW" altLang="en-US" sz="3200" dirty="0" smtClean="0">
+              <a:rPr lang="zh-TW" altLang="en-US" sz="3200" dirty="0">
                 <a:latin typeface="+mn-ea"/>
               </a:rPr>
               <a:t>醫療單位定期上傳及更新</a:t>
             </a:r>
             <a:r>
-              <a:rPr lang="en-US" altLang="zh-TW" sz="3200" dirty="0" smtClean="0">
+              <a:rPr lang="en-US" altLang="zh-TW" sz="3200" dirty="0">
                 <a:latin typeface="+mn-ea"/>
               </a:rPr>
               <a:t>:</a:t>
@@ -9436,14 +8926,11 @@
           <a:p>
             <a:pPr lvl="1"/>
             <a:r>
-              <a:rPr lang="zh-TW" altLang="en-US" sz="2800" dirty="0" smtClean="0">
+              <a:rPr lang="zh-TW" altLang="en-US" sz="2800" dirty="0">
                 <a:latin typeface="+mn-ea"/>
               </a:rPr>
               <a:t>預約掛號時段資訊</a:t>
             </a:r>
-            <a:endParaRPr lang="zh-TW" altLang="en-US" sz="2800" dirty="0">
-              <a:latin typeface="+mn-ea"/>
-            </a:endParaRPr>
           </a:p>
           <a:p>
             <a:pPr lvl="2"/>
@@ -9457,25 +8944,13 @@
               <a:rPr lang="en-US" altLang="zh-TW" sz="2400" dirty="0">
                 <a:latin typeface="+mn-ea"/>
               </a:rPr>
-              <a:t>:</a:t>
-            </a:r>
-            <a:r>
-              <a:rPr lang="en-US" altLang="zh-TW" sz="2400" dirty="0" smtClean="0">
-                <a:latin typeface="+mn-ea"/>
-              </a:rPr>
-              <a:t>schedule</a:t>
-            </a:r>
-            <a:r>
-              <a:rPr lang="zh-TW" altLang="en-US" sz="2400" dirty="0" smtClean="0">
-                <a:latin typeface="+mn-ea"/>
-              </a:rPr>
-              <a:t>、看</a:t>
+              <a:t>:schedule</a:t>
             </a:r>
             <a:r>
               <a:rPr lang="zh-TW" altLang="en-US" sz="2400" dirty="0">
                 <a:latin typeface="+mn-ea"/>
               </a:rPr>
-              <a:t>診科別及時段</a:t>
+              <a:t>、看診科別及時段</a:t>
             </a:r>
             <a:r>
               <a:rPr lang="en-US" altLang="zh-TW" sz="2400" dirty="0">
@@ -9486,71 +8961,59 @@
           </a:p>
           <a:p>
             <a:r>
-              <a:rPr lang="zh-TW" altLang="en-US" sz="3200" dirty="0" smtClean="0">
+              <a:rPr lang="zh-TW" altLang="en-US" sz="3200" dirty="0">
                 <a:latin typeface="+mn-ea"/>
               </a:rPr>
               <a:t>民眾</a:t>
             </a:r>
-            <a:endParaRPr lang="en-US" altLang="zh-TW" sz="3200" dirty="0" smtClean="0">
+            <a:endParaRPr lang="en-US" altLang="zh-TW" sz="3200" dirty="0">
               <a:latin typeface="+mn-ea"/>
             </a:endParaRPr>
           </a:p>
           <a:p>
             <a:pPr lvl="1"/>
-            <a:r>
-              <a:rPr lang="zh-TW" altLang="en-US" sz="2800" dirty="0" smtClean="0">
-                <a:latin typeface="+mn-ea"/>
-              </a:rPr>
-              <a:t>預先在平台建立帳號、可提供病人狀況</a:t>
-            </a:r>
             <a:r>
               <a:rPr lang="zh-TW" altLang="en-US" sz="2800" dirty="0">
                 <a:latin typeface="+mn-ea"/>
               </a:rPr>
-              <a:t>及問題</a:t>
-            </a:r>
-            <a:r>
-              <a:rPr lang="zh-TW" altLang="en-US" sz="2800" dirty="0" smtClean="0">
-                <a:latin typeface="+mn-ea"/>
-              </a:rPr>
-              <a:t>資訊、選定掛號時段</a:t>
-            </a:r>
-            <a:endParaRPr lang="en-US" altLang="zh-TW" sz="2800" dirty="0" smtClean="0">
+              <a:t>預先在平台建立帳號、可提供病人狀況及問題資訊、選定掛號時段</a:t>
+            </a:r>
+            <a:endParaRPr lang="en-US" altLang="zh-TW" sz="2800" dirty="0">
               <a:latin typeface="+mn-ea"/>
             </a:endParaRPr>
           </a:p>
           <a:p>
             <a:r>
-              <a:rPr lang="zh-TW" altLang="en-US" sz="3200" dirty="0" smtClean="0">
+              <a:rPr lang="zh-TW" altLang="en-US" sz="3200" dirty="0">
                 <a:latin typeface="+mn-ea"/>
               </a:rPr>
               <a:t>結果查詢</a:t>
             </a:r>
-            <a:endParaRPr lang="en-US" altLang="zh-TW" sz="3200" dirty="0" smtClean="0">
+            <a:endParaRPr lang="en-US" altLang="zh-TW" sz="3200" dirty="0">
               <a:latin typeface="+mn-ea"/>
             </a:endParaRPr>
           </a:p>
           <a:p>
             <a:pPr lvl="1"/>
             <a:r>
-              <a:rPr lang="zh-TW" altLang="en-US" sz="2800" dirty="0" smtClean="0">
+              <a:rPr lang="zh-TW" altLang="en-US" sz="2800" dirty="0">
                 <a:latin typeface="+mn-ea"/>
               </a:rPr>
               <a:t>民眾查詢個人或家屬之掛號資訊</a:t>
             </a:r>
-            <a:endParaRPr lang="en-US" altLang="zh-TW" sz="2800" dirty="0" smtClean="0">
+            <a:endParaRPr lang="en-US" altLang="zh-TW" sz="2800" dirty="0">
               <a:latin typeface="+mn-ea"/>
             </a:endParaRPr>
           </a:p>
           <a:p>
             <a:pPr lvl="1"/>
             <a:r>
-              <a:rPr lang="zh-TW" altLang="en-US" sz="2800" dirty="0" smtClean="0">
+              <a:rPr lang="zh-TW" altLang="en-US" sz="2800" dirty="0">
                 <a:latin typeface="+mn-ea"/>
               </a:rPr>
               <a:t>各機構查該機構之掛號資訊</a:t>
             </a:r>
-            <a:endParaRPr lang="en-US" altLang="zh-TW" sz="2400" dirty="0" smtClean="0">
+            <a:endParaRPr lang="en-US" altLang="zh-TW" sz="2400" dirty="0">
               <a:latin typeface="+mn-ea"/>
             </a:endParaRPr>
           </a:p>
@@ -9566,13 +9029,6 @@
   <p:clrMapOvr>
     <a:masterClrMapping/>
   </p:clrMapOvr>
-  <p:timing>
-    <p:tnLst>
-      <p:par>
-        <p:cTn id="1" dur="indefinite" restart="never" nodeType="tmRoot"/>
-      </p:par>
-    </p:tnLst>
-  </p:timing>
 </p:sld>
 </file>
 
@@ -9616,13 +9072,8 @@
             <a:pPr algn="ctr"/>
             <a:r>
               <a:rPr lang="zh-TW" altLang="en-US" dirty="0"/>
-              <a:t>已</a:t>
-            </a:r>
-            <a:r>
-              <a:rPr lang="zh-TW" altLang="en-US" dirty="0" smtClean="0"/>
-              <a:t>上傳之資料範例</a:t>
-            </a:r>
-            <a:endParaRPr lang="zh-TW" altLang="en-US" dirty="0"/>
+              <a:t>已上傳之資料範例</a:t>
+            </a:r>
           </a:p>
         </p:txBody>
       </p:sp>
@@ -9650,22 +9101,14 @@
           </a:p>
           <a:p>
             <a:r>
-              <a:rPr lang="en-US" altLang="zh-TW" dirty="0" smtClean="0"/>
-              <a:t>https</a:t>
-            </a:r>
-            <a:r>
               <a:rPr lang="en-US" altLang="zh-TW" dirty="0"/>
-              <a:t>://hapi.fhir.tw/fhir/Practitioner/1230</a:t>
-            </a:r>
-          </a:p>
-          <a:p>
-            <a:r>
-              <a:rPr lang="en-US" altLang="zh-TW" dirty="0" smtClean="0"/>
-              <a:t>https</a:t>
-            </a:r>
+              <a:t>https://hapi.fhir.tw/fhir/Practitioner/1230</a:t>
+            </a:r>
+          </a:p>
+          <a:p>
             <a:r>
               <a:rPr lang="en-US" altLang="zh-TW" dirty="0"/>
-              <a:t>://hapi.fhir.tw/fhir/Location/1232</a:t>
+              <a:t>https://hapi.fhir.tw/fhir/Location/1232</a:t>
             </a:r>
           </a:p>
           <a:p>
@@ -9675,44 +9118,28 @@
             </a:r>
           </a:p>
           <a:p>
-            <a:r>
-              <a:rPr lang="en-US" altLang="zh-TW" dirty="0" smtClean="0">
-                <a:hlinkClick r:id="rId2"/>
-              </a:rPr>
-              <a:t>https</a:t>
-            </a:r>
             <a:r>
               <a:rPr lang="en-US" altLang="zh-TW" dirty="0">
                 <a:hlinkClick r:id="rId2"/>
               </a:rPr>
-              <a:t>://</a:t>
-            </a:r>
-            <a:r>
-              <a:rPr lang="en-US" altLang="zh-TW" dirty="0" smtClean="0">
-                <a:hlinkClick r:id="rId2"/>
-              </a:rPr>
-              <a:t>hapi.fhir.tw/fhir/Slot/1236</a:t>
-            </a:r>
-            <a:endParaRPr lang="en-US" altLang="zh-TW" dirty="0" smtClean="0"/>
+              <a:t>https://hapi.fhir.tw/fhir/Slot/1236</a:t>
+            </a:r>
+            <a:endParaRPr lang="en-US" altLang="zh-TW" dirty="0"/>
           </a:p>
           <a:p>
             <a:r>
               <a:rPr lang="en-US" altLang="zh-TW" dirty="0"/>
-              <a:t>slot with </a:t>
-            </a:r>
-            <a:r>
-              <a:rPr lang="en-US" altLang="zh-TW" dirty="0" smtClean="0"/>
-              <a:t>comment:</a:t>
-            </a:r>
-            <a:r>
-              <a:rPr lang="zh-TW" altLang="en-US" dirty="0" smtClean="0"/>
+              <a:t>slot with comment:</a:t>
+            </a:r>
+            <a:r>
+              <a:rPr lang="zh-TW" altLang="en-US" dirty="0"/>
               <a:t> 限掛人數</a:t>
             </a:r>
-            <a:endParaRPr lang="en-US" altLang="zh-TW" dirty="0" smtClean="0"/>
-          </a:p>
-          <a:p>
-            <a:r>
-              <a:rPr lang="zh-TW" altLang="en-US" dirty="0" smtClean="0"/>
+            <a:endParaRPr lang="en-US" altLang="zh-TW" dirty="0"/>
+          </a:p>
+          <a:p>
+            <a:r>
+              <a:rPr lang="zh-TW" altLang="en-US" dirty="0"/>
               <a:t>新增範例需求</a:t>
             </a:r>
             <a:endParaRPr lang="en-US" altLang="zh-TW" dirty="0"/>
@@ -9720,58 +9147,58 @@
           <a:p>
             <a:pPr lvl="1"/>
             <a:r>
-              <a:rPr lang="zh-TW" altLang="en-US" dirty="0" smtClean="0"/>
+              <a:rPr lang="zh-TW" altLang="en-US" dirty="0"/>
               <a:t>更多個病人資料</a:t>
             </a:r>
-            <a:endParaRPr lang="en-US" altLang="zh-TW" dirty="0" smtClean="0"/>
+            <a:endParaRPr lang="en-US" altLang="zh-TW" dirty="0"/>
           </a:p>
           <a:p>
             <a:pPr lvl="1"/>
             <a:r>
-              <a:rPr lang="zh-TW" altLang="en-US" dirty="0" smtClean="0"/>
+              <a:rPr lang="zh-TW" altLang="en-US" dirty="0"/>
               <a:t>建構兩三個不同機構</a:t>
             </a:r>
             <a:r>
-              <a:rPr lang="en-US" altLang="zh-TW" dirty="0" smtClean="0"/>
+              <a:rPr lang="en-US" altLang="zh-TW" dirty="0"/>
               <a:t>(</a:t>
             </a:r>
             <a:r>
-              <a:rPr lang="zh-TW" altLang="en-US" dirty="0" smtClean="0"/>
+              <a:rPr lang="zh-TW" altLang="en-US" dirty="0"/>
               <a:t>眼科</a:t>
             </a:r>
             <a:r>
-              <a:rPr lang="en-US" altLang="zh-TW" dirty="0" smtClean="0"/>
+              <a:rPr lang="en-US" altLang="zh-TW" dirty="0"/>
               <a:t>)</a:t>
             </a:r>
             <a:r>
-              <a:rPr lang="zh-TW" altLang="en-US" dirty="0" smtClean="0"/>
+              <a:rPr lang="zh-TW" altLang="en-US" dirty="0"/>
               <a:t>醫生之看診排程</a:t>
             </a:r>
             <a:r>
-              <a:rPr lang="en-US" altLang="zh-TW" dirty="0" smtClean="0"/>
+              <a:rPr lang="en-US" altLang="zh-TW" dirty="0"/>
               <a:t>(</a:t>
             </a:r>
             <a:r>
-              <a:rPr lang="zh-TW" altLang="en-US" dirty="0" smtClean="0"/>
+              <a:rPr lang="zh-TW" altLang="en-US" dirty="0"/>
               <a:t> </a:t>
             </a:r>
             <a:r>
-              <a:rPr lang="en-US" altLang="zh-TW" dirty="0" smtClean="0"/>
+              <a:rPr lang="en-US" altLang="zh-TW" dirty="0"/>
               <a:t>schedule)</a:t>
             </a:r>
           </a:p>
           <a:p>
             <a:pPr lvl="2"/>
             <a:r>
-              <a:rPr lang="en-US" altLang="zh-TW" dirty="0" smtClean="0"/>
+              <a:rPr lang="en-US" altLang="zh-TW" dirty="0"/>
               <a:t>Schedule </a:t>
             </a:r>
             <a:r>
-              <a:rPr lang="zh-TW" altLang="en-US" dirty="0" smtClean="0"/>
+              <a:rPr lang="zh-TW" altLang="en-US" dirty="0"/>
               <a:t>當中新增多個時段 </a:t>
             </a:r>
             <a:r>
-              <a:rPr lang="en-US" altLang="zh-TW" dirty="0" smtClean="0"/>
+              <a:rPr lang="en-US" altLang="zh-TW" dirty="0"/>
               <a:t>(slot)</a:t>
             </a:r>
             <a:endParaRPr lang="zh-TW" altLang="en-US" dirty="0"/>
@@ -9788,13 +9215,6 @@
   <p:clrMapOvr>
     <a:masterClrMapping/>
   </p:clrMapOvr>
-  <p:timing>
-    <p:tnLst>
-      <p:par>
-        <p:cTn id="1" dur="indefinite" restart="never" nodeType="tmRoot"/>
-      </p:par>
-    </p:tnLst>
-  </p:timing>
 </p:sld>
 </file>
 
@@ -9831,10 +9251,9 @@
           <a:lstStyle/>
           <a:p>
             <a:r>
-              <a:rPr lang="zh-TW" altLang="en-US" dirty="0" smtClean="0"/>
+              <a:rPr lang="zh-TW" altLang="en-US" dirty="0"/>
               <a:t>掛號新增介面</a:t>
             </a:r>
-            <a:endParaRPr lang="zh-TW" altLang="en-US" dirty="0"/>
           </a:p>
         </p:txBody>
       </p:sp>
@@ -9854,21 +9273,17 @@
           <a:lstStyle/>
           <a:p>
             <a:r>
-              <a:rPr lang="zh-TW" altLang="en-US" dirty="0" smtClean="0"/>
-              <a:t>登入</a:t>
-            </a:r>
-            <a:r>
               <a:rPr lang="zh-TW" altLang="en-US" dirty="0"/>
-              <a:t>病人</a:t>
-            </a:r>
-            <a:endParaRPr lang="en-US" altLang="zh-TW" dirty="0" smtClean="0"/>
-          </a:p>
-          <a:p>
-            <a:r>
-              <a:rPr lang="zh-TW" altLang="en-US" dirty="0" smtClean="0"/>
+              <a:t>登入病人</a:t>
+            </a:r>
+            <a:endParaRPr lang="en-US" altLang="zh-TW" dirty="0"/>
+          </a:p>
+          <a:p>
+            <a:r>
+              <a:rPr lang="zh-TW" altLang="en-US" dirty="0"/>
               <a:t>查詢及條列看診時間表</a:t>
             </a:r>
-            <a:endParaRPr lang="en-US" altLang="zh-TW" dirty="0" smtClean="0"/>
+            <a:endParaRPr lang="en-US" altLang="zh-TW" dirty="0"/>
           </a:p>
           <a:p>
             <a:pPr lvl="1"/>
@@ -9876,26 +9291,21 @@
               <a:rPr lang="en-US" altLang="zh-TW" dirty="0"/>
               <a:t>https://hapi.fhir.tw/fhir/Slot?schedule=1233</a:t>
             </a:r>
-            <a:endParaRPr lang="en-US" altLang="zh-TW" dirty="0" smtClean="0"/>
-          </a:p>
-          <a:p>
-            <a:r>
-              <a:rPr lang="zh-TW" altLang="en-US" dirty="0" smtClean="0"/>
+          </a:p>
+          <a:p>
+            <a:r>
+              <a:rPr lang="zh-TW" altLang="en-US" dirty="0"/>
               <a:t>選擇時段</a:t>
             </a:r>
             <a:r>
-              <a:rPr lang="en-US" altLang="zh-TW" dirty="0" smtClean="0"/>
+              <a:rPr lang="en-US" altLang="zh-TW" dirty="0"/>
               <a:t>(slot)</a:t>
             </a:r>
           </a:p>
           <a:p>
             <a:r>
-              <a:rPr lang="zh-TW" altLang="en-US" dirty="0" smtClean="0"/>
-              <a:t>產生及上傳掛號資</a:t>
-            </a:r>
-            <a:r>
               <a:rPr lang="zh-TW" altLang="en-US" dirty="0"/>
-              <a:t>訊</a:t>
+              <a:t>產生及上傳掛號資訊</a:t>
             </a:r>
           </a:p>
         </p:txBody>
@@ -9910,13 +9320,6 @@
   <p:clrMapOvr>
     <a:masterClrMapping/>
   </p:clrMapOvr>
-  <p:timing>
-    <p:tnLst>
-      <p:par>
-        <p:cTn id="1" dur="indefinite" restart="never" nodeType="tmRoot"/>
-      </p:par>
-    </p:tnLst>
-  </p:timing>
 </p:sld>
 </file>
 
